--- a/2semestar/SOSA/SOSA Studentske prezentacije - DAK_Fuzzing.pptx
+++ b/2semestar/SOSA/SOSA Studentske prezentacije - DAK_Fuzzing.pptx
@@ -1613,7 +1613,7 @@
   <p:cSld>
     <p:spTree>
       <p:nvGrpSpPr>
-        <p:cNvPr id="177" name="Shape 177"/>
+        <p:cNvPr id="178" name="Shape 178"/>
         <p:cNvGrpSpPr/>
         <p:nvPr/>
       </p:nvGrpSpPr>
@@ -1627,7 +1627,7 @@
       </p:grpSpPr>
       <p:sp>
         <p:nvSpPr>
-          <p:cNvPr id="178" name="Google Shape;178;g33628ec794c_1_598:notes"/>
+          <p:cNvPr id="179" name="Google Shape;179;g33628ec794c_1_598:notes"/>
           <p:cNvSpPr txBox="1"/>
           <p:nvPr>
             <p:ph idx="1" type="body"/>
@@ -1666,7 +1666,7 @@
       </p:sp>
       <p:sp>
         <p:nvSpPr>
-          <p:cNvPr id="179" name="Google Shape;179;g33628ec794c_1_598:notes"/>
+          <p:cNvPr id="180" name="Google Shape;180;g33628ec794c_1_598:notes"/>
           <p:cNvSpPr/>
           <p:nvPr>
             <p:ph idx="2" type="sldImg"/>
@@ -1712,7 +1712,7 @@
   <p:cSld>
     <p:spTree>
       <p:nvGrpSpPr>
-        <p:cNvPr id="185" name="Shape 185"/>
+        <p:cNvPr id="186" name="Shape 186"/>
         <p:cNvGrpSpPr/>
         <p:nvPr/>
       </p:nvGrpSpPr>
@@ -1726,7 +1726,7 @@
       </p:grpSpPr>
       <p:sp>
         <p:nvSpPr>
-          <p:cNvPr id="186" name="Google Shape;186;g35b78051a79_0_525:notes"/>
+          <p:cNvPr id="187" name="Google Shape;187;g35b78051a79_0_525:notes"/>
           <p:cNvSpPr txBox="1"/>
           <p:nvPr>
             <p:ph idx="1" type="body"/>
@@ -1765,7 +1765,7 @@
       </p:sp>
       <p:sp>
         <p:nvSpPr>
-          <p:cNvPr id="187" name="Google Shape;187;g35b78051a79_0_525:notes"/>
+          <p:cNvPr id="188" name="Google Shape;188;g35b78051a79_0_525:notes"/>
           <p:cNvSpPr/>
           <p:nvPr>
             <p:ph idx="2" type="sldImg"/>
@@ -1811,7 +1811,7 @@
   <p:cSld>
     <p:spTree>
       <p:nvGrpSpPr>
-        <p:cNvPr id="193" name="Shape 193"/>
+        <p:cNvPr id="194" name="Shape 194"/>
         <p:cNvGrpSpPr/>
         <p:nvPr/>
       </p:nvGrpSpPr>
@@ -1825,7 +1825,7 @@
       </p:grpSpPr>
       <p:sp>
         <p:nvSpPr>
-          <p:cNvPr id="194" name="Google Shape;194;g33628ec794c_1_605:notes"/>
+          <p:cNvPr id="195" name="Google Shape;195;g33628ec794c_1_605:notes"/>
           <p:cNvSpPr txBox="1"/>
           <p:nvPr>
             <p:ph idx="1" type="body"/>
@@ -1864,7 +1864,7 @@
       </p:sp>
       <p:sp>
         <p:nvSpPr>
-          <p:cNvPr id="195" name="Google Shape;195;g33628ec794c_1_605:notes"/>
+          <p:cNvPr id="196" name="Google Shape;196;g33628ec794c_1_605:notes"/>
           <p:cNvSpPr/>
           <p:nvPr>
             <p:ph idx="2" type="sldImg"/>
@@ -1910,7 +1910,7 @@
   <p:cSld>
     <p:spTree>
       <p:nvGrpSpPr>
-        <p:cNvPr id="201" name="Shape 201"/>
+        <p:cNvPr id="202" name="Shape 202"/>
         <p:cNvGrpSpPr/>
         <p:nvPr/>
       </p:nvGrpSpPr>
@@ -1924,7 +1924,7 @@
       </p:grpSpPr>
       <p:sp>
         <p:nvSpPr>
-          <p:cNvPr id="202" name="Google Shape;202;g35b78051a79_0_532:notes"/>
+          <p:cNvPr id="203" name="Google Shape;203;g35b78051a79_0_532:notes"/>
           <p:cNvSpPr txBox="1"/>
           <p:nvPr>
             <p:ph idx="1" type="body"/>
@@ -1963,7 +1963,7 @@
       </p:sp>
       <p:sp>
         <p:nvSpPr>
-          <p:cNvPr id="203" name="Google Shape;203;g35b78051a79_0_532:notes"/>
+          <p:cNvPr id="204" name="Google Shape;204;g35b78051a79_0_532:notes"/>
           <p:cNvSpPr/>
           <p:nvPr>
             <p:ph idx="2" type="sldImg"/>
@@ -2009,7 +2009,7 @@
   <p:cSld>
     <p:spTree>
       <p:nvGrpSpPr>
-        <p:cNvPr id="209" name="Shape 209"/>
+        <p:cNvPr id="210" name="Shape 210"/>
         <p:cNvGrpSpPr/>
         <p:nvPr/>
       </p:nvGrpSpPr>
@@ -2023,7 +2023,7 @@
       </p:grpSpPr>
       <p:sp>
         <p:nvSpPr>
-          <p:cNvPr id="210" name="Google Shape;210;g33628ec794c_1_611:notes"/>
+          <p:cNvPr id="211" name="Google Shape;211;g33628ec794c_1_611:notes"/>
           <p:cNvSpPr txBox="1"/>
           <p:nvPr>
             <p:ph idx="1" type="body"/>
@@ -2062,7 +2062,7 @@
       </p:sp>
       <p:sp>
         <p:nvSpPr>
-          <p:cNvPr id="211" name="Google Shape;211;g33628ec794c_1_611:notes"/>
+          <p:cNvPr id="212" name="Google Shape;212;g33628ec794c_1_611:notes"/>
           <p:cNvSpPr/>
           <p:nvPr>
             <p:ph idx="2" type="sldImg"/>
@@ -2108,7 +2108,7 @@
   <p:cSld>
     <p:spTree>
       <p:nvGrpSpPr>
-        <p:cNvPr id="217" name="Shape 217"/>
+        <p:cNvPr id="218" name="Shape 218"/>
         <p:cNvGrpSpPr/>
         <p:nvPr/>
       </p:nvGrpSpPr>
@@ -2122,7 +2122,7 @@
       </p:grpSpPr>
       <p:sp>
         <p:nvSpPr>
-          <p:cNvPr id="218" name="Google Shape;218;g35b78051a79_0_539:notes"/>
+          <p:cNvPr id="219" name="Google Shape;219;g35b78051a79_0_539:notes"/>
           <p:cNvSpPr txBox="1"/>
           <p:nvPr>
             <p:ph idx="1" type="body"/>
@@ -2161,7 +2161,7 @@
       </p:sp>
       <p:sp>
         <p:nvSpPr>
-          <p:cNvPr id="219" name="Google Shape;219;g35b78051a79_0_539:notes"/>
+          <p:cNvPr id="220" name="Google Shape;220;g35b78051a79_0_539:notes"/>
           <p:cNvSpPr/>
           <p:nvPr>
             <p:ph idx="2" type="sldImg"/>
@@ -2207,7 +2207,7 @@
   <p:cSld>
     <p:spTree>
       <p:nvGrpSpPr>
-        <p:cNvPr id="225" name="Shape 225"/>
+        <p:cNvPr id="226" name="Shape 226"/>
         <p:cNvGrpSpPr/>
         <p:nvPr/>
       </p:nvGrpSpPr>
@@ -2221,7 +2221,7 @@
       </p:grpSpPr>
       <p:sp>
         <p:nvSpPr>
-          <p:cNvPr id="226" name="Google Shape;226;g33628ec794c_1_619:notes"/>
+          <p:cNvPr id="227" name="Google Shape;227;g33628ec794c_1_619:notes"/>
           <p:cNvSpPr txBox="1"/>
           <p:nvPr>
             <p:ph idx="1" type="body"/>
@@ -2260,7 +2260,7 @@
       </p:sp>
       <p:sp>
         <p:nvSpPr>
-          <p:cNvPr id="227" name="Google Shape;227;g33628ec794c_1_619:notes"/>
+          <p:cNvPr id="228" name="Google Shape;228;g33628ec794c_1_619:notes"/>
           <p:cNvSpPr/>
           <p:nvPr>
             <p:ph idx="2" type="sldImg"/>
@@ -2306,7 +2306,7 @@
   <p:cSld>
     <p:spTree>
       <p:nvGrpSpPr>
-        <p:cNvPr id="234" name="Shape 234"/>
+        <p:cNvPr id="235" name="Shape 235"/>
         <p:cNvGrpSpPr/>
         <p:nvPr/>
       </p:nvGrpSpPr>
@@ -2320,7 +2320,7 @@
       </p:grpSpPr>
       <p:sp>
         <p:nvSpPr>
-          <p:cNvPr id="235" name="Google Shape;235;g33628ec794c_1_35:notes"/>
+          <p:cNvPr id="236" name="Google Shape;236;g33628ec794c_1_35:notes"/>
           <p:cNvSpPr txBox="1"/>
           <p:nvPr>
             <p:ph idx="1" type="body"/>
@@ -2359,7 +2359,7 @@
       </p:sp>
       <p:sp>
         <p:nvSpPr>
-          <p:cNvPr id="236" name="Google Shape;236;g33628ec794c_1_35:notes"/>
+          <p:cNvPr id="237" name="Google Shape;237;g33628ec794c_1_35:notes"/>
           <p:cNvSpPr/>
           <p:nvPr>
             <p:ph idx="2" type="sldImg"/>
@@ -2405,7 +2405,7 @@
   <p:cSld>
     <p:spTree>
       <p:nvGrpSpPr>
-        <p:cNvPr id="242" name="Shape 242"/>
+        <p:cNvPr id="243" name="Shape 243"/>
         <p:cNvGrpSpPr/>
         <p:nvPr/>
       </p:nvGrpSpPr>
@@ -2419,7 +2419,7 @@
       </p:grpSpPr>
       <p:sp>
         <p:nvSpPr>
-          <p:cNvPr id="243" name="Google Shape;243;g33628ec794c_1_634:notes"/>
+          <p:cNvPr id="244" name="Google Shape;244;g33628ec794c_1_634:notes"/>
           <p:cNvSpPr txBox="1"/>
           <p:nvPr>
             <p:ph idx="1" type="body"/>
@@ -2458,7 +2458,7 @@
       </p:sp>
       <p:sp>
         <p:nvSpPr>
-          <p:cNvPr id="244" name="Google Shape;244;g33628ec794c_1_634:notes"/>
+          <p:cNvPr id="245" name="Google Shape;245;g33628ec794c_1_634:notes"/>
           <p:cNvSpPr/>
           <p:nvPr>
             <p:ph idx="2" type="sldImg"/>
@@ -2504,7 +2504,7 @@
   <p:cSld>
     <p:spTree>
       <p:nvGrpSpPr>
-        <p:cNvPr id="251" name="Shape 251"/>
+        <p:cNvPr id="252" name="Shape 252"/>
         <p:cNvGrpSpPr/>
         <p:nvPr/>
       </p:nvGrpSpPr>
@@ -2518,7 +2518,7 @@
       </p:grpSpPr>
       <p:sp>
         <p:nvSpPr>
-          <p:cNvPr id="252" name="Google Shape;252;g33628ec794c_1_642:notes"/>
+          <p:cNvPr id="253" name="Google Shape;253;g33628ec794c_1_642:notes"/>
           <p:cNvSpPr txBox="1"/>
           <p:nvPr>
             <p:ph idx="1" type="body"/>
@@ -2557,7 +2557,7 @@
       </p:sp>
       <p:sp>
         <p:nvSpPr>
-          <p:cNvPr id="253" name="Google Shape;253;g33628ec794c_1_642:notes"/>
+          <p:cNvPr id="254" name="Google Shape;254;g33628ec794c_1_642:notes"/>
           <p:cNvSpPr/>
           <p:nvPr>
             <p:ph idx="2" type="sldImg"/>
@@ -2702,7 +2702,7 @@
   <p:cSld>
     <p:spTree>
       <p:nvGrpSpPr>
-        <p:cNvPr id="266" name="Shape 266"/>
+        <p:cNvPr id="267" name="Shape 267"/>
         <p:cNvGrpSpPr/>
         <p:nvPr/>
       </p:nvGrpSpPr>
@@ -2716,7 +2716,7 @@
       </p:grpSpPr>
       <p:sp>
         <p:nvSpPr>
-          <p:cNvPr id="267" name="Google Shape;267;g33628ec794c_1_657:notes"/>
+          <p:cNvPr id="268" name="Google Shape;268;g33628ec794c_1_657:notes"/>
           <p:cNvSpPr txBox="1"/>
           <p:nvPr>
             <p:ph idx="1" type="body"/>
@@ -2755,7 +2755,7 @@
       </p:sp>
       <p:sp>
         <p:nvSpPr>
-          <p:cNvPr id="268" name="Google Shape;268;g33628ec794c_1_657:notes"/>
+          <p:cNvPr id="269" name="Google Shape;269;g33628ec794c_1_657:notes"/>
           <p:cNvSpPr/>
           <p:nvPr>
             <p:ph idx="2" type="sldImg"/>
@@ -2801,7 +2801,7 @@
   <p:cSld>
     <p:spTree>
       <p:nvGrpSpPr>
-        <p:cNvPr id="275" name="Shape 275"/>
+        <p:cNvPr id="276" name="Shape 276"/>
         <p:cNvGrpSpPr/>
         <p:nvPr/>
       </p:nvGrpSpPr>
@@ -2815,7 +2815,7 @@
       </p:grpSpPr>
       <p:sp>
         <p:nvSpPr>
-          <p:cNvPr id="276" name="Google Shape;276;g33628ec794c_1_41:notes"/>
+          <p:cNvPr id="277" name="Google Shape;277;g33628ec794c_1_41:notes"/>
           <p:cNvSpPr txBox="1"/>
           <p:nvPr>
             <p:ph idx="1" type="body"/>
@@ -2854,7 +2854,7 @@
       </p:sp>
       <p:sp>
         <p:nvSpPr>
-          <p:cNvPr id="277" name="Google Shape;277;g33628ec794c_1_41:notes"/>
+          <p:cNvPr id="278" name="Google Shape;278;g33628ec794c_1_41:notes"/>
           <p:cNvSpPr/>
           <p:nvPr>
             <p:ph idx="2" type="sldImg"/>
@@ -2900,7 +2900,7 @@
   <p:cSld>
     <p:spTree>
       <p:nvGrpSpPr>
-        <p:cNvPr id="283" name="Shape 283"/>
+        <p:cNvPr id="284" name="Shape 284"/>
         <p:cNvGrpSpPr/>
         <p:nvPr/>
       </p:nvGrpSpPr>
@@ -2914,7 +2914,7 @@
       </p:grpSpPr>
       <p:sp>
         <p:nvSpPr>
-          <p:cNvPr id="284" name="Google Shape;284;g35b78051a79_0_518:notes"/>
+          <p:cNvPr id="285" name="Google Shape;285;g35b78051a79_0_518:notes"/>
           <p:cNvSpPr txBox="1"/>
           <p:nvPr>
             <p:ph idx="1" type="body"/>
@@ -2953,7 +2953,7 @@
       </p:sp>
       <p:sp>
         <p:nvSpPr>
-          <p:cNvPr id="285" name="Google Shape;285;g35b78051a79_0_518:notes"/>
+          <p:cNvPr id="286" name="Google Shape;286;g35b78051a79_0_518:notes"/>
           <p:cNvSpPr/>
           <p:nvPr>
             <p:ph idx="2" type="sldImg"/>
@@ -2999,7 +2999,7 @@
   <p:cSld>
     <p:spTree>
       <p:nvGrpSpPr>
-        <p:cNvPr id="291" name="Shape 291"/>
+        <p:cNvPr id="292" name="Shape 292"/>
         <p:cNvGrpSpPr/>
         <p:nvPr/>
       </p:nvGrpSpPr>
@@ -3013,7 +3013,7 @@
       </p:grpSpPr>
       <p:sp>
         <p:nvSpPr>
-          <p:cNvPr id="292" name="Google Shape;292;g33628ec794c_1_47:notes"/>
+          <p:cNvPr id="293" name="Google Shape;293;g33628ec794c_1_47:notes"/>
           <p:cNvSpPr txBox="1"/>
           <p:nvPr>
             <p:ph idx="1" type="body"/>
@@ -3052,7 +3052,7 @@
       </p:sp>
       <p:sp>
         <p:nvSpPr>
-          <p:cNvPr id="293" name="Google Shape;293;g33628ec794c_1_47:notes"/>
+          <p:cNvPr id="294" name="Google Shape;294;g33628ec794c_1_47:notes"/>
           <p:cNvSpPr/>
           <p:nvPr>
             <p:ph idx="2" type="sldImg"/>
@@ -3098,7 +3098,7 @@
   <p:cSld>
     <p:spTree>
       <p:nvGrpSpPr>
-        <p:cNvPr id="299" name="Shape 299"/>
+        <p:cNvPr id="300" name="Shape 300"/>
         <p:cNvGrpSpPr/>
         <p:nvPr/>
       </p:nvGrpSpPr>
@@ -3112,7 +3112,7 @@
       </p:grpSpPr>
       <p:sp>
         <p:nvSpPr>
-          <p:cNvPr id="300" name="Google Shape;300;g35b78051a79_0_511:notes"/>
+          <p:cNvPr id="301" name="Google Shape;301;g35b78051a79_0_511:notes"/>
           <p:cNvSpPr txBox="1"/>
           <p:nvPr>
             <p:ph idx="1" type="body"/>
@@ -3151,7 +3151,7 @@
       </p:sp>
       <p:sp>
         <p:nvSpPr>
-          <p:cNvPr id="301" name="Google Shape;301;g35b78051a79_0_511:notes"/>
+          <p:cNvPr id="302" name="Google Shape;302;g35b78051a79_0_511:notes"/>
           <p:cNvSpPr/>
           <p:nvPr>
             <p:ph idx="2" type="sldImg"/>
@@ -3197,7 +3197,7 @@
   <p:cSld>
     <p:spTree>
       <p:nvGrpSpPr>
-        <p:cNvPr id="307" name="Shape 307"/>
+        <p:cNvPr id="308" name="Shape 308"/>
         <p:cNvGrpSpPr/>
         <p:nvPr/>
       </p:nvGrpSpPr>
@@ -3211,7 +3211,7 @@
       </p:grpSpPr>
       <p:sp>
         <p:nvSpPr>
-          <p:cNvPr id="308" name="Google Shape;308;g33628ec794c_1_671:notes"/>
+          <p:cNvPr id="309" name="Google Shape;309;g33628ec794c_1_671:notes"/>
           <p:cNvSpPr txBox="1"/>
           <p:nvPr>
             <p:ph idx="1" type="body"/>
@@ -3250,7 +3250,7 @@
       </p:sp>
       <p:sp>
         <p:nvSpPr>
-          <p:cNvPr id="309" name="Google Shape;309;g33628ec794c_1_671:notes"/>
+          <p:cNvPr id="310" name="Google Shape;310;g33628ec794c_1_671:notes"/>
           <p:cNvSpPr/>
           <p:nvPr>
             <p:ph idx="2" type="sldImg"/>
@@ -3296,7 +3296,7 @@
   <p:cSld>
     <p:spTree>
       <p:nvGrpSpPr>
-        <p:cNvPr id="315" name="Shape 315"/>
+        <p:cNvPr id="316" name="Shape 316"/>
         <p:cNvGrpSpPr/>
         <p:nvPr/>
       </p:nvGrpSpPr>
@@ -3310,7 +3310,7 @@
       </p:grpSpPr>
       <p:sp>
         <p:nvSpPr>
-          <p:cNvPr id="316" name="Google Shape;316;g35b78051a79_0_504:notes"/>
+          <p:cNvPr id="317" name="Google Shape;317;g35b78051a79_0_504:notes"/>
           <p:cNvSpPr txBox="1"/>
           <p:nvPr>
             <p:ph idx="1" type="body"/>
@@ -3349,7 +3349,7 @@
       </p:sp>
       <p:sp>
         <p:nvSpPr>
-          <p:cNvPr id="317" name="Google Shape;317;g35b78051a79_0_504:notes"/>
+          <p:cNvPr id="318" name="Google Shape;318;g35b78051a79_0_504:notes"/>
           <p:cNvSpPr/>
           <p:nvPr>
             <p:ph idx="2" type="sldImg"/>
@@ -3395,7 +3395,7 @@
   <p:cSld>
     <p:spTree>
       <p:nvGrpSpPr>
-        <p:cNvPr id="323" name="Shape 323"/>
+        <p:cNvPr id="324" name="Shape 324"/>
         <p:cNvGrpSpPr/>
         <p:nvPr/>
       </p:nvGrpSpPr>
@@ -3409,7 +3409,7 @@
       </p:grpSpPr>
       <p:sp>
         <p:nvSpPr>
-          <p:cNvPr id="324" name="Google Shape;324;p7:notes"/>
+          <p:cNvPr id="325" name="Google Shape;325;p7:notes"/>
           <p:cNvSpPr txBox="1"/>
           <p:nvPr>
             <p:ph idx="1" type="body"/>
@@ -3448,7 +3448,7 @@
       </p:sp>
       <p:sp>
         <p:nvSpPr>
-          <p:cNvPr id="325" name="Google Shape;325;p7:notes"/>
+          <p:cNvPr id="326" name="Google Shape;326;p7:notes"/>
           <p:cNvSpPr/>
           <p:nvPr>
             <p:ph idx="2" type="sldImg"/>
@@ -3494,7 +3494,7 @@
   <p:cSld>
     <p:spTree>
       <p:nvGrpSpPr>
-        <p:cNvPr id="331" name="Shape 331"/>
+        <p:cNvPr id="332" name="Shape 332"/>
         <p:cNvGrpSpPr/>
         <p:nvPr/>
       </p:nvGrpSpPr>
@@ -3508,7 +3508,7 @@
       </p:grpSpPr>
       <p:sp>
         <p:nvSpPr>
-          <p:cNvPr id="332" name="Google Shape;332;p8:notes"/>
+          <p:cNvPr id="333" name="Google Shape;333;p8:notes"/>
           <p:cNvSpPr txBox="1"/>
           <p:nvPr>
             <p:ph idx="1" type="body"/>
@@ -3547,7 +3547,7 @@
       </p:sp>
       <p:sp>
         <p:nvSpPr>
-          <p:cNvPr id="333" name="Google Shape;333;p8:notes"/>
+          <p:cNvPr id="334" name="Google Shape;334;p8:notes"/>
           <p:cNvSpPr/>
           <p:nvPr>
             <p:ph idx="2" type="sldImg"/>
@@ -3593,7 +3593,7 @@
   <p:cSld>
     <p:spTree>
       <p:nvGrpSpPr>
-        <p:cNvPr id="339" name="Shape 339"/>
+        <p:cNvPr id="340" name="Shape 340"/>
         <p:cNvGrpSpPr/>
         <p:nvPr/>
       </p:nvGrpSpPr>
@@ -3607,7 +3607,7 @@
       </p:grpSpPr>
       <p:sp>
         <p:nvSpPr>
-          <p:cNvPr id="340" name="Google Shape;340;p9:notes"/>
+          <p:cNvPr id="341" name="Google Shape;341;p9:notes"/>
           <p:cNvSpPr txBox="1"/>
           <p:nvPr>
             <p:ph idx="1" type="body"/>
@@ -3646,7 +3646,7 @@
       </p:sp>
       <p:sp>
         <p:nvSpPr>
-          <p:cNvPr id="341" name="Google Shape;341;p9:notes"/>
+          <p:cNvPr id="342" name="Google Shape;342;p9:notes"/>
           <p:cNvSpPr/>
           <p:nvPr>
             <p:ph idx="2" type="sldImg"/>
@@ -3728,6 +3728,43 @@
           <a:lstStyle/>
           <a:p>
             <a:pPr indent="0" lvl="0" marL="0" rtl="0" algn="l">
+              <a:lnSpc>
+                <a:spcPct val="115000"/>
+              </a:lnSpc>
+              <a:spcBef>
+                <a:spcPts val="0"/>
+              </a:spcBef>
+              <a:spcAft>
+                <a:spcPts val="0"/>
+              </a:spcAft>
+              <a:buClr>
+                <a:schemeClr val="dk1"/>
+              </a:buClr>
+              <a:buSzPts val="1100"/>
+              <a:buFont typeface="Arial"/>
+              <a:buNone/>
+            </a:pPr>
+            <a:r>
+              <a:rPr b="1" lang="hr-HR" sz="1100">
+                <a:latin typeface="Roboto"/>
+                <a:ea typeface="Roboto"/>
+                <a:cs typeface="Roboto"/>
+                <a:sym typeface="Roboto"/>
+              </a:rPr>
+              <a:t>Objasnite razliku između black-box, white-box i grey-box fuzzing pristupa</a:t>
+            </a:r>
+            <a:endParaRPr b="1" sz="1100">
+              <a:latin typeface="Roboto"/>
+              <a:ea typeface="Roboto"/>
+              <a:cs typeface="Roboto"/>
+              <a:sym typeface="Roboto"/>
+            </a:endParaRPr>
+          </a:p>
+          <a:p>
+            <a:pPr indent="0" lvl="0" marL="0" rtl="0" algn="l">
+              <a:lnSpc>
+                <a:spcPct val="115000"/>
+              </a:lnSpc>
               <a:spcBef>
                 <a:spcPts val="0"/>
               </a:spcBef>
@@ -3738,6 +3775,1726 @@
             </a:pPr>
             <a:r>
               <a:t/>
+            </a:r>
+            <a:endParaRPr sz="1100">
+              <a:latin typeface="Roboto"/>
+              <a:ea typeface="Roboto"/>
+              <a:cs typeface="Roboto"/>
+              <a:sym typeface="Roboto"/>
+            </a:endParaRPr>
+          </a:p>
+          <a:p>
+            <a:pPr indent="0" lvl="0" marL="0" rtl="0" algn="l">
+              <a:lnSpc>
+                <a:spcPct val="115000"/>
+              </a:lnSpc>
+              <a:spcBef>
+                <a:spcPts val="0"/>
+              </a:spcBef>
+              <a:spcAft>
+                <a:spcPts val="0"/>
+              </a:spcAft>
+              <a:buClr>
+                <a:schemeClr val="dk1"/>
+              </a:buClr>
+              <a:buSzPts val="1100"/>
+              <a:buFont typeface="Arial"/>
+              <a:buNone/>
+            </a:pPr>
+            <a:r>
+              <a:rPr lang="hr-HR" sz="1100">
+                <a:latin typeface="Roboto"/>
+                <a:ea typeface="Roboto"/>
+                <a:cs typeface="Roboto"/>
+                <a:sym typeface="Roboto"/>
+              </a:rPr>
+              <a:t>Ovisi o udio koda koji tester/napadač ima na raspolaganju. White-box -&gt; sav kod i struktura dostupna, Grey-box -&gt; neki dijelovi koda/strukture dostupni, Black-box -&gt; Nema pristup izvornom kodu/strukturi</a:t>
+            </a:r>
+            <a:endParaRPr sz="1100">
+              <a:latin typeface="Roboto"/>
+              <a:ea typeface="Roboto"/>
+              <a:cs typeface="Roboto"/>
+              <a:sym typeface="Roboto"/>
+            </a:endParaRPr>
+          </a:p>
+          <a:p>
+            <a:pPr indent="0" lvl="0" marL="0" rtl="0" algn="l">
+              <a:lnSpc>
+                <a:spcPct val="115000"/>
+              </a:lnSpc>
+              <a:spcBef>
+                <a:spcPts val="0"/>
+              </a:spcBef>
+              <a:spcAft>
+                <a:spcPts val="0"/>
+              </a:spcAft>
+              <a:buClr>
+                <a:schemeClr val="dk1"/>
+              </a:buClr>
+              <a:buSzPts val="1100"/>
+              <a:buFont typeface="Arial"/>
+              <a:buNone/>
+            </a:pPr>
+            <a:r>
+              <a:rPr lang="hr-HR" sz="1100">
+                <a:latin typeface="Roboto"/>
+                <a:ea typeface="Roboto"/>
+                <a:cs typeface="Roboto"/>
+                <a:sym typeface="Roboto"/>
+              </a:rPr>
+              <a:t>---</a:t>
+            </a:r>
+            <a:endParaRPr sz="1100">
+              <a:latin typeface="Roboto"/>
+              <a:ea typeface="Roboto"/>
+              <a:cs typeface="Roboto"/>
+              <a:sym typeface="Roboto"/>
+            </a:endParaRPr>
+          </a:p>
+          <a:p>
+            <a:pPr indent="0" lvl="0" marL="0" rtl="0" algn="l">
+              <a:lnSpc>
+                <a:spcPct val="115000"/>
+              </a:lnSpc>
+              <a:spcBef>
+                <a:spcPts val="0"/>
+              </a:spcBef>
+              <a:spcAft>
+                <a:spcPts val="0"/>
+              </a:spcAft>
+              <a:buNone/>
+            </a:pPr>
+            <a:r>
+              <a:rPr b="1" lang="hr-HR" sz="1100">
+                <a:latin typeface="Roboto"/>
+                <a:ea typeface="Roboto"/>
+                <a:cs typeface="Roboto"/>
+                <a:sym typeface="Roboto"/>
+              </a:rPr>
+              <a:t>Navedite i opišite najmanje tri vrste tehnika generiranja ulaznih podataka u fuzzingu</a:t>
+            </a:r>
+            <a:endParaRPr b="1" sz="1100">
+              <a:latin typeface="Roboto"/>
+              <a:ea typeface="Roboto"/>
+              <a:cs typeface="Roboto"/>
+              <a:sym typeface="Roboto"/>
+            </a:endParaRPr>
+          </a:p>
+          <a:p>
+            <a:pPr indent="0" lvl="0" marL="0" rtl="0" algn="l">
+              <a:lnSpc>
+                <a:spcPct val="115000"/>
+              </a:lnSpc>
+              <a:spcBef>
+                <a:spcPts val="0"/>
+              </a:spcBef>
+              <a:spcAft>
+                <a:spcPts val="0"/>
+              </a:spcAft>
+              <a:buClr>
+                <a:schemeClr val="dk1"/>
+              </a:buClr>
+              <a:buSzPts val="1100"/>
+              <a:buFont typeface="Arial"/>
+              <a:buNone/>
+            </a:pPr>
+            <a:r>
+              <a:t/>
+            </a:r>
+            <a:endParaRPr b="1" sz="1100">
+              <a:latin typeface="Roboto"/>
+              <a:ea typeface="Roboto"/>
+              <a:cs typeface="Roboto"/>
+              <a:sym typeface="Roboto"/>
+            </a:endParaRPr>
+          </a:p>
+          <a:p>
+            <a:pPr indent="0" lvl="0" marL="0" rtl="0" algn="l">
+              <a:lnSpc>
+                <a:spcPct val="115000"/>
+              </a:lnSpc>
+              <a:spcBef>
+                <a:spcPts val="0"/>
+              </a:spcBef>
+              <a:spcAft>
+                <a:spcPts val="0"/>
+              </a:spcAft>
+              <a:buClr>
+                <a:schemeClr val="dk1"/>
+              </a:buClr>
+              <a:buSzPts val="1100"/>
+              <a:buFont typeface="Arial"/>
+              <a:buNone/>
+            </a:pPr>
+            <a:r>
+              <a:rPr b="1" lang="hr-HR" sz="1100">
+                <a:latin typeface="Roboto"/>
+                <a:ea typeface="Roboto"/>
+                <a:cs typeface="Roboto"/>
+                <a:sym typeface="Roboto"/>
+              </a:rPr>
+              <a:t>Mutacijsko</a:t>
+            </a:r>
+            <a:r>
+              <a:rPr lang="hr-HR" sz="1100">
+                <a:latin typeface="Roboto"/>
+                <a:ea typeface="Roboto"/>
+                <a:cs typeface="Roboto"/>
+                <a:sym typeface="Roboto"/>
+              </a:rPr>
+              <a:t> (modificiramo postojeće validne ulaze),  </a:t>
+            </a:r>
+            <a:endParaRPr sz="1100">
+              <a:latin typeface="Roboto"/>
+              <a:ea typeface="Roboto"/>
+              <a:cs typeface="Roboto"/>
+              <a:sym typeface="Roboto"/>
+            </a:endParaRPr>
+          </a:p>
+          <a:p>
+            <a:pPr indent="0" lvl="0" marL="0" rtl="0" algn="l">
+              <a:lnSpc>
+                <a:spcPct val="115000"/>
+              </a:lnSpc>
+              <a:spcBef>
+                <a:spcPts val="0"/>
+              </a:spcBef>
+              <a:spcAft>
+                <a:spcPts val="0"/>
+              </a:spcAft>
+              <a:buClr>
+                <a:schemeClr val="dk1"/>
+              </a:buClr>
+              <a:buSzPts val="1100"/>
+              <a:buFont typeface="Arial"/>
+              <a:buNone/>
+            </a:pPr>
+            <a:r>
+              <a:rPr b="1" lang="hr-HR" sz="1100">
+                <a:latin typeface="Roboto"/>
+                <a:ea typeface="Roboto"/>
+                <a:cs typeface="Roboto"/>
+                <a:sym typeface="Roboto"/>
+              </a:rPr>
+              <a:t>generativno </a:t>
+            </a:r>
+            <a:r>
+              <a:rPr lang="hr-HR" sz="1100">
+                <a:latin typeface="Roboto"/>
+                <a:ea typeface="Roboto"/>
+                <a:cs typeface="Roboto"/>
+                <a:sym typeface="Roboto"/>
+              </a:rPr>
+              <a:t>(stvara ulazne podatke prema specifikaciji) i </a:t>
+            </a:r>
+            <a:endParaRPr sz="1100">
+              <a:latin typeface="Roboto"/>
+              <a:ea typeface="Roboto"/>
+              <a:cs typeface="Roboto"/>
+              <a:sym typeface="Roboto"/>
+            </a:endParaRPr>
+          </a:p>
+          <a:p>
+            <a:pPr indent="0" lvl="0" marL="0" rtl="0" algn="l">
+              <a:lnSpc>
+                <a:spcPct val="115000"/>
+              </a:lnSpc>
+              <a:spcBef>
+                <a:spcPts val="0"/>
+              </a:spcBef>
+              <a:spcAft>
+                <a:spcPts val="0"/>
+              </a:spcAft>
+              <a:buClr>
+                <a:schemeClr val="dk1"/>
+              </a:buClr>
+              <a:buSzPts val="1100"/>
+              <a:buFont typeface="Arial"/>
+              <a:buNone/>
+            </a:pPr>
+            <a:r>
+              <a:rPr b="1" lang="hr-HR" sz="1100">
+                <a:latin typeface="Roboto"/>
+                <a:ea typeface="Roboto"/>
+                <a:cs typeface="Roboto"/>
+                <a:sym typeface="Roboto"/>
+              </a:rPr>
+              <a:t>gramatičko </a:t>
+            </a:r>
+            <a:r>
+              <a:rPr lang="hr-HR" sz="1100">
+                <a:latin typeface="Roboto"/>
+                <a:ea typeface="Roboto"/>
+                <a:cs typeface="Roboto"/>
+                <a:sym typeface="Roboto"/>
+              </a:rPr>
+              <a:t>(koristi formalnu gramatiku za generiranje ulaza, idealan za jezike i strukturirane protokole) stvaranje ulaznih podataka. </a:t>
+            </a:r>
+            <a:endParaRPr sz="1100">
+              <a:latin typeface="Roboto"/>
+              <a:ea typeface="Roboto"/>
+              <a:cs typeface="Roboto"/>
+              <a:sym typeface="Roboto"/>
+            </a:endParaRPr>
+          </a:p>
+          <a:p>
+            <a:pPr indent="0" lvl="0" marL="0" rtl="0" algn="l">
+              <a:lnSpc>
+                <a:spcPct val="115000"/>
+              </a:lnSpc>
+              <a:spcBef>
+                <a:spcPts val="0"/>
+              </a:spcBef>
+              <a:spcAft>
+                <a:spcPts val="0"/>
+              </a:spcAft>
+              <a:buClr>
+                <a:schemeClr val="dk1"/>
+              </a:buClr>
+              <a:buSzPts val="1100"/>
+              <a:buFont typeface="Arial"/>
+              <a:buNone/>
+            </a:pPr>
+            <a:r>
+              <a:rPr lang="hr-HR" sz="1100">
+                <a:latin typeface="Roboto"/>
+                <a:ea typeface="Roboto"/>
+                <a:cs typeface="Roboto"/>
+                <a:sym typeface="Roboto"/>
+              </a:rPr>
+              <a:t>(ima još i </a:t>
+            </a:r>
+            <a:r>
+              <a:rPr b="1" lang="hr-HR" sz="1100">
+                <a:latin typeface="Roboto"/>
+                <a:ea typeface="Roboto"/>
+                <a:cs typeface="Roboto"/>
+                <a:sym typeface="Roboto"/>
+              </a:rPr>
+              <a:t>hibridno</a:t>
+            </a:r>
+            <a:r>
+              <a:rPr lang="hr-HR" sz="1100">
+                <a:latin typeface="Roboto"/>
+                <a:ea typeface="Roboto"/>
+                <a:cs typeface="Roboto"/>
+                <a:sym typeface="Roboto"/>
+              </a:rPr>
+              <a:t>, to valjda samo sebe objašnjava)</a:t>
+            </a:r>
+            <a:endParaRPr sz="1100">
+              <a:latin typeface="Roboto"/>
+              <a:ea typeface="Roboto"/>
+              <a:cs typeface="Roboto"/>
+              <a:sym typeface="Roboto"/>
+            </a:endParaRPr>
+          </a:p>
+          <a:p>
+            <a:pPr indent="0" lvl="0" marL="0" rtl="0" algn="l">
+              <a:lnSpc>
+                <a:spcPct val="115000"/>
+              </a:lnSpc>
+              <a:spcBef>
+                <a:spcPts val="0"/>
+              </a:spcBef>
+              <a:spcAft>
+                <a:spcPts val="0"/>
+              </a:spcAft>
+              <a:buClr>
+                <a:schemeClr val="dk1"/>
+              </a:buClr>
+              <a:buSzPts val="1100"/>
+              <a:buFont typeface="Arial"/>
+              <a:buNone/>
+            </a:pPr>
+            <a:r>
+              <a:rPr lang="hr-HR" sz="1100">
+                <a:latin typeface="Roboto"/>
+                <a:ea typeface="Roboto"/>
+                <a:cs typeface="Roboto"/>
+                <a:sym typeface="Roboto"/>
+              </a:rPr>
+              <a:t>---</a:t>
+            </a:r>
+            <a:endParaRPr sz="1100">
+              <a:latin typeface="Roboto"/>
+              <a:ea typeface="Roboto"/>
+              <a:cs typeface="Roboto"/>
+              <a:sym typeface="Roboto"/>
+            </a:endParaRPr>
+          </a:p>
+          <a:p>
+            <a:pPr indent="0" lvl="0" marL="0" rtl="0" algn="l">
+              <a:lnSpc>
+                <a:spcPct val="115000"/>
+              </a:lnSpc>
+              <a:spcBef>
+                <a:spcPts val="0"/>
+              </a:spcBef>
+              <a:spcAft>
+                <a:spcPts val="0"/>
+              </a:spcAft>
+              <a:buClr>
+                <a:schemeClr val="dk1"/>
+              </a:buClr>
+              <a:buSzPts val="1100"/>
+              <a:buFont typeface="Arial"/>
+              <a:buNone/>
+            </a:pPr>
+            <a:r>
+              <a:rPr b="1" lang="hr-HR" sz="1100">
+                <a:latin typeface="Roboto"/>
+                <a:ea typeface="Roboto"/>
+                <a:cs typeface="Roboto"/>
+                <a:sym typeface="Roboto"/>
+              </a:rPr>
+              <a:t>Navedite barem 2 uspješna primjera korištenja fuzzinga u industriji te ih ukratko opišite</a:t>
+            </a:r>
+            <a:endParaRPr sz="1100">
+              <a:latin typeface="Roboto"/>
+              <a:ea typeface="Roboto"/>
+              <a:cs typeface="Roboto"/>
+              <a:sym typeface="Roboto"/>
+            </a:endParaRPr>
+          </a:p>
+          <a:p>
+            <a:pPr indent="0" lvl="0" marL="0" rtl="0" algn="l">
+              <a:lnSpc>
+                <a:spcPct val="115000"/>
+              </a:lnSpc>
+              <a:spcBef>
+                <a:spcPts val="0"/>
+              </a:spcBef>
+              <a:spcAft>
+                <a:spcPts val="0"/>
+              </a:spcAft>
+              <a:buNone/>
+            </a:pPr>
+            <a:r>
+              <a:t/>
+            </a:r>
+            <a:endParaRPr b="1" sz="1100">
+              <a:latin typeface="Roboto"/>
+              <a:ea typeface="Roboto"/>
+              <a:cs typeface="Roboto"/>
+              <a:sym typeface="Roboto"/>
+            </a:endParaRPr>
+          </a:p>
+          <a:p>
+            <a:pPr indent="0" lvl="0" marL="0" rtl="0" algn="l">
+              <a:lnSpc>
+                <a:spcPct val="115000"/>
+              </a:lnSpc>
+              <a:spcBef>
+                <a:spcPts val="0"/>
+              </a:spcBef>
+              <a:spcAft>
+                <a:spcPts val="0"/>
+              </a:spcAft>
+              <a:buClr>
+                <a:schemeClr val="dk1"/>
+              </a:buClr>
+              <a:buSzPts val="1100"/>
+              <a:buFont typeface="Arial"/>
+              <a:buNone/>
+            </a:pPr>
+            <a:r>
+              <a:rPr b="1" lang="hr-HR" sz="1100">
+                <a:latin typeface="Roboto"/>
+                <a:ea typeface="Roboto"/>
+                <a:cs typeface="Roboto"/>
+                <a:sym typeface="Roboto"/>
+              </a:rPr>
+              <a:t>Google Project Zero</a:t>
+            </a:r>
+            <a:endParaRPr b="1" sz="1100">
+              <a:latin typeface="Roboto"/>
+              <a:ea typeface="Roboto"/>
+              <a:cs typeface="Roboto"/>
+              <a:sym typeface="Roboto"/>
+            </a:endParaRPr>
+          </a:p>
+          <a:p>
+            <a:pPr indent="-298450" lvl="0" marL="457200" rtl="0" algn="l">
+              <a:lnSpc>
+                <a:spcPct val="115000"/>
+              </a:lnSpc>
+              <a:spcBef>
+                <a:spcPts val="0"/>
+              </a:spcBef>
+              <a:spcAft>
+                <a:spcPts val="0"/>
+              </a:spcAft>
+              <a:buClr>
+                <a:schemeClr val="dk1"/>
+              </a:buClr>
+              <a:buSzPts val="1100"/>
+              <a:buFont typeface="Roboto"/>
+              <a:buChar char="-"/>
+            </a:pPr>
+            <a:r>
+              <a:rPr lang="hr-HR" sz="1100">
+                <a:latin typeface="Roboto"/>
+                <a:ea typeface="Roboto"/>
+                <a:cs typeface="Roboto"/>
+                <a:sym typeface="Roboto"/>
+              </a:rPr>
+              <a:t>Elitni tim sigurnosnih istraživača</a:t>
+            </a:r>
+            <a:endParaRPr sz="1100">
+              <a:latin typeface="Roboto"/>
+              <a:ea typeface="Roboto"/>
+              <a:cs typeface="Roboto"/>
+              <a:sym typeface="Roboto"/>
+            </a:endParaRPr>
+          </a:p>
+          <a:p>
+            <a:pPr indent="-298450" lvl="0" marL="457200" rtl="0" algn="l">
+              <a:lnSpc>
+                <a:spcPct val="115000"/>
+              </a:lnSpc>
+              <a:spcBef>
+                <a:spcPts val="0"/>
+              </a:spcBef>
+              <a:spcAft>
+                <a:spcPts val="0"/>
+              </a:spcAft>
+              <a:buClr>
+                <a:schemeClr val="dk1"/>
+              </a:buClr>
+              <a:buSzPts val="1100"/>
+              <a:buFont typeface="Roboto"/>
+              <a:buChar char="-"/>
+            </a:pPr>
+            <a:r>
+              <a:rPr lang="hr-HR" sz="1100">
+                <a:latin typeface="Roboto"/>
+                <a:ea typeface="Roboto"/>
+                <a:cs typeface="Roboto"/>
+                <a:sym typeface="Roboto"/>
+              </a:rPr>
+              <a:t>Koriste fuzzing za pronalazak zero-day ranjivosti</a:t>
+            </a:r>
+            <a:endParaRPr sz="1100">
+              <a:latin typeface="Roboto"/>
+              <a:ea typeface="Roboto"/>
+              <a:cs typeface="Roboto"/>
+              <a:sym typeface="Roboto"/>
+            </a:endParaRPr>
+          </a:p>
+          <a:p>
+            <a:pPr indent="-298450" lvl="0" marL="457200" rtl="0" algn="l">
+              <a:lnSpc>
+                <a:spcPct val="115000"/>
+              </a:lnSpc>
+              <a:spcBef>
+                <a:spcPts val="0"/>
+              </a:spcBef>
+              <a:spcAft>
+                <a:spcPts val="0"/>
+              </a:spcAft>
+              <a:buClr>
+                <a:schemeClr val="dk1"/>
+              </a:buClr>
+              <a:buSzPts val="1100"/>
+              <a:buFont typeface="Roboto"/>
+              <a:buChar char="-"/>
+            </a:pPr>
+            <a:r>
+              <a:rPr lang="hr-HR" sz="1100">
+                <a:latin typeface="Roboto"/>
+                <a:ea typeface="Roboto"/>
+                <a:cs typeface="Roboto"/>
+                <a:sym typeface="Roboto"/>
+              </a:rPr>
+              <a:t>Otkrili tisuće sigurnosnih propusta u kritičnom softveru</a:t>
+            </a:r>
+            <a:endParaRPr sz="1100">
+              <a:latin typeface="Roboto"/>
+              <a:ea typeface="Roboto"/>
+              <a:cs typeface="Roboto"/>
+              <a:sym typeface="Roboto"/>
+            </a:endParaRPr>
+          </a:p>
+          <a:p>
+            <a:pPr indent="-298450" lvl="0" marL="457200" rtl="0" algn="l">
+              <a:lnSpc>
+                <a:spcPct val="115000"/>
+              </a:lnSpc>
+              <a:spcBef>
+                <a:spcPts val="0"/>
+              </a:spcBef>
+              <a:spcAft>
+                <a:spcPts val="0"/>
+              </a:spcAft>
+              <a:buClr>
+                <a:schemeClr val="dk1"/>
+              </a:buClr>
+              <a:buSzPts val="1100"/>
+              <a:buFont typeface="Roboto"/>
+              <a:buChar char="-"/>
+            </a:pPr>
+            <a:r>
+              <a:rPr lang="hr-HR" sz="1100">
+                <a:latin typeface="Roboto"/>
+                <a:ea typeface="Roboto"/>
+                <a:cs typeface="Roboto"/>
+                <a:sym typeface="Roboto"/>
+              </a:rPr>
+              <a:t>jedan od najuspješnijih primjera primjene fuzzinga</a:t>
+            </a:r>
+            <a:endParaRPr sz="1100">
+              <a:latin typeface="Roboto"/>
+              <a:ea typeface="Roboto"/>
+              <a:cs typeface="Roboto"/>
+              <a:sym typeface="Roboto"/>
+            </a:endParaRPr>
+          </a:p>
+          <a:p>
+            <a:pPr indent="0" lvl="0" marL="0" rtl="0" algn="l">
+              <a:lnSpc>
+                <a:spcPct val="115000"/>
+              </a:lnSpc>
+              <a:spcBef>
+                <a:spcPts val="0"/>
+              </a:spcBef>
+              <a:spcAft>
+                <a:spcPts val="0"/>
+              </a:spcAft>
+              <a:buClr>
+                <a:schemeClr val="dk1"/>
+              </a:buClr>
+              <a:buSzPts val="1100"/>
+              <a:buFont typeface="Arial"/>
+              <a:buNone/>
+            </a:pPr>
+            <a:r>
+              <a:rPr b="1" lang="hr-HR" sz="1100">
+                <a:latin typeface="Roboto"/>
+                <a:ea typeface="Roboto"/>
+                <a:cs typeface="Roboto"/>
+                <a:sym typeface="Roboto"/>
+              </a:rPr>
+              <a:t>Microsoft Security Development Lifecycle (SDL) dio CI/CD-a</a:t>
+            </a:r>
+            <a:endParaRPr b="1" sz="1100">
+              <a:latin typeface="Roboto"/>
+              <a:ea typeface="Roboto"/>
+              <a:cs typeface="Roboto"/>
+              <a:sym typeface="Roboto"/>
+            </a:endParaRPr>
+          </a:p>
+          <a:p>
+            <a:pPr indent="-298450" lvl="0" marL="457200" rtl="0" algn="l">
+              <a:lnSpc>
+                <a:spcPct val="115000"/>
+              </a:lnSpc>
+              <a:spcBef>
+                <a:spcPts val="0"/>
+              </a:spcBef>
+              <a:spcAft>
+                <a:spcPts val="0"/>
+              </a:spcAft>
+              <a:buClr>
+                <a:schemeClr val="dk1"/>
+              </a:buClr>
+              <a:buSzPts val="1100"/>
+              <a:buFont typeface="Roboto"/>
+              <a:buChar char="-"/>
+            </a:pPr>
+            <a:r>
+              <a:rPr lang="hr-HR" sz="1100">
+                <a:latin typeface="Roboto"/>
+                <a:ea typeface="Roboto"/>
+                <a:cs typeface="Roboto"/>
+                <a:sym typeface="Roboto"/>
+              </a:rPr>
+              <a:t>Fuzzing kao obavezni dio razvoja softvera</a:t>
+            </a:r>
+            <a:endParaRPr sz="1100">
+              <a:latin typeface="Roboto"/>
+              <a:ea typeface="Roboto"/>
+              <a:cs typeface="Roboto"/>
+              <a:sym typeface="Roboto"/>
+            </a:endParaRPr>
+          </a:p>
+          <a:p>
+            <a:pPr indent="-298450" lvl="0" marL="457200" rtl="0" algn="l">
+              <a:lnSpc>
+                <a:spcPct val="115000"/>
+              </a:lnSpc>
+              <a:spcBef>
+                <a:spcPts val="0"/>
+              </a:spcBef>
+              <a:spcAft>
+                <a:spcPts val="0"/>
+              </a:spcAft>
+              <a:buClr>
+                <a:schemeClr val="dk1"/>
+              </a:buClr>
+              <a:buSzPts val="1100"/>
+              <a:buFont typeface="Roboto"/>
+              <a:buChar char="-"/>
+            </a:pPr>
+            <a:r>
+              <a:rPr lang="hr-HR" sz="1100">
+                <a:latin typeface="Roboto"/>
+                <a:ea typeface="Roboto"/>
+                <a:cs typeface="Roboto"/>
+                <a:sym typeface="Roboto"/>
+              </a:rPr>
+              <a:t>Implementirano za sve Microsoft proizvode</a:t>
+            </a:r>
+            <a:endParaRPr sz="1100">
+              <a:latin typeface="Roboto"/>
+              <a:ea typeface="Roboto"/>
+              <a:cs typeface="Roboto"/>
+              <a:sym typeface="Roboto"/>
+            </a:endParaRPr>
+          </a:p>
+          <a:p>
+            <a:pPr indent="-298450" lvl="0" marL="457200" rtl="0" algn="l">
+              <a:lnSpc>
+                <a:spcPct val="115000"/>
+              </a:lnSpc>
+              <a:spcBef>
+                <a:spcPts val="0"/>
+              </a:spcBef>
+              <a:spcAft>
+                <a:spcPts val="0"/>
+              </a:spcAft>
+              <a:buClr>
+                <a:schemeClr val="dk1"/>
+              </a:buClr>
+              <a:buSzPts val="1100"/>
+              <a:buFont typeface="Roboto"/>
+              <a:buChar char="-"/>
+            </a:pPr>
+            <a:r>
+              <a:rPr lang="hr-HR" sz="1100">
+                <a:latin typeface="Roboto"/>
+                <a:ea typeface="Roboto"/>
+                <a:cs typeface="Roboto"/>
+                <a:sym typeface="Roboto"/>
+              </a:rPr>
+              <a:t>Značajno smanjenje sigurnosnih incidenata</a:t>
+            </a:r>
+            <a:endParaRPr sz="1100">
+              <a:latin typeface="Roboto"/>
+              <a:ea typeface="Roboto"/>
+              <a:cs typeface="Roboto"/>
+              <a:sym typeface="Roboto"/>
+            </a:endParaRPr>
+          </a:p>
+          <a:p>
+            <a:pPr indent="0" lvl="0" marL="0" rtl="0" algn="l">
+              <a:lnSpc>
+                <a:spcPct val="115000"/>
+              </a:lnSpc>
+              <a:spcBef>
+                <a:spcPts val="0"/>
+              </a:spcBef>
+              <a:spcAft>
+                <a:spcPts val="0"/>
+              </a:spcAft>
+              <a:buClr>
+                <a:schemeClr val="dk1"/>
+              </a:buClr>
+              <a:buSzPts val="1100"/>
+              <a:buFont typeface="Arial"/>
+              <a:buNone/>
+            </a:pPr>
+            <a:r>
+              <a:rPr lang="hr-HR" sz="1100">
+                <a:latin typeface="Roboto"/>
+                <a:ea typeface="Roboto"/>
+                <a:cs typeface="Roboto"/>
+                <a:sym typeface="Roboto"/>
+              </a:rPr>
+              <a:t>---</a:t>
+            </a:r>
+            <a:endParaRPr sz="1100">
+              <a:latin typeface="Roboto"/>
+              <a:ea typeface="Roboto"/>
+              <a:cs typeface="Roboto"/>
+              <a:sym typeface="Roboto"/>
+            </a:endParaRPr>
+          </a:p>
+          <a:p>
+            <a:pPr indent="0" lvl="0" marL="0" rtl="0" algn="l">
+              <a:lnSpc>
+                <a:spcPct val="115000"/>
+              </a:lnSpc>
+              <a:spcBef>
+                <a:spcPts val="0"/>
+              </a:spcBef>
+              <a:spcAft>
+                <a:spcPts val="0"/>
+              </a:spcAft>
+              <a:buClr>
+                <a:schemeClr val="dk1"/>
+              </a:buClr>
+              <a:buSzPts val="1100"/>
+              <a:buFont typeface="Arial"/>
+              <a:buNone/>
+            </a:pPr>
+            <a:r>
+              <a:rPr b="1" lang="hr-HR" sz="1100">
+                <a:latin typeface="Roboto"/>
+                <a:ea typeface="Roboto"/>
+                <a:cs typeface="Roboto"/>
+                <a:sym typeface="Roboto"/>
+              </a:rPr>
+              <a:t>Opišite neke od (barem 3) glavnih izazova moderne fuzzing metodologije i kako se adresiraju</a:t>
+            </a:r>
+            <a:endParaRPr sz="1100">
+              <a:latin typeface="Roboto"/>
+              <a:ea typeface="Roboto"/>
+              <a:cs typeface="Roboto"/>
+              <a:sym typeface="Roboto"/>
+            </a:endParaRPr>
+          </a:p>
+          <a:p>
+            <a:pPr indent="0" lvl="0" marL="0" rtl="0" algn="l">
+              <a:lnSpc>
+                <a:spcPct val="115000"/>
+              </a:lnSpc>
+              <a:spcBef>
+                <a:spcPts val="0"/>
+              </a:spcBef>
+              <a:spcAft>
+                <a:spcPts val="0"/>
+              </a:spcAft>
+              <a:buClr>
+                <a:schemeClr val="dk1"/>
+              </a:buClr>
+              <a:buSzPts val="1100"/>
+              <a:buFont typeface="Arial"/>
+              <a:buNone/>
+            </a:pPr>
+            <a:r>
+              <a:rPr b="1" lang="hr-HR" sz="1100">
+                <a:latin typeface="Roboto"/>
+                <a:ea typeface="Roboto"/>
+                <a:cs typeface="Roboto"/>
+                <a:sym typeface="Roboto"/>
+              </a:rPr>
+              <a:t>Logičke barijere:</a:t>
+            </a:r>
+            <a:endParaRPr b="1" sz="1100">
+              <a:latin typeface="Roboto"/>
+              <a:ea typeface="Roboto"/>
+              <a:cs typeface="Roboto"/>
+              <a:sym typeface="Roboto"/>
+            </a:endParaRPr>
+          </a:p>
+          <a:p>
+            <a:pPr indent="-298450" lvl="0" marL="457200" rtl="0" algn="l">
+              <a:lnSpc>
+                <a:spcPct val="115000"/>
+              </a:lnSpc>
+              <a:spcBef>
+                <a:spcPts val="0"/>
+              </a:spcBef>
+              <a:spcAft>
+                <a:spcPts val="0"/>
+              </a:spcAft>
+              <a:buClr>
+                <a:schemeClr val="dk1"/>
+              </a:buClr>
+              <a:buSzPts val="1100"/>
+              <a:buFont typeface="Roboto"/>
+              <a:buChar char="-"/>
+            </a:pPr>
+            <a:r>
+              <a:rPr b="1" lang="hr-HR" sz="1100">
+                <a:latin typeface="Roboto"/>
+                <a:ea typeface="Roboto"/>
+                <a:cs typeface="Roboto"/>
+                <a:sym typeface="Roboto"/>
+              </a:rPr>
+              <a:t>Problem</a:t>
+            </a:r>
+            <a:r>
+              <a:rPr lang="hr-HR" sz="1100">
+                <a:latin typeface="Roboto"/>
+                <a:ea typeface="Roboto"/>
+                <a:cs typeface="Roboto"/>
+                <a:sym typeface="Roboto"/>
+              </a:rPr>
+              <a:t>: Fuzzing teško otkriva semantičke greške (npr. pogrešnu poslovnu logiku)</a:t>
+            </a:r>
+            <a:endParaRPr sz="1100">
+              <a:latin typeface="Roboto"/>
+              <a:ea typeface="Roboto"/>
+              <a:cs typeface="Roboto"/>
+              <a:sym typeface="Roboto"/>
+            </a:endParaRPr>
+          </a:p>
+          <a:p>
+            <a:pPr indent="-298450" lvl="0" marL="457200" rtl="0" algn="l">
+              <a:lnSpc>
+                <a:spcPct val="115000"/>
+              </a:lnSpc>
+              <a:spcBef>
+                <a:spcPts val="0"/>
+              </a:spcBef>
+              <a:spcAft>
+                <a:spcPts val="0"/>
+              </a:spcAft>
+              <a:buClr>
+                <a:schemeClr val="dk1"/>
+              </a:buClr>
+              <a:buSzPts val="1100"/>
+              <a:buFont typeface="Roboto"/>
+              <a:buChar char="-"/>
+            </a:pPr>
+            <a:r>
+              <a:rPr b="1" lang="hr-HR" sz="1100">
+                <a:latin typeface="Roboto"/>
+                <a:ea typeface="Roboto"/>
+                <a:cs typeface="Roboto"/>
+                <a:sym typeface="Roboto"/>
+              </a:rPr>
+              <a:t>Rješenje</a:t>
+            </a:r>
+            <a:r>
+              <a:rPr lang="hr-HR" sz="1100">
+                <a:latin typeface="Roboto"/>
+                <a:ea typeface="Roboto"/>
+                <a:cs typeface="Roboto"/>
+                <a:sym typeface="Roboto"/>
+              </a:rPr>
+              <a:t>: Hibridni pristupi (kombinacija fuzzinga sa statičkom analizom ili ručnim testiranjem)</a:t>
+            </a:r>
+            <a:endParaRPr sz="1100">
+              <a:latin typeface="Roboto"/>
+              <a:ea typeface="Roboto"/>
+              <a:cs typeface="Roboto"/>
+              <a:sym typeface="Roboto"/>
+            </a:endParaRPr>
+          </a:p>
+          <a:p>
+            <a:pPr indent="0" lvl="0" marL="0" rtl="0" algn="l">
+              <a:lnSpc>
+                <a:spcPct val="115000"/>
+              </a:lnSpc>
+              <a:spcBef>
+                <a:spcPts val="0"/>
+              </a:spcBef>
+              <a:spcAft>
+                <a:spcPts val="0"/>
+              </a:spcAft>
+              <a:buClr>
+                <a:schemeClr val="dk1"/>
+              </a:buClr>
+              <a:buSzPts val="1100"/>
+              <a:buFont typeface="Arial"/>
+              <a:buNone/>
+            </a:pPr>
+            <a:r>
+              <a:rPr b="1" lang="hr-HR" sz="1100">
+                <a:latin typeface="Roboto"/>
+                <a:ea typeface="Roboto"/>
+                <a:cs typeface="Roboto"/>
+                <a:sym typeface="Roboto"/>
+              </a:rPr>
+              <a:t>Dubinski izazovi:</a:t>
+            </a:r>
+            <a:endParaRPr b="1" sz="1100">
+              <a:latin typeface="Roboto"/>
+              <a:ea typeface="Roboto"/>
+              <a:cs typeface="Roboto"/>
+              <a:sym typeface="Roboto"/>
+            </a:endParaRPr>
+          </a:p>
+          <a:p>
+            <a:pPr indent="-298450" lvl="0" marL="457200" rtl="0" algn="l">
+              <a:lnSpc>
+                <a:spcPct val="115000"/>
+              </a:lnSpc>
+              <a:spcBef>
+                <a:spcPts val="0"/>
+              </a:spcBef>
+              <a:spcAft>
+                <a:spcPts val="0"/>
+              </a:spcAft>
+              <a:buClr>
+                <a:schemeClr val="dk1"/>
+              </a:buClr>
+              <a:buSzPts val="1100"/>
+              <a:buFont typeface="Roboto"/>
+              <a:buChar char="-"/>
+            </a:pPr>
+            <a:r>
+              <a:rPr b="1" lang="hr-HR" sz="1100">
+                <a:latin typeface="Roboto"/>
+                <a:ea typeface="Roboto"/>
+                <a:cs typeface="Roboto"/>
+                <a:sym typeface="Roboto"/>
+              </a:rPr>
+              <a:t>Problem</a:t>
+            </a:r>
+            <a:r>
+              <a:rPr lang="hr-HR" sz="1100">
+                <a:latin typeface="Roboto"/>
+                <a:ea typeface="Roboto"/>
+                <a:cs typeface="Roboto"/>
+                <a:sym typeface="Roboto"/>
+              </a:rPr>
+              <a:t>: Checksum provjere, "magic bytes", autentikacijski mehanizmi blokiraju nevažeće ulaze</a:t>
+            </a:r>
+            <a:endParaRPr sz="1100">
+              <a:latin typeface="Roboto"/>
+              <a:ea typeface="Roboto"/>
+              <a:cs typeface="Roboto"/>
+              <a:sym typeface="Roboto"/>
+            </a:endParaRPr>
+          </a:p>
+          <a:p>
+            <a:pPr indent="-298450" lvl="0" marL="457200" rtl="0" algn="l">
+              <a:lnSpc>
+                <a:spcPct val="115000"/>
+              </a:lnSpc>
+              <a:spcBef>
+                <a:spcPts val="0"/>
+              </a:spcBef>
+              <a:spcAft>
+                <a:spcPts val="0"/>
+              </a:spcAft>
+              <a:buClr>
+                <a:schemeClr val="dk1"/>
+              </a:buClr>
+              <a:buSzPts val="1100"/>
+              <a:buFont typeface="Roboto"/>
+              <a:buChar char="-"/>
+            </a:pPr>
+            <a:r>
+              <a:rPr b="1" lang="hr-HR" sz="1100">
+                <a:latin typeface="Roboto"/>
+                <a:ea typeface="Roboto"/>
+                <a:cs typeface="Roboto"/>
+                <a:sym typeface="Roboto"/>
+              </a:rPr>
+              <a:t>Rješenje</a:t>
+            </a:r>
+            <a:r>
+              <a:rPr lang="hr-HR" sz="1100">
+                <a:latin typeface="Roboto"/>
+                <a:ea typeface="Roboto"/>
+                <a:cs typeface="Roboto"/>
+                <a:sym typeface="Roboto"/>
+              </a:rPr>
+              <a:t>: Format-aware fuzzing (npr. Peach Fuzzer) koji modificira samo ne-kritične dijelove ulaza</a:t>
+            </a:r>
+            <a:endParaRPr sz="1100">
+              <a:latin typeface="Roboto"/>
+              <a:ea typeface="Roboto"/>
+              <a:cs typeface="Roboto"/>
+              <a:sym typeface="Roboto"/>
+            </a:endParaRPr>
+          </a:p>
+          <a:p>
+            <a:pPr indent="0" lvl="0" marL="0" rtl="0" algn="l">
+              <a:lnSpc>
+                <a:spcPct val="115000"/>
+              </a:lnSpc>
+              <a:spcBef>
+                <a:spcPts val="0"/>
+              </a:spcBef>
+              <a:spcAft>
+                <a:spcPts val="0"/>
+              </a:spcAft>
+              <a:buClr>
+                <a:schemeClr val="dk1"/>
+              </a:buClr>
+              <a:buSzPts val="1100"/>
+              <a:buFont typeface="Arial"/>
+              <a:buNone/>
+            </a:pPr>
+            <a:r>
+              <a:rPr b="1" lang="hr-HR" sz="1100">
+                <a:latin typeface="Roboto"/>
+                <a:ea typeface="Roboto"/>
+                <a:cs typeface="Roboto"/>
+                <a:sym typeface="Roboto"/>
+              </a:rPr>
+              <a:t>Strukturni izazovi</a:t>
+            </a:r>
+            <a:r>
+              <a:rPr lang="hr-HR" sz="1100">
+                <a:latin typeface="Roboto"/>
+                <a:ea typeface="Roboto"/>
+                <a:cs typeface="Roboto"/>
+                <a:sym typeface="Roboto"/>
+              </a:rPr>
+              <a:t>:</a:t>
+            </a:r>
+            <a:endParaRPr sz="1100">
+              <a:latin typeface="Roboto"/>
+              <a:ea typeface="Roboto"/>
+              <a:cs typeface="Roboto"/>
+              <a:sym typeface="Roboto"/>
+            </a:endParaRPr>
+          </a:p>
+          <a:p>
+            <a:pPr indent="-298450" lvl="0" marL="457200" rtl="0" algn="l">
+              <a:lnSpc>
+                <a:spcPct val="115000"/>
+              </a:lnSpc>
+              <a:spcBef>
+                <a:spcPts val="0"/>
+              </a:spcBef>
+              <a:spcAft>
+                <a:spcPts val="0"/>
+              </a:spcAft>
+              <a:buClr>
+                <a:schemeClr val="dk1"/>
+              </a:buClr>
+              <a:buSzPts val="1100"/>
+              <a:buFont typeface="Roboto"/>
+              <a:buChar char="-"/>
+            </a:pPr>
+            <a:r>
+              <a:rPr b="1" lang="hr-HR" sz="1100">
+                <a:latin typeface="Roboto"/>
+                <a:ea typeface="Roboto"/>
+                <a:cs typeface="Roboto"/>
+                <a:sym typeface="Roboto"/>
+              </a:rPr>
+              <a:t>Problem</a:t>
+            </a:r>
+            <a:r>
+              <a:rPr lang="hr-HR" sz="1100">
+                <a:latin typeface="Roboto"/>
+                <a:ea typeface="Roboto"/>
+                <a:cs typeface="Roboto"/>
+                <a:sym typeface="Roboto"/>
+              </a:rPr>
+              <a:t>: Složene arhitekture (mikroservisi, JIT kompilacija) otežavaju praćenje izvršavanja.</a:t>
+            </a:r>
+            <a:endParaRPr sz="1100">
+              <a:latin typeface="Roboto"/>
+              <a:ea typeface="Roboto"/>
+              <a:cs typeface="Roboto"/>
+              <a:sym typeface="Roboto"/>
+            </a:endParaRPr>
+          </a:p>
+          <a:p>
+            <a:pPr indent="-298450" lvl="0" marL="457200" rtl="0" algn="l">
+              <a:lnSpc>
+                <a:spcPct val="115000"/>
+              </a:lnSpc>
+              <a:spcBef>
+                <a:spcPts val="0"/>
+              </a:spcBef>
+              <a:spcAft>
+                <a:spcPts val="0"/>
+              </a:spcAft>
+              <a:buClr>
+                <a:schemeClr val="dk1"/>
+              </a:buClr>
+              <a:buSzPts val="1100"/>
+              <a:buFont typeface="Roboto"/>
+              <a:buChar char="-"/>
+            </a:pPr>
+            <a:r>
+              <a:rPr b="1" lang="hr-HR" sz="1100">
+                <a:latin typeface="Roboto"/>
+                <a:ea typeface="Roboto"/>
+                <a:cs typeface="Roboto"/>
+                <a:sym typeface="Roboto"/>
+              </a:rPr>
+              <a:t>Rješenje</a:t>
+            </a:r>
+            <a:r>
+              <a:rPr lang="hr-HR" sz="1100">
+                <a:latin typeface="Roboto"/>
+                <a:ea typeface="Roboto"/>
+                <a:cs typeface="Roboto"/>
+                <a:sym typeface="Roboto"/>
+              </a:rPr>
+              <a:t>: Alati s podrškom za distribuirano praćenje (npr. ClusterFuzz) i hardverski feedback (npr. honggfuzz s Intel PT).</a:t>
+            </a:r>
+            <a:endParaRPr sz="1100">
+              <a:latin typeface="Roboto"/>
+              <a:ea typeface="Roboto"/>
+              <a:cs typeface="Roboto"/>
+              <a:sym typeface="Roboto"/>
+            </a:endParaRPr>
+          </a:p>
+          <a:p>
+            <a:pPr indent="0" lvl="0" marL="0" rtl="0" algn="l">
+              <a:lnSpc>
+                <a:spcPct val="115000"/>
+              </a:lnSpc>
+              <a:spcBef>
+                <a:spcPts val="0"/>
+              </a:spcBef>
+              <a:spcAft>
+                <a:spcPts val="0"/>
+              </a:spcAft>
+              <a:buClr>
+                <a:schemeClr val="dk1"/>
+              </a:buClr>
+              <a:buSzPts val="1100"/>
+              <a:buFont typeface="Arial"/>
+              <a:buNone/>
+            </a:pPr>
+            <a:r>
+              <a:rPr b="1" lang="hr-HR" sz="1100">
+                <a:latin typeface="Roboto"/>
+                <a:ea typeface="Roboto"/>
+                <a:cs typeface="Roboto"/>
+                <a:sym typeface="Roboto"/>
+              </a:rPr>
+              <a:t>Organizacijski problemi:</a:t>
+            </a:r>
+            <a:endParaRPr b="1" sz="1100">
+              <a:latin typeface="Roboto"/>
+              <a:ea typeface="Roboto"/>
+              <a:cs typeface="Roboto"/>
+              <a:sym typeface="Roboto"/>
+            </a:endParaRPr>
+          </a:p>
+          <a:p>
+            <a:pPr indent="-298450" lvl="0" marL="457200" rtl="0" algn="l">
+              <a:lnSpc>
+                <a:spcPct val="115000"/>
+              </a:lnSpc>
+              <a:spcBef>
+                <a:spcPts val="0"/>
+              </a:spcBef>
+              <a:spcAft>
+                <a:spcPts val="0"/>
+              </a:spcAft>
+              <a:buClr>
+                <a:schemeClr val="dk1"/>
+              </a:buClr>
+              <a:buSzPts val="1100"/>
+              <a:buFont typeface="Roboto"/>
+              <a:buChar char="-"/>
+            </a:pPr>
+            <a:r>
+              <a:rPr b="1" lang="hr-HR" sz="1100">
+                <a:latin typeface="Roboto"/>
+                <a:ea typeface="Roboto"/>
+                <a:cs typeface="Roboto"/>
+                <a:sym typeface="Roboto"/>
+              </a:rPr>
+              <a:t>Problem</a:t>
+            </a:r>
+            <a:r>
+              <a:rPr lang="hr-HR" sz="1100">
+                <a:latin typeface="Roboto"/>
+                <a:ea typeface="Roboto"/>
+                <a:cs typeface="Roboto"/>
+                <a:sym typeface="Roboto"/>
+              </a:rPr>
+              <a:t>: Integracija u CI/CD, nedostatak resursa i znanja.</a:t>
+            </a:r>
+            <a:endParaRPr sz="1100">
+              <a:latin typeface="Roboto"/>
+              <a:ea typeface="Roboto"/>
+              <a:cs typeface="Roboto"/>
+              <a:sym typeface="Roboto"/>
+            </a:endParaRPr>
+          </a:p>
+          <a:p>
+            <a:pPr indent="-298450" lvl="0" marL="457200" rtl="0" algn="l">
+              <a:lnSpc>
+                <a:spcPct val="115000"/>
+              </a:lnSpc>
+              <a:spcBef>
+                <a:spcPts val="0"/>
+              </a:spcBef>
+              <a:spcAft>
+                <a:spcPts val="0"/>
+              </a:spcAft>
+              <a:buClr>
+                <a:schemeClr val="dk1"/>
+              </a:buClr>
+              <a:buSzPts val="1100"/>
+              <a:buFont typeface="Roboto"/>
+              <a:buChar char="-"/>
+            </a:pPr>
+            <a:r>
+              <a:rPr b="1" lang="hr-HR" sz="1100">
+                <a:latin typeface="Roboto"/>
+                <a:ea typeface="Roboto"/>
+                <a:cs typeface="Roboto"/>
+                <a:sym typeface="Roboto"/>
+              </a:rPr>
+              <a:t>Rješenje</a:t>
+            </a:r>
+            <a:r>
+              <a:rPr lang="hr-HR" sz="1100">
+                <a:latin typeface="Roboto"/>
+                <a:ea typeface="Roboto"/>
+                <a:cs typeface="Roboto"/>
+                <a:sym typeface="Roboto"/>
+              </a:rPr>
+              <a:t>: Automatizacija kroz CI/CD pipeline (npr. OSS-Fuzz za open-source). Edukacija razvojnih timova.</a:t>
+            </a:r>
+            <a:endParaRPr sz="1100">
+              <a:latin typeface="Roboto"/>
+              <a:ea typeface="Roboto"/>
+              <a:cs typeface="Roboto"/>
+              <a:sym typeface="Roboto"/>
+            </a:endParaRPr>
+          </a:p>
+          <a:p>
+            <a:pPr indent="0" lvl="0" marL="0" rtl="0" algn="l">
+              <a:lnSpc>
+                <a:spcPct val="115000"/>
+              </a:lnSpc>
+              <a:spcBef>
+                <a:spcPts val="0"/>
+              </a:spcBef>
+              <a:spcAft>
+                <a:spcPts val="0"/>
+              </a:spcAft>
+              <a:buClr>
+                <a:schemeClr val="dk1"/>
+              </a:buClr>
+              <a:buSzPts val="1100"/>
+              <a:buFont typeface="Arial"/>
+              <a:buNone/>
+            </a:pPr>
+            <a:r>
+              <a:rPr b="1" lang="hr-HR" sz="1100">
+                <a:latin typeface="Roboto"/>
+                <a:ea typeface="Roboto"/>
+                <a:cs typeface="Roboto"/>
+                <a:sym typeface="Roboto"/>
+              </a:rPr>
+              <a:t>Vremensko upravljanje:</a:t>
+            </a:r>
+            <a:endParaRPr b="1" sz="1100">
+              <a:latin typeface="Roboto"/>
+              <a:ea typeface="Roboto"/>
+              <a:cs typeface="Roboto"/>
+              <a:sym typeface="Roboto"/>
+            </a:endParaRPr>
+          </a:p>
+          <a:p>
+            <a:pPr indent="-298450" lvl="0" marL="457200" rtl="0" algn="l">
+              <a:lnSpc>
+                <a:spcPct val="115000"/>
+              </a:lnSpc>
+              <a:spcBef>
+                <a:spcPts val="0"/>
+              </a:spcBef>
+              <a:spcAft>
+                <a:spcPts val="0"/>
+              </a:spcAft>
+              <a:buClr>
+                <a:schemeClr val="dk1"/>
+              </a:buClr>
+              <a:buSzPts val="1100"/>
+              <a:buFont typeface="Roboto"/>
+              <a:buChar char="-"/>
+            </a:pPr>
+            <a:r>
+              <a:rPr b="1" lang="hr-HR" sz="1100">
+                <a:latin typeface="Roboto"/>
+                <a:ea typeface="Roboto"/>
+                <a:cs typeface="Roboto"/>
+                <a:sym typeface="Roboto"/>
+              </a:rPr>
+              <a:t>Problem</a:t>
+            </a:r>
+            <a:r>
+              <a:rPr lang="hr-HR" sz="1100">
+                <a:latin typeface="Roboto"/>
+                <a:ea typeface="Roboto"/>
+                <a:cs typeface="Roboto"/>
+                <a:sym typeface="Roboto"/>
+              </a:rPr>
+              <a:t>: Nemogućnost određivanja optimalnog trajanja fuzzing kampanje.</a:t>
+            </a:r>
+            <a:endParaRPr sz="1100">
+              <a:latin typeface="Roboto"/>
+              <a:ea typeface="Roboto"/>
+              <a:cs typeface="Roboto"/>
+              <a:sym typeface="Roboto"/>
+            </a:endParaRPr>
+          </a:p>
+          <a:p>
+            <a:pPr indent="-298450" lvl="0" marL="457200" rtl="0" algn="l">
+              <a:lnSpc>
+                <a:spcPct val="115000"/>
+              </a:lnSpc>
+              <a:spcBef>
+                <a:spcPts val="0"/>
+              </a:spcBef>
+              <a:spcAft>
+                <a:spcPts val="0"/>
+              </a:spcAft>
+              <a:buClr>
+                <a:schemeClr val="dk1"/>
+              </a:buClr>
+              <a:buSzPts val="1100"/>
+              <a:buFont typeface="Roboto"/>
+              <a:buChar char="-"/>
+            </a:pPr>
+            <a:r>
+              <a:rPr b="1" lang="hr-HR" sz="1100">
+                <a:latin typeface="Roboto"/>
+                <a:ea typeface="Roboto"/>
+                <a:cs typeface="Roboto"/>
+                <a:sym typeface="Roboto"/>
+              </a:rPr>
+              <a:t>Rješenje</a:t>
+            </a:r>
+            <a:r>
+              <a:rPr lang="hr-HR" sz="1100">
+                <a:latin typeface="Roboto"/>
+                <a:ea typeface="Roboto"/>
+                <a:cs typeface="Roboto"/>
+                <a:sym typeface="Roboto"/>
+              </a:rPr>
+              <a:t>: Coverage-guided fuzzing (npr. *AFL++*) koji prioritizira putanje s novim pokrivenostima.</a:t>
+            </a:r>
+            <a:endParaRPr sz="1100">
+              <a:latin typeface="Roboto"/>
+              <a:ea typeface="Roboto"/>
+              <a:cs typeface="Roboto"/>
+              <a:sym typeface="Roboto"/>
+            </a:endParaRPr>
+          </a:p>
+          <a:p>
+            <a:pPr indent="0" lvl="0" marL="0" rtl="0" algn="l">
+              <a:lnSpc>
+                <a:spcPct val="115000"/>
+              </a:lnSpc>
+              <a:spcBef>
+                <a:spcPts val="0"/>
+              </a:spcBef>
+              <a:spcAft>
+                <a:spcPts val="0"/>
+              </a:spcAft>
+              <a:buClr>
+                <a:schemeClr val="dk1"/>
+              </a:buClr>
+              <a:buSzPts val="1100"/>
+              <a:buFont typeface="Arial"/>
+              <a:buNone/>
+            </a:pPr>
+            <a:r>
+              <a:rPr b="1" lang="hr-HR" sz="1100">
+                <a:latin typeface="Roboto"/>
+                <a:ea typeface="Roboto"/>
+                <a:cs typeface="Roboto"/>
+                <a:sym typeface="Roboto"/>
+              </a:rPr>
+              <a:t>Regulatorni aspekti:</a:t>
+            </a:r>
+            <a:endParaRPr b="1" sz="1100">
+              <a:latin typeface="Roboto"/>
+              <a:ea typeface="Roboto"/>
+              <a:cs typeface="Roboto"/>
+              <a:sym typeface="Roboto"/>
+            </a:endParaRPr>
+          </a:p>
+          <a:p>
+            <a:pPr indent="-298450" lvl="0" marL="457200" rtl="0" algn="l">
+              <a:lnSpc>
+                <a:spcPct val="115000"/>
+              </a:lnSpc>
+              <a:spcBef>
+                <a:spcPts val="0"/>
+              </a:spcBef>
+              <a:spcAft>
+                <a:spcPts val="0"/>
+              </a:spcAft>
+              <a:buClr>
+                <a:schemeClr val="dk1"/>
+              </a:buClr>
+              <a:buSzPts val="1100"/>
+              <a:buFont typeface="Roboto"/>
+              <a:buChar char="-"/>
+            </a:pPr>
+            <a:r>
+              <a:rPr b="1" lang="hr-HR" sz="1100">
+                <a:latin typeface="Roboto"/>
+                <a:ea typeface="Roboto"/>
+                <a:cs typeface="Roboto"/>
+                <a:sym typeface="Roboto"/>
+              </a:rPr>
+              <a:t>Problem</a:t>
+            </a:r>
+            <a:r>
+              <a:rPr lang="hr-HR" sz="1100">
+                <a:latin typeface="Roboto"/>
+                <a:ea typeface="Roboto"/>
+                <a:cs typeface="Roboto"/>
+                <a:sym typeface="Roboto"/>
+              </a:rPr>
+              <a:t>: Usklađenost s GDPR-om i industrijskim standardima.</a:t>
+            </a:r>
+            <a:endParaRPr sz="1100">
+              <a:latin typeface="Roboto"/>
+              <a:ea typeface="Roboto"/>
+              <a:cs typeface="Roboto"/>
+              <a:sym typeface="Roboto"/>
+            </a:endParaRPr>
+          </a:p>
+          <a:p>
+            <a:pPr indent="-298450" lvl="0" marL="457200" rtl="0" algn="l">
+              <a:lnSpc>
+                <a:spcPct val="115000"/>
+              </a:lnSpc>
+              <a:spcBef>
+                <a:spcPts val="0"/>
+              </a:spcBef>
+              <a:spcAft>
+                <a:spcPts val="0"/>
+              </a:spcAft>
+              <a:buClr>
+                <a:schemeClr val="dk1"/>
+              </a:buClr>
+              <a:buSzPts val="1100"/>
+              <a:buFont typeface="Roboto"/>
+              <a:buChar char="-"/>
+            </a:pPr>
+            <a:r>
+              <a:rPr b="1" lang="hr-HR" sz="1100">
+                <a:latin typeface="Roboto"/>
+                <a:ea typeface="Roboto"/>
+                <a:cs typeface="Roboto"/>
+                <a:sym typeface="Roboto"/>
+              </a:rPr>
+              <a:t>Rješenje</a:t>
+            </a:r>
+            <a:r>
+              <a:rPr lang="hr-HR" sz="1100">
+                <a:latin typeface="Roboto"/>
+                <a:ea typeface="Roboto"/>
+                <a:cs typeface="Roboto"/>
+                <a:sym typeface="Roboto"/>
+              </a:rPr>
+              <a:t>: Dokumentiranje procesa i korištenje certificiranih alata (npr. Defensics).</a:t>
+            </a:r>
+            <a:endParaRPr sz="1100">
+              <a:latin typeface="Roboto"/>
+              <a:ea typeface="Roboto"/>
+              <a:cs typeface="Roboto"/>
+              <a:sym typeface="Roboto"/>
+            </a:endParaRPr>
+          </a:p>
+          <a:p>
+            <a:pPr indent="0" lvl="0" marL="0" rtl="0" algn="l">
+              <a:lnSpc>
+                <a:spcPct val="115000"/>
+              </a:lnSpc>
+              <a:spcBef>
+                <a:spcPts val="0"/>
+              </a:spcBef>
+              <a:spcAft>
+                <a:spcPts val="0"/>
+              </a:spcAft>
+              <a:buClr>
+                <a:schemeClr val="dk1"/>
+              </a:buClr>
+              <a:buSzPts val="1100"/>
+              <a:buFont typeface="Arial"/>
+              <a:buNone/>
+            </a:pPr>
+            <a:r>
+              <a:rPr lang="hr-HR" sz="1100">
+                <a:latin typeface="Roboto"/>
+                <a:ea typeface="Roboto"/>
+                <a:cs typeface="Roboto"/>
+                <a:sym typeface="Roboto"/>
+              </a:rPr>
+              <a:t>---</a:t>
+            </a:r>
+            <a:endParaRPr sz="1100">
+              <a:latin typeface="Roboto"/>
+              <a:ea typeface="Roboto"/>
+              <a:cs typeface="Roboto"/>
+              <a:sym typeface="Roboto"/>
+            </a:endParaRPr>
+          </a:p>
+          <a:p>
+            <a:pPr indent="0" lvl="0" marL="0" rtl="0" algn="l">
+              <a:lnSpc>
+                <a:spcPct val="115000"/>
+              </a:lnSpc>
+              <a:spcBef>
+                <a:spcPts val="0"/>
+              </a:spcBef>
+              <a:spcAft>
+                <a:spcPts val="0"/>
+              </a:spcAft>
+              <a:buClr>
+                <a:schemeClr val="dk1"/>
+              </a:buClr>
+              <a:buSzPts val="1100"/>
+              <a:buFont typeface="Arial"/>
+              <a:buNone/>
+            </a:pPr>
+            <a:r>
+              <a:rPr b="1" lang="hr-HR" sz="1100">
+                <a:latin typeface="Roboto"/>
+                <a:ea typeface="Roboto"/>
+                <a:cs typeface="Roboto"/>
+                <a:sym typeface="Roboto"/>
+              </a:rPr>
+              <a:t>Navedite najmanje tri popularna fuzzing alata te im opišite svrhu tj. domenu u kojoj se koriste</a:t>
+            </a:r>
+            <a:endParaRPr b="1" sz="1100">
+              <a:latin typeface="Roboto"/>
+              <a:ea typeface="Roboto"/>
+              <a:cs typeface="Roboto"/>
+              <a:sym typeface="Roboto"/>
+            </a:endParaRPr>
+          </a:p>
+          <a:p>
+            <a:pPr indent="0" lvl="0" marL="0" rtl="0" algn="l">
+              <a:lnSpc>
+                <a:spcPct val="115000"/>
+              </a:lnSpc>
+              <a:spcBef>
+                <a:spcPts val="0"/>
+              </a:spcBef>
+              <a:spcAft>
+                <a:spcPts val="0"/>
+              </a:spcAft>
+              <a:buNone/>
+            </a:pPr>
+            <a:r>
+              <a:t/>
+            </a:r>
+            <a:endParaRPr sz="1100">
+              <a:latin typeface="Roboto"/>
+              <a:ea typeface="Roboto"/>
+              <a:cs typeface="Roboto"/>
+              <a:sym typeface="Roboto"/>
+            </a:endParaRPr>
+          </a:p>
+          <a:p>
+            <a:pPr indent="0" lvl="0" marL="0" rtl="0" algn="l">
+              <a:lnSpc>
+                <a:spcPct val="115000"/>
+              </a:lnSpc>
+              <a:spcBef>
+                <a:spcPts val="0"/>
+              </a:spcBef>
+              <a:spcAft>
+                <a:spcPts val="0"/>
+              </a:spcAft>
+              <a:buClr>
+                <a:schemeClr val="dk1"/>
+              </a:buClr>
+              <a:buSzPts val="1100"/>
+              <a:buFont typeface="Arial"/>
+              <a:buNone/>
+            </a:pPr>
+            <a:r>
+              <a:rPr b="1" lang="hr-HR" sz="1100">
+                <a:latin typeface="Roboto"/>
+                <a:ea typeface="Roboto"/>
+                <a:cs typeface="Roboto"/>
+                <a:sym typeface="Roboto"/>
+              </a:rPr>
+              <a:t> Defensics(Synopsys)</a:t>
+            </a:r>
+            <a:r>
+              <a:rPr lang="hr-HR" sz="1100">
+                <a:latin typeface="Roboto"/>
+                <a:ea typeface="Roboto"/>
+                <a:cs typeface="Roboto"/>
+                <a:sym typeface="Roboto"/>
+              </a:rPr>
+              <a:t> - mrežni protokoli</a:t>
+            </a:r>
+            <a:endParaRPr sz="1100">
+              <a:latin typeface="Roboto"/>
+              <a:ea typeface="Roboto"/>
+              <a:cs typeface="Roboto"/>
+              <a:sym typeface="Roboto"/>
+            </a:endParaRPr>
+          </a:p>
+          <a:p>
+            <a:pPr indent="0" lvl="0" marL="0" rtl="0" algn="l">
+              <a:lnSpc>
+                <a:spcPct val="115000"/>
+              </a:lnSpc>
+              <a:spcBef>
+                <a:spcPts val="0"/>
+              </a:spcBef>
+              <a:spcAft>
+                <a:spcPts val="0"/>
+              </a:spcAft>
+              <a:buClr>
+                <a:schemeClr val="dk1"/>
+              </a:buClr>
+              <a:buSzPts val="1100"/>
+              <a:buFont typeface="Arial"/>
+              <a:buNone/>
+            </a:pPr>
+            <a:r>
+              <a:rPr b="1" lang="hr-HR" sz="1100">
+                <a:latin typeface="Roboto"/>
+                <a:ea typeface="Roboto"/>
+                <a:cs typeface="Roboto"/>
+                <a:sym typeface="Roboto"/>
+              </a:rPr>
+              <a:t>AFL (American Fuzzy Lop)</a:t>
+            </a:r>
+            <a:r>
+              <a:rPr lang="hr-HR" sz="1100">
+                <a:latin typeface="Roboto"/>
+                <a:ea typeface="Roboto"/>
+                <a:cs typeface="Roboto"/>
+                <a:sym typeface="Roboto"/>
+              </a:rPr>
+              <a:t> - najpopularniji grey-box fuzzer, executable/binary datoteke</a:t>
+            </a:r>
+            <a:endParaRPr sz="1100">
+              <a:latin typeface="Roboto"/>
+              <a:ea typeface="Roboto"/>
+              <a:cs typeface="Roboto"/>
+              <a:sym typeface="Roboto"/>
+            </a:endParaRPr>
+          </a:p>
+          <a:p>
+            <a:pPr indent="0" lvl="0" marL="0" rtl="0" algn="l">
+              <a:lnSpc>
+                <a:spcPct val="115000"/>
+              </a:lnSpc>
+              <a:spcBef>
+                <a:spcPts val="0"/>
+              </a:spcBef>
+              <a:spcAft>
+                <a:spcPts val="0"/>
+              </a:spcAft>
+              <a:buClr>
+                <a:schemeClr val="dk1"/>
+              </a:buClr>
+              <a:buSzPts val="1100"/>
+              <a:buFont typeface="Arial"/>
+              <a:buNone/>
+            </a:pPr>
+            <a:r>
+              <a:rPr b="1" lang="hr-HR" sz="1100">
+                <a:latin typeface="Roboto"/>
+                <a:ea typeface="Roboto"/>
+                <a:cs typeface="Roboto"/>
+                <a:sym typeface="Roboto"/>
+              </a:rPr>
+              <a:t>libFuzzer </a:t>
+            </a:r>
+            <a:r>
+              <a:rPr lang="hr-HR" sz="1100">
+                <a:latin typeface="Roboto"/>
+                <a:ea typeface="Roboto"/>
+                <a:cs typeface="Roboto"/>
+                <a:sym typeface="Roboto"/>
+              </a:rPr>
+              <a:t>- jedinični testovi, najlakši za korištenje </a:t>
             </a:r>
             <a:endParaRPr/>
           </a:p>
@@ -3791,7 +5548,7 @@
   <p:cSld>
     <p:spTree>
       <p:nvGrpSpPr>
-        <p:cNvPr id="347" name="Shape 347"/>
+        <p:cNvPr id="348" name="Shape 348"/>
         <p:cNvGrpSpPr/>
         <p:nvPr/>
       </p:nvGrpSpPr>
@@ -3805,7 +5562,7 @@
       </p:grpSpPr>
       <p:sp>
         <p:nvSpPr>
-          <p:cNvPr id="348" name="Google Shape;348;p10:notes"/>
+          <p:cNvPr id="349" name="Google Shape;349;p10:notes"/>
           <p:cNvSpPr txBox="1"/>
           <p:nvPr>
             <p:ph idx="1" type="body"/>
@@ -3844,7 +5601,7 @@
       </p:sp>
       <p:sp>
         <p:nvSpPr>
-          <p:cNvPr id="349" name="Google Shape;349;p10:notes"/>
+          <p:cNvPr id="350" name="Google Shape;350;p10:notes"/>
           <p:cNvSpPr/>
           <p:nvPr>
             <p:ph idx="2" type="sldImg"/>
@@ -4385,7 +6142,7 @@
   <p:cSld>
     <p:spTree>
       <p:nvGrpSpPr>
-        <p:cNvPr id="169" name="Shape 169"/>
+        <p:cNvPr id="170" name="Shape 170"/>
         <p:cNvGrpSpPr/>
         <p:nvPr/>
       </p:nvGrpSpPr>
@@ -4399,7 +6156,7 @@
       </p:grpSpPr>
       <p:sp>
         <p:nvSpPr>
-          <p:cNvPr id="170" name="Google Shape;170;g33628ec794c_1_29:notes"/>
+          <p:cNvPr id="171" name="Google Shape;171;g33628ec794c_1_29:notes"/>
           <p:cNvSpPr txBox="1"/>
           <p:nvPr>
             <p:ph idx="1" type="body"/>
@@ -4438,7 +6195,7 @@
       </p:sp>
       <p:sp>
         <p:nvSpPr>
-          <p:cNvPr id="171" name="Google Shape;171;g33628ec794c_1_29:notes"/>
+          <p:cNvPr id="172" name="Google Shape;172;g33628ec794c_1_29:notes"/>
           <p:cNvSpPr/>
           <p:nvPr>
             <p:ph idx="2" type="sldImg"/>
@@ -12652,7 +14409,7 @@
   <p:cSld>
     <p:spTree>
       <p:nvGrpSpPr>
-        <p:cNvPr id="180" name="Shape 180"/>
+        <p:cNvPr id="181" name="Shape 181"/>
         <p:cNvGrpSpPr/>
         <p:nvPr/>
       </p:nvGrpSpPr>
@@ -12666,7 +14423,7 @@
       </p:grpSpPr>
       <p:sp>
         <p:nvSpPr>
-          <p:cNvPr id="181" name="Google Shape;181;p19"/>
+          <p:cNvPr id="182" name="Google Shape;182;p19"/>
           <p:cNvSpPr txBox="1"/>
           <p:nvPr>
             <p:ph idx="2" type="body"/>
@@ -12854,7 +14611,7 @@
       </p:sp>
       <p:sp>
         <p:nvSpPr>
-          <p:cNvPr id="182" name="Google Shape;182;p19"/>
+          <p:cNvPr id="183" name="Google Shape;183;p19"/>
           <p:cNvSpPr txBox="1"/>
           <p:nvPr>
             <p:ph idx="3" type="body"/>
@@ -12906,7 +14663,7 @@
       </p:sp>
       <p:sp>
         <p:nvSpPr>
-          <p:cNvPr id="183" name="Google Shape;183;p19"/>
+          <p:cNvPr id="184" name="Google Shape;184;p19"/>
           <p:cNvSpPr txBox="1"/>
           <p:nvPr>
             <p:ph idx="12" type="sldNum"/>
@@ -12914,8 +14671,8 @@
         </p:nvSpPr>
         <p:spPr>
           <a:xfrm>
-            <a:off x="10964395" y="6333009"/>
-            <a:ext cx="731700" cy="525000"/>
+            <a:off x="11216125" y="6428150"/>
+            <a:ext cx="411000" cy="327300"/>
           </a:xfrm>
           <a:prstGeom prst="rect">
             <a:avLst/>
@@ -12946,14 +14703,14 @@
       </p:sp>
       <p:sp>
         <p:nvSpPr>
-          <p:cNvPr id="184" name="Google Shape;184;p19"/>
+          <p:cNvPr id="185" name="Google Shape;185;p19"/>
           <p:cNvSpPr txBox="1"/>
           <p:nvPr/>
         </p:nvSpPr>
         <p:spPr>
           <a:xfrm>
-            <a:off x="11534075" y="6478900"/>
-            <a:ext cx="524100" cy="525000"/>
+            <a:off x="11476125" y="6365225"/>
+            <a:ext cx="524100" cy="327300"/>
           </a:xfrm>
           <a:prstGeom prst="rect">
             <a:avLst/>
@@ -12980,7 +14737,7 @@
             </a:pPr>
             <a:r>
               <a:rPr lang="hr-HR" sz="1300"/>
-              <a:t>/23</a:t>
+              <a:t>/30</a:t>
             </a:r>
             <a:endParaRPr sz="1300"/>
           </a:p>
@@ -12999,7 +14756,7 @@
   <p:cSld>
     <p:spTree>
       <p:nvGrpSpPr>
-        <p:cNvPr id="188" name="Shape 188"/>
+        <p:cNvPr id="189" name="Shape 189"/>
         <p:cNvGrpSpPr/>
         <p:nvPr/>
       </p:nvGrpSpPr>
@@ -13013,7 +14770,7 @@
       </p:grpSpPr>
       <p:sp>
         <p:nvSpPr>
-          <p:cNvPr id="189" name="Google Shape;189;p20"/>
+          <p:cNvPr id="190" name="Google Shape;190;p20"/>
           <p:cNvSpPr txBox="1"/>
           <p:nvPr>
             <p:ph idx="2" type="body"/>
@@ -13229,7 +14986,7 @@
       </p:sp>
       <p:sp>
         <p:nvSpPr>
-          <p:cNvPr id="190" name="Google Shape;190;p20"/>
+          <p:cNvPr id="191" name="Google Shape;191;p20"/>
           <p:cNvSpPr txBox="1"/>
           <p:nvPr>
             <p:ph idx="3" type="body"/>
@@ -13281,7 +15038,7 @@
       </p:sp>
       <p:sp>
         <p:nvSpPr>
-          <p:cNvPr id="191" name="Google Shape;191;p20"/>
+          <p:cNvPr id="192" name="Google Shape;192;p20"/>
           <p:cNvSpPr txBox="1"/>
           <p:nvPr>
             <p:ph idx="12" type="sldNum"/>
@@ -13289,8 +15046,8 @@
         </p:nvSpPr>
         <p:spPr>
           <a:xfrm>
-            <a:off x="10964395" y="6333009"/>
-            <a:ext cx="731700" cy="525000"/>
+            <a:off x="11216125" y="6428150"/>
+            <a:ext cx="411000" cy="327300"/>
           </a:xfrm>
           <a:prstGeom prst="rect">
             <a:avLst/>
@@ -13321,14 +15078,14 @@
       </p:sp>
       <p:sp>
         <p:nvSpPr>
-          <p:cNvPr id="192" name="Google Shape;192;p20"/>
+          <p:cNvPr id="193" name="Google Shape;193;p20"/>
           <p:cNvSpPr txBox="1"/>
           <p:nvPr/>
         </p:nvSpPr>
         <p:spPr>
           <a:xfrm>
-            <a:off x="11534075" y="6478900"/>
-            <a:ext cx="524100" cy="525000"/>
+            <a:off x="11476125" y="6365225"/>
+            <a:ext cx="524100" cy="327300"/>
           </a:xfrm>
           <a:prstGeom prst="rect">
             <a:avLst/>
@@ -13355,7 +15112,7 @@
             </a:pPr>
             <a:r>
               <a:rPr lang="hr-HR" sz="1300"/>
-              <a:t>/23</a:t>
+              <a:t>/30</a:t>
             </a:r>
             <a:endParaRPr sz="1300"/>
           </a:p>
@@ -13374,7 +15131,7 @@
   <p:cSld>
     <p:spTree>
       <p:nvGrpSpPr>
-        <p:cNvPr id="196" name="Shape 196"/>
+        <p:cNvPr id="197" name="Shape 197"/>
         <p:cNvGrpSpPr/>
         <p:nvPr/>
       </p:nvGrpSpPr>
@@ -13388,7 +15145,7 @@
       </p:grpSpPr>
       <p:sp>
         <p:nvSpPr>
-          <p:cNvPr id="197" name="Google Shape;197;p21"/>
+          <p:cNvPr id="198" name="Google Shape;198;p21"/>
           <p:cNvSpPr txBox="1"/>
           <p:nvPr>
             <p:ph idx="2" type="body"/>
@@ -13576,7 +15333,7 @@
       </p:sp>
       <p:sp>
         <p:nvSpPr>
-          <p:cNvPr id="198" name="Google Shape;198;p21"/>
+          <p:cNvPr id="199" name="Google Shape;199;p21"/>
           <p:cNvSpPr txBox="1"/>
           <p:nvPr>
             <p:ph idx="3" type="body"/>
@@ -13636,7 +15393,7 @@
       </p:sp>
       <p:sp>
         <p:nvSpPr>
-          <p:cNvPr id="199" name="Google Shape;199;p21"/>
+          <p:cNvPr id="200" name="Google Shape;200;p21"/>
           <p:cNvSpPr txBox="1"/>
           <p:nvPr>
             <p:ph idx="12" type="sldNum"/>
@@ -13644,8 +15401,8 @@
         </p:nvSpPr>
         <p:spPr>
           <a:xfrm>
-            <a:off x="10964395" y="6333009"/>
-            <a:ext cx="731700" cy="525000"/>
+            <a:off x="11216125" y="6428150"/>
+            <a:ext cx="411000" cy="327300"/>
           </a:xfrm>
           <a:prstGeom prst="rect">
             <a:avLst/>
@@ -13676,14 +15433,14 @@
       </p:sp>
       <p:sp>
         <p:nvSpPr>
-          <p:cNvPr id="200" name="Google Shape;200;p21"/>
+          <p:cNvPr id="201" name="Google Shape;201;p21"/>
           <p:cNvSpPr txBox="1"/>
           <p:nvPr/>
         </p:nvSpPr>
         <p:spPr>
           <a:xfrm>
-            <a:off x="11534075" y="6478900"/>
-            <a:ext cx="524100" cy="525000"/>
+            <a:off x="11476125" y="6365225"/>
+            <a:ext cx="524100" cy="327300"/>
           </a:xfrm>
           <a:prstGeom prst="rect">
             <a:avLst/>
@@ -13710,7 +15467,7 @@
             </a:pPr>
             <a:r>
               <a:rPr lang="hr-HR" sz="1300"/>
-              <a:t>/23</a:t>
+              <a:t>/30</a:t>
             </a:r>
             <a:endParaRPr sz="1300"/>
           </a:p>
@@ -13729,7 +15486,7 @@
   <p:cSld>
     <p:spTree>
       <p:nvGrpSpPr>
-        <p:cNvPr id="204" name="Shape 204"/>
+        <p:cNvPr id="205" name="Shape 205"/>
         <p:cNvGrpSpPr/>
         <p:nvPr/>
       </p:nvGrpSpPr>
@@ -13743,7 +15500,7 @@
       </p:grpSpPr>
       <p:sp>
         <p:nvSpPr>
-          <p:cNvPr id="205" name="Google Shape;205;p22"/>
+          <p:cNvPr id="206" name="Google Shape;206;p22"/>
           <p:cNvSpPr txBox="1"/>
           <p:nvPr>
             <p:ph idx="2" type="body"/>
@@ -13971,7 +15728,7 @@
       </p:sp>
       <p:sp>
         <p:nvSpPr>
-          <p:cNvPr id="206" name="Google Shape;206;p22"/>
+          <p:cNvPr id="207" name="Google Shape;207;p22"/>
           <p:cNvSpPr txBox="1"/>
           <p:nvPr>
             <p:ph idx="3" type="body"/>
@@ -14031,7 +15788,7 @@
       </p:sp>
       <p:sp>
         <p:nvSpPr>
-          <p:cNvPr id="207" name="Google Shape;207;p22"/>
+          <p:cNvPr id="208" name="Google Shape;208;p22"/>
           <p:cNvSpPr txBox="1"/>
           <p:nvPr>
             <p:ph idx="12" type="sldNum"/>
@@ -14039,8 +15796,8 @@
         </p:nvSpPr>
         <p:spPr>
           <a:xfrm>
-            <a:off x="10964395" y="6333009"/>
-            <a:ext cx="731700" cy="525000"/>
+            <a:off x="11216125" y="6428150"/>
+            <a:ext cx="411000" cy="327300"/>
           </a:xfrm>
           <a:prstGeom prst="rect">
             <a:avLst/>
@@ -14071,14 +15828,14 @@
       </p:sp>
       <p:sp>
         <p:nvSpPr>
-          <p:cNvPr id="208" name="Google Shape;208;p22"/>
+          <p:cNvPr id="209" name="Google Shape;209;p22"/>
           <p:cNvSpPr txBox="1"/>
           <p:nvPr/>
         </p:nvSpPr>
         <p:spPr>
           <a:xfrm>
-            <a:off x="11534075" y="6478900"/>
-            <a:ext cx="524100" cy="525000"/>
+            <a:off x="11476125" y="6365225"/>
+            <a:ext cx="524100" cy="327300"/>
           </a:xfrm>
           <a:prstGeom prst="rect">
             <a:avLst/>
@@ -14105,7 +15862,7 @@
             </a:pPr>
             <a:r>
               <a:rPr lang="hr-HR" sz="1300"/>
-              <a:t>/23</a:t>
+              <a:t>/30</a:t>
             </a:r>
             <a:endParaRPr sz="1300"/>
           </a:p>
@@ -14124,7 +15881,7 @@
   <p:cSld>
     <p:spTree>
       <p:nvGrpSpPr>
-        <p:cNvPr id="212" name="Shape 212"/>
+        <p:cNvPr id="213" name="Shape 213"/>
         <p:cNvGrpSpPr/>
         <p:nvPr/>
       </p:nvGrpSpPr>
@@ -14138,7 +15895,7 @@
       </p:grpSpPr>
       <p:sp>
         <p:nvSpPr>
-          <p:cNvPr id="213" name="Google Shape;213;p23"/>
+          <p:cNvPr id="214" name="Google Shape;214;p23"/>
           <p:cNvSpPr txBox="1"/>
           <p:nvPr>
             <p:ph idx="2" type="body"/>
@@ -14330,7 +16087,7 @@
       </p:sp>
       <p:sp>
         <p:nvSpPr>
-          <p:cNvPr id="214" name="Google Shape;214;p23"/>
+          <p:cNvPr id="215" name="Google Shape;215;p23"/>
           <p:cNvSpPr txBox="1"/>
           <p:nvPr>
             <p:ph idx="3" type="body"/>
@@ -14390,7 +16147,7 @@
       </p:sp>
       <p:sp>
         <p:nvSpPr>
-          <p:cNvPr id="215" name="Google Shape;215;p23"/>
+          <p:cNvPr id="216" name="Google Shape;216;p23"/>
           <p:cNvSpPr txBox="1"/>
           <p:nvPr>
             <p:ph idx="12" type="sldNum"/>
@@ -14398,8 +16155,8 @@
         </p:nvSpPr>
         <p:spPr>
           <a:xfrm>
-            <a:off x="10964395" y="6333009"/>
-            <a:ext cx="731700" cy="525000"/>
+            <a:off x="11216125" y="6428150"/>
+            <a:ext cx="411000" cy="327300"/>
           </a:xfrm>
           <a:prstGeom prst="rect">
             <a:avLst/>
@@ -14430,14 +16187,14 @@
       </p:sp>
       <p:sp>
         <p:nvSpPr>
-          <p:cNvPr id="216" name="Google Shape;216;p23"/>
+          <p:cNvPr id="217" name="Google Shape;217;p23"/>
           <p:cNvSpPr txBox="1"/>
           <p:nvPr/>
         </p:nvSpPr>
         <p:spPr>
           <a:xfrm>
-            <a:off x="11534075" y="6478900"/>
-            <a:ext cx="524100" cy="525000"/>
+            <a:off x="11476125" y="6365225"/>
+            <a:ext cx="524100" cy="327300"/>
           </a:xfrm>
           <a:prstGeom prst="rect">
             <a:avLst/>
@@ -14464,7 +16221,7 @@
             </a:pPr>
             <a:r>
               <a:rPr lang="hr-HR" sz="1300"/>
-              <a:t>/23</a:t>
+              <a:t>/30</a:t>
             </a:r>
             <a:endParaRPr sz="1300"/>
           </a:p>
@@ -14483,7 +16240,7 @@
   <p:cSld>
     <p:spTree>
       <p:nvGrpSpPr>
-        <p:cNvPr id="220" name="Shape 220"/>
+        <p:cNvPr id="221" name="Shape 221"/>
         <p:cNvGrpSpPr/>
         <p:nvPr/>
       </p:nvGrpSpPr>
@@ -14497,7 +16254,7 @@
       </p:grpSpPr>
       <p:sp>
         <p:nvSpPr>
-          <p:cNvPr id="221" name="Google Shape;221;p24"/>
+          <p:cNvPr id="222" name="Google Shape;222;p24"/>
           <p:cNvSpPr txBox="1"/>
           <p:nvPr>
             <p:ph idx="2" type="body"/>
@@ -14557,7 +16314,7 @@
             </a:pPr>
             <a:r>
               <a:rPr lang="hr-HR"/>
-              <a:t>Bolja pokrivenost koda od black-box pristupa</a:t>
+              <a:t>Bolja pokrivenost koda od pristupa crne kutije</a:t>
             </a:r>
             <a:endParaRPr/>
           </a:p>
@@ -14577,7 +16334,7 @@
             </a:pPr>
             <a:r>
               <a:rPr lang="hr-HR"/>
-              <a:t>Manje resursa od white-box pristupa</a:t>
+              <a:t>Manje resursa od pristupa bijele kutije</a:t>
             </a:r>
             <a:endParaRPr/>
           </a:p>
@@ -14656,8 +16413,56 @@
               <a:buChar char="•"/>
             </a:pPr>
             <a:r>
+              <a:rPr lang="hr-HR"/>
+              <a:t> (</a:t>
+            </a:r>
+            <a:r>
               <a:rPr i="1" lang="hr-HR"/>
-              <a:t>Coverage-guided fuzzing</a:t>
+              <a:t>Coverage-guided</a:t>
+            </a:r>
+            <a:r>
+              <a:rPr lang="hr-HR"/>
+              <a:t>)</a:t>
+            </a:r>
+            <a:r>
+              <a:rPr i="1" lang="hr-HR"/>
+              <a:t> fuzzing </a:t>
+            </a:r>
+            <a:r>
+              <a:rPr lang="hr-HR"/>
+              <a:t>vođen pokrivenošću</a:t>
+            </a:r>
+            <a:endParaRPr/>
+          </a:p>
+          <a:p>
+            <a:pPr indent="-228600" lvl="1" marL="569912" rtl="0" algn="l">
+              <a:lnSpc>
+                <a:spcPct val="115000"/>
+              </a:lnSpc>
+              <a:spcBef>
+                <a:spcPts val="0"/>
+              </a:spcBef>
+              <a:spcAft>
+                <a:spcPts val="0"/>
+              </a:spcAft>
+              <a:buSzPts val="2800"/>
+              <a:buChar char="•"/>
+            </a:pPr>
+            <a:r>
+              <a:rPr lang="hr-HR"/>
+              <a:t>Reakcijski (</a:t>
+            </a:r>
+            <a:r>
+              <a:rPr i="1" lang="hr-HR"/>
+              <a:t>Feedback-driven</a:t>
+            </a:r>
+            <a:r>
+              <a:rPr lang="hr-HR"/>
+              <a:t>)</a:t>
+            </a:r>
+            <a:r>
+              <a:rPr i="1" lang="hr-HR"/>
+              <a:t> fuzzing</a:t>
             </a:r>
             <a:endParaRPr i="1"/>
           </a:p>
@@ -14676,28 +16481,12 @@
               <a:buChar char="•"/>
             </a:pPr>
             <a:r>
+              <a:rPr lang="hr-HR"/>
+              <a:t>Evolucijski</a:t>
+            </a:r>
+            <a:r>
               <a:rPr i="1" lang="hr-HR"/>
-              <a:t>Feedback-driven fuzzing</a:t>
-            </a:r>
-            <a:endParaRPr i="1"/>
-          </a:p>
-          <a:p>
-            <a:pPr indent="-228600" lvl="1" marL="569912" rtl="0" algn="l">
-              <a:lnSpc>
-                <a:spcPct val="115000"/>
-              </a:lnSpc>
-              <a:spcBef>
-                <a:spcPts val="0"/>
-              </a:spcBef>
-              <a:spcAft>
-                <a:spcPts val="0"/>
-              </a:spcAft>
-              <a:buSzPts val="2800"/>
-              <a:buChar char="•"/>
-            </a:pPr>
-            <a:r>
-              <a:rPr i="1" lang="hr-HR"/>
-              <a:t>Evolutionary fuzzing</a:t>
+              <a:t> fuzzing</a:t>
             </a:r>
             <a:endParaRPr/>
           </a:p>
@@ -14705,7 +16494,7 @@
       </p:sp>
       <p:sp>
         <p:nvSpPr>
-          <p:cNvPr id="222" name="Google Shape;222;p24"/>
+          <p:cNvPr id="223" name="Google Shape;223;p24"/>
           <p:cNvSpPr txBox="1"/>
           <p:nvPr>
             <p:ph idx="3" type="body"/>
@@ -14765,7 +16554,7 @@
       </p:sp>
       <p:sp>
         <p:nvSpPr>
-          <p:cNvPr id="223" name="Google Shape;223;p24"/>
+          <p:cNvPr id="224" name="Google Shape;224;p24"/>
           <p:cNvSpPr txBox="1"/>
           <p:nvPr>
             <p:ph idx="12" type="sldNum"/>
@@ -14773,8 +16562,8 @@
         </p:nvSpPr>
         <p:spPr>
           <a:xfrm>
-            <a:off x="10964395" y="6333009"/>
-            <a:ext cx="731700" cy="525000"/>
+            <a:off x="11216125" y="6428150"/>
+            <a:ext cx="411000" cy="327300"/>
           </a:xfrm>
           <a:prstGeom prst="rect">
             <a:avLst/>
@@ -14805,14 +16594,14 @@
       </p:sp>
       <p:sp>
         <p:nvSpPr>
-          <p:cNvPr id="224" name="Google Shape;224;p24"/>
+          <p:cNvPr id="225" name="Google Shape;225;p24"/>
           <p:cNvSpPr txBox="1"/>
           <p:nvPr/>
         </p:nvSpPr>
         <p:spPr>
           <a:xfrm>
-            <a:off x="11534075" y="6478900"/>
-            <a:ext cx="524100" cy="525000"/>
+            <a:off x="11476125" y="6365225"/>
+            <a:ext cx="524100" cy="327300"/>
           </a:xfrm>
           <a:prstGeom prst="rect">
             <a:avLst/>
@@ -14839,7 +16628,7 @@
             </a:pPr>
             <a:r>
               <a:rPr lang="hr-HR" sz="1300"/>
-              <a:t>/23</a:t>
+              <a:t>/30</a:t>
             </a:r>
             <a:endParaRPr sz="1300"/>
           </a:p>
@@ -14858,7 +16647,7 @@
   <p:cSld>
     <p:spTree>
       <p:nvGrpSpPr>
-        <p:cNvPr id="228" name="Shape 228"/>
+        <p:cNvPr id="229" name="Shape 229"/>
         <p:cNvGrpSpPr/>
         <p:nvPr/>
       </p:nvGrpSpPr>
@@ -14872,7 +16661,7 @@
       </p:grpSpPr>
       <p:sp>
         <p:nvSpPr>
-          <p:cNvPr id="229" name="Google Shape;229;p25"/>
+          <p:cNvPr id="230" name="Google Shape;230;p25"/>
           <p:cNvSpPr txBox="1"/>
           <p:nvPr>
             <p:ph idx="2" type="body"/>
@@ -15024,9 +16813,13 @@
             </a:pPr>
             <a:r>
               <a:rPr lang="hr-HR"/>
-              <a:t>Za nepoznate sustave bez pristupa kodu: crna kutija</a:t>
-            </a:r>
-            <a:endParaRPr/>
+              <a:t>Za nepoznate sustave bez pristupa kodu: </a:t>
+            </a:r>
+            <a:r>
+              <a:rPr lang="hr-HR" u="sng"/>
+              <a:t>crna kutija</a:t>
+            </a:r>
+            <a:endParaRPr u="sng"/>
           </a:p>
           <a:p>
             <a:pPr indent="-215265" lvl="1" marL="569912" rtl="0" algn="l">
@@ -15044,39 +16837,47 @@
             </a:pPr>
             <a:r>
               <a:rPr lang="hr-HR"/>
-              <a:t>Za kritične komponente gdje je važna visoka pokrivenost: bijela </a:t>
-            </a:r>
+              <a:t>Za kritične komponente gdje je važna visoka pokrivenost: </a:t>
+            </a:r>
+            <a:r>
+              <a:rPr lang="hr-HR" u="sng"/>
+              <a:t>bijela </a:t>
+            </a:r>
+            <a:r>
+              <a:rPr lang="hr-HR" u="sng"/>
+              <a:t>kutija</a:t>
+            </a:r>
+            <a:endParaRPr u="sng"/>
+          </a:p>
+          <a:p>
+            <a:pPr indent="-215265" lvl="1" marL="569912" rtl="0" algn="l">
+              <a:lnSpc>
+                <a:spcPct val="115000"/>
+              </a:lnSpc>
+              <a:spcBef>
+                <a:spcPts val="0"/>
+              </a:spcBef>
+              <a:spcAft>
+                <a:spcPts val="0"/>
+              </a:spcAft>
+              <a:buSzPct val="100000"/>
+              <a:buChar char="•"/>
+            </a:pPr>
             <a:r>
               <a:rPr lang="hr-HR"/>
-              <a:t>kutija</a:t>
-            </a:r>
-            <a:endParaRPr/>
-          </a:p>
-          <a:p>
-            <a:pPr indent="-215265" lvl="1" marL="569912" rtl="0" algn="l">
-              <a:lnSpc>
-                <a:spcPct val="115000"/>
-              </a:lnSpc>
-              <a:spcBef>
-                <a:spcPts val="0"/>
-              </a:spcBef>
-              <a:spcAft>
-                <a:spcPts val="0"/>
-              </a:spcAft>
-              <a:buSzPct val="100000"/>
-              <a:buChar char="•"/>
-            </a:pPr>
-            <a:r>
-              <a:rPr lang="hr-HR"/>
-              <a:t>Za većinu modernih primjena u industriji: siva kutija</a:t>
-            </a:r>
-            <a:endParaRPr/>
+              <a:t>Za većinu modernih primjena u industriji: </a:t>
+            </a:r>
+            <a:r>
+              <a:rPr lang="hr-HR" u="sng"/>
+              <a:t>siva kutija</a:t>
+            </a:r>
+            <a:endParaRPr u="sng"/>
           </a:p>
         </p:txBody>
       </p:sp>
       <p:sp>
         <p:nvSpPr>
-          <p:cNvPr id="230" name="Google Shape;230;p25"/>
+          <p:cNvPr id="231" name="Google Shape;231;p25"/>
           <p:cNvSpPr txBox="1"/>
           <p:nvPr>
             <p:ph idx="3" type="body"/>
@@ -15134,46 +16935,6 @@
           </a:p>
         </p:txBody>
       </p:sp>
-      <p:sp>
-        <p:nvSpPr>
-          <p:cNvPr id="231" name="Google Shape;231;p25"/>
-          <p:cNvSpPr txBox="1"/>
-          <p:nvPr>
-            <p:ph idx="12" type="sldNum"/>
-          </p:nvPr>
-        </p:nvSpPr>
-        <p:spPr>
-          <a:xfrm>
-            <a:off x="10964395" y="6333009"/>
-            <a:ext cx="731700" cy="525000"/>
-          </a:xfrm>
-          <a:prstGeom prst="rect">
-            <a:avLst/>
-          </a:prstGeom>
-        </p:spPr>
-        <p:txBody>
-          <a:bodyPr anchorCtr="0" anchor="b" bIns="91425" lIns="91425" spcFirstLastPara="1" rIns="91425" wrap="square" tIns="91425">
-            <a:noAutofit/>
-          </a:bodyPr>
-          <a:lstStyle/>
-          <a:p>
-            <a:pPr indent="0" lvl="0" marL="0" rtl="0" algn="r">
-              <a:spcBef>
-                <a:spcPts val="0"/>
-              </a:spcBef>
-              <a:spcAft>
-                <a:spcPts val="0"/>
-              </a:spcAft>
-              <a:buNone/>
-            </a:pPr>
-            <a:fld id="{00000000-1234-1234-1234-123412341234}" type="slidenum">
-              <a:rPr lang="hr-HR"/>
-              <a:t>‹#›</a:t>
-            </a:fld>
-            <a:endParaRPr/>
-          </a:p>
-        </p:txBody>
-      </p:sp>
       <p:graphicFrame>
         <p:nvGraphicFramePr>
           <p:cNvPr id="232" name="Google Shape;232;p25"/>
@@ -15189,7 +16950,7 @@
             <a:tbl>
               <a:tblPr>
                 <a:noFill/>
-                <a:tableStyleId>{530C06D7-BD31-430F-96AC-37A2CCA9A40D}</a:tableStyleId>
+                <a:tableStyleId>{8ED0F6D7-1C69-4829-94A5-EA7D23793D37}</a:tableStyleId>
               </a:tblPr>
               <a:tblGrid>
                 <a:gridCol w="2057400"/>
@@ -16414,12 +18175,52 @@
         <p:nvSpPr>
           <p:cNvPr id="233" name="Google Shape;233;p25"/>
           <p:cNvSpPr txBox="1"/>
+          <p:nvPr>
+            <p:ph idx="12" type="sldNum"/>
+          </p:nvPr>
+        </p:nvSpPr>
+        <p:spPr>
+          <a:xfrm>
+            <a:off x="11216125" y="6428150"/>
+            <a:ext cx="411000" cy="327300"/>
+          </a:xfrm>
+          <a:prstGeom prst="rect">
+            <a:avLst/>
+          </a:prstGeom>
+        </p:spPr>
+        <p:txBody>
+          <a:bodyPr anchorCtr="0" anchor="b" bIns="91425" lIns="91425" spcFirstLastPara="1" rIns="91425" wrap="square" tIns="91425">
+            <a:noAutofit/>
+          </a:bodyPr>
+          <a:lstStyle/>
+          <a:p>
+            <a:pPr indent="0" lvl="0" marL="0" rtl="0" algn="r">
+              <a:spcBef>
+                <a:spcPts val="0"/>
+              </a:spcBef>
+              <a:spcAft>
+                <a:spcPts val="0"/>
+              </a:spcAft>
+              <a:buNone/>
+            </a:pPr>
+            <a:fld id="{00000000-1234-1234-1234-123412341234}" type="slidenum">
+              <a:rPr lang="hr-HR"/>
+              <a:t>‹#›</a:t>
+            </a:fld>
+            <a:endParaRPr/>
+          </a:p>
+        </p:txBody>
+      </p:sp>
+      <p:sp>
+        <p:nvSpPr>
+          <p:cNvPr id="234" name="Google Shape;234;p25"/>
+          <p:cNvSpPr txBox="1"/>
           <p:nvPr/>
         </p:nvSpPr>
         <p:spPr>
           <a:xfrm>
-            <a:off x="11534075" y="6478900"/>
-            <a:ext cx="524100" cy="525000"/>
+            <a:off x="11476125" y="6365225"/>
+            <a:ext cx="524100" cy="327300"/>
           </a:xfrm>
           <a:prstGeom prst="rect">
             <a:avLst/>
@@ -16446,7 +18247,7 @@
             </a:pPr>
             <a:r>
               <a:rPr lang="hr-HR" sz="1300"/>
-              <a:t>/23</a:t>
+              <a:t>/30</a:t>
             </a:r>
             <a:endParaRPr sz="1300"/>
           </a:p>
@@ -16465,7 +18266,7 @@
   <p:cSld>
     <p:spTree>
       <p:nvGrpSpPr>
-        <p:cNvPr id="237" name="Shape 237"/>
+        <p:cNvPr id="238" name="Shape 238"/>
         <p:cNvGrpSpPr/>
         <p:nvPr/>
       </p:nvGrpSpPr>
@@ -16479,7 +18280,7 @@
       </p:grpSpPr>
       <p:sp>
         <p:nvSpPr>
-          <p:cNvPr id="238" name="Google Shape;238;p26"/>
+          <p:cNvPr id="239" name="Google Shape;239;p26"/>
           <p:cNvSpPr txBox="1"/>
           <p:nvPr>
             <p:ph idx="2" type="body"/>
@@ -16567,7 +18368,19 @@
             </a:pPr>
             <a:r>
               <a:rPr lang="hr-HR"/>
-              <a:t>Srednja generacija: format-aware fuzzeri</a:t>
+              <a:t>Srednja generacija: </a:t>
+            </a:r>
+            <a:r>
+              <a:rPr i="1" lang="hr-HR"/>
+              <a:t>fuzzeri </a:t>
+            </a:r>
+            <a:r>
+              <a:rPr lang="hr-HR"/>
+              <a:t>svjesni</a:t>
+            </a:r>
+            <a:r>
+              <a:rPr lang="hr-HR"/>
+              <a:t> formata</a:t>
             </a:r>
             <a:endParaRPr/>
           </a:p>
@@ -16587,7 +18400,15 @@
             </a:pPr>
             <a:r>
               <a:rPr lang="hr-HR"/>
-              <a:t>Moderna generacija: inteligentni, coverage-guided fuzzeri</a:t>
+              <a:t>Moderna generacija: inteligentni, </a:t>
+            </a:r>
+            <a:r>
+              <a:rPr i="1" lang="hr-HR"/>
+              <a:t>fuzzeri </a:t>
+            </a:r>
+            <a:r>
+              <a:rPr lang="hr-HR"/>
+              <a:t>vođeni pokrivenošću</a:t>
             </a:r>
             <a:endParaRPr/>
           </a:p>
@@ -16627,7 +18448,15 @@
             </a:pPr>
             <a:r>
               <a:rPr lang="hr-HR"/>
-              <a:t>Opći fuzzeri (za razne aplikacije)</a:t>
+              <a:t>Opći </a:t>
+            </a:r>
+            <a:r>
+              <a:rPr i="1" lang="hr-HR"/>
+              <a:t>fuzzeri</a:t>
+            </a:r>
+            <a:r>
+              <a:rPr lang="hr-HR"/>
+              <a:t> (za razne aplikacije)</a:t>
             </a:r>
             <a:endParaRPr/>
           </a:p>
@@ -16647,7 +18476,15 @@
             </a:pPr>
             <a:r>
               <a:rPr lang="hr-HR"/>
-              <a:t>Specijalizirani fuzzeri (za protokole, parsere, itd.)</a:t>
+              <a:t>Specijalizirani </a:t>
+            </a:r>
+            <a:r>
+              <a:rPr i="1" lang="hr-HR"/>
+              <a:t>fuzzeri</a:t>
+            </a:r>
+            <a:r>
+              <a:rPr lang="hr-HR"/>
+              <a:t> (za protokole, parsere, itd.)</a:t>
             </a:r>
             <a:endParaRPr/>
           </a:p>
@@ -16666,10 +18503,26 @@
               <a:buChar char="•"/>
             </a:pPr>
             <a:r>
+              <a:rPr i="1" lang="hr-HR"/>
+              <a:t>In-process</a:t>
+            </a:r>
+            <a:r>
               <a:rPr lang="hr-HR"/>
-              <a:t>In-process i out-of-process fuzzeri</a:t>
-            </a:r>
-            <a:endParaRPr/>
+              <a:t> i </a:t>
+            </a:r>
+            <a:r>
+              <a:rPr i="1" lang="hr-HR"/>
+              <a:t>out-of-process</a:t>
+            </a:r>
+            <a:r>
+              <a:rPr lang="hr-HR"/>
+              <a:t> </a:t>
+            </a:r>
+            <a:r>
+              <a:rPr i="1" lang="hr-HR"/>
+              <a:t>fuzzeri</a:t>
+            </a:r>
+            <a:endParaRPr i="1"/>
           </a:p>
           <a:p>
             <a:pPr indent="-175259" lvl="1" marL="569912" rtl="0" algn="l">
@@ -16721,7 +18574,7 @@
       </p:sp>
       <p:sp>
         <p:nvSpPr>
-          <p:cNvPr id="239" name="Google Shape;239;p26"/>
+          <p:cNvPr id="240" name="Google Shape;240;p26"/>
           <p:cNvSpPr txBox="1"/>
           <p:nvPr>
             <p:ph idx="3" type="body"/>
@@ -16777,7 +18630,7 @@
       </p:sp>
       <p:sp>
         <p:nvSpPr>
-          <p:cNvPr id="240" name="Google Shape;240;p26"/>
+          <p:cNvPr id="241" name="Google Shape;241;p26"/>
           <p:cNvSpPr txBox="1"/>
           <p:nvPr>
             <p:ph idx="12" type="sldNum"/>
@@ -16785,8 +18638,8 @@
         </p:nvSpPr>
         <p:spPr>
           <a:xfrm>
-            <a:off x="10964395" y="6333009"/>
-            <a:ext cx="731700" cy="525000"/>
+            <a:off x="11216125" y="6428150"/>
+            <a:ext cx="411000" cy="327300"/>
           </a:xfrm>
           <a:prstGeom prst="rect">
             <a:avLst/>
@@ -16817,14 +18670,14 @@
       </p:sp>
       <p:sp>
         <p:nvSpPr>
-          <p:cNvPr id="241" name="Google Shape;241;p26"/>
+          <p:cNvPr id="242" name="Google Shape;242;p26"/>
           <p:cNvSpPr txBox="1"/>
           <p:nvPr/>
         </p:nvSpPr>
         <p:spPr>
           <a:xfrm>
-            <a:off x="11534075" y="6478900"/>
-            <a:ext cx="524100" cy="525000"/>
+            <a:off x="11476125" y="6365225"/>
+            <a:ext cx="524100" cy="327300"/>
           </a:xfrm>
           <a:prstGeom prst="rect">
             <a:avLst/>
@@ -16851,7 +18704,7 @@
             </a:pPr>
             <a:r>
               <a:rPr lang="hr-HR" sz="1300"/>
-              <a:t>/23</a:t>
+              <a:t>/30</a:t>
             </a:r>
             <a:endParaRPr sz="1300"/>
           </a:p>
@@ -16870,7 +18723,7 @@
   <p:cSld>
     <p:spTree>
       <p:nvGrpSpPr>
-        <p:cNvPr id="245" name="Shape 245"/>
+        <p:cNvPr id="246" name="Shape 246"/>
         <p:cNvGrpSpPr/>
         <p:nvPr/>
       </p:nvGrpSpPr>
@@ -16884,7 +18737,7 @@
       </p:grpSpPr>
       <p:sp>
         <p:nvSpPr>
-          <p:cNvPr id="246" name="Google Shape;246;p27"/>
+          <p:cNvPr id="247" name="Google Shape;247;p27"/>
           <p:cNvSpPr txBox="1"/>
           <p:nvPr>
             <p:ph idx="2" type="body"/>
@@ -16944,9 +18797,21 @@
             </a:pPr>
             <a:r>
               <a:rPr lang="hr-HR"/>
-              <a:t>Najpopularniji grey-box fuzzer</a:t>
-            </a:r>
-            <a:endParaRPr/>
+              <a:t>Najpopularniji </a:t>
+            </a:r>
+            <a:r>
+              <a:rPr i="1" lang="hr-HR"/>
+              <a:t>grey-box</a:t>
+            </a:r>
+            <a:r>
+              <a:rPr lang="hr-HR"/>
+              <a:t> </a:t>
+            </a:r>
+            <a:r>
+              <a:rPr i="1" lang="hr-HR"/>
+              <a:t>fuzzer</a:t>
+            </a:r>
+            <a:endParaRPr i="1"/>
           </a:p>
           <a:p>
             <a:pPr indent="-161925" lvl="1" marL="569912" rtl="0" algn="l">
@@ -16983,8 +18848,12 @@
               <a:buChar char="•"/>
             </a:pPr>
             <a:r>
+              <a:rPr i="1" lang="hr-HR"/>
+              <a:t>Instrumentation-guided</a:t>
+            </a:r>
+            <a:r>
               <a:rPr lang="hr-HR"/>
-              <a:t>Instrumentation-guided </a:t>
+              <a:t> </a:t>
             </a:r>
             <a:r>
               <a:rPr i="1" lang="hr-HR"/>
@@ -17075,10 +18944,10 @@
               <a:buChar char="•"/>
             </a:pPr>
             <a:r>
-              <a:rPr lang="hr-HR"/>
+              <a:rPr i="1" lang="hr-HR"/>
               <a:t>In-process, coverage-guided fuzzer</a:t>
             </a:r>
-            <a:endParaRPr/>
+            <a:endParaRPr i="1"/>
           </a:p>
           <a:p>
             <a:pPr indent="-161925" lvl="1" marL="569912" rtl="0" algn="l">
@@ -17144,7 +19013,7 @@
       </p:sp>
       <p:sp>
         <p:nvSpPr>
-          <p:cNvPr id="247" name="Google Shape;247;p27"/>
+          <p:cNvPr id="248" name="Google Shape;248;p27"/>
           <p:cNvSpPr txBox="1"/>
           <p:nvPr>
             <p:ph idx="3" type="body"/>
@@ -17194,46 +19063,6 @@
               <a:rPr lang="hr-HR"/>
               <a:t> alati - otvorenog koda</a:t>
             </a:r>
-            <a:endParaRPr/>
-          </a:p>
-        </p:txBody>
-      </p:sp>
-      <p:sp>
-        <p:nvSpPr>
-          <p:cNvPr id="248" name="Google Shape;248;p27"/>
-          <p:cNvSpPr txBox="1"/>
-          <p:nvPr>
-            <p:ph idx="12" type="sldNum"/>
-          </p:nvPr>
-        </p:nvSpPr>
-        <p:spPr>
-          <a:xfrm>
-            <a:off x="10964395" y="6333009"/>
-            <a:ext cx="731700" cy="525000"/>
-          </a:xfrm>
-          <a:prstGeom prst="rect">
-            <a:avLst/>
-          </a:prstGeom>
-        </p:spPr>
-        <p:txBody>
-          <a:bodyPr anchorCtr="0" anchor="b" bIns="91425" lIns="91425" spcFirstLastPara="1" rIns="91425" wrap="square" tIns="91425">
-            <a:noAutofit/>
-          </a:bodyPr>
-          <a:lstStyle/>
-          <a:p>
-            <a:pPr indent="0" lvl="0" marL="0" rtl="0" algn="r">
-              <a:spcBef>
-                <a:spcPts val="0"/>
-              </a:spcBef>
-              <a:spcAft>
-                <a:spcPts val="0"/>
-              </a:spcAft>
-              <a:buNone/>
-            </a:pPr>
-            <a:fld id="{00000000-1234-1234-1234-123412341234}" type="slidenum">
-              <a:rPr lang="hr-HR"/>
-              <a:t>‹#›</a:t>
-            </a:fld>
             <a:endParaRPr/>
           </a:p>
         </p:txBody>
@@ -17300,7 +19129,7 @@
             </a:pPr>
             <a:r>
               <a:rPr lang="hr-HR"/>
-              <a:t>Podržava više hardverskih feedback kanala</a:t>
+              <a:t>Podržava više hardverskih povratnih kanala</a:t>
             </a:r>
             <a:endParaRPr/>
           </a:p>
@@ -17340,7 +19169,7 @@
             </a:pPr>
             <a:r>
               <a:rPr lang="hr-HR"/>
-              <a:t>Podržava hardware-based feedback (Intel PT)</a:t>
+              <a:t>Podržava povratnu informaciju temeljenu na hardwareu (Intel PT)</a:t>
             </a:r>
             <a:endParaRPr/>
           </a:p>
@@ -17400,7 +19229,7 @@
             </a:pPr>
             <a:r>
               <a:rPr lang="hr-HR"/>
-              <a:t>Razvijen od Googlea</a:t>
+              <a:t>Razvijen od strane Googlea</a:t>
             </a:r>
             <a:endParaRPr/>
           </a:p>
@@ -17420,7 +19249,7 @@
             </a:pPr>
             <a:r>
               <a:rPr lang="hr-HR"/>
-              <a:t>Pronašao tisuće kritičnih ranjivosti u Linux kernelu</a:t>
+              <a:t>Pronašao tisuće kritičnih ranjivosti u Linux jezgri</a:t>
             </a:r>
             <a:endParaRPr/>
           </a:p>
@@ -17430,12 +19259,52 @@
         <p:nvSpPr>
           <p:cNvPr id="250" name="Google Shape;250;p27"/>
           <p:cNvSpPr txBox="1"/>
+          <p:nvPr>
+            <p:ph idx="12" type="sldNum"/>
+          </p:nvPr>
+        </p:nvSpPr>
+        <p:spPr>
+          <a:xfrm>
+            <a:off x="11216125" y="6428150"/>
+            <a:ext cx="411000" cy="327300"/>
+          </a:xfrm>
+          <a:prstGeom prst="rect">
+            <a:avLst/>
+          </a:prstGeom>
+        </p:spPr>
+        <p:txBody>
+          <a:bodyPr anchorCtr="0" anchor="b" bIns="91425" lIns="91425" spcFirstLastPara="1" rIns="91425" wrap="square" tIns="91425">
+            <a:noAutofit/>
+          </a:bodyPr>
+          <a:lstStyle/>
+          <a:p>
+            <a:pPr indent="0" lvl="0" marL="0" rtl="0" algn="r">
+              <a:spcBef>
+                <a:spcPts val="0"/>
+              </a:spcBef>
+              <a:spcAft>
+                <a:spcPts val="0"/>
+              </a:spcAft>
+              <a:buNone/>
+            </a:pPr>
+            <a:fld id="{00000000-1234-1234-1234-123412341234}" type="slidenum">
+              <a:rPr lang="hr-HR"/>
+              <a:t>‹#›</a:t>
+            </a:fld>
+            <a:endParaRPr/>
+          </a:p>
+        </p:txBody>
+      </p:sp>
+      <p:sp>
+        <p:nvSpPr>
+          <p:cNvPr id="251" name="Google Shape;251;p27"/>
+          <p:cNvSpPr txBox="1"/>
           <p:nvPr/>
         </p:nvSpPr>
         <p:spPr>
           <a:xfrm>
-            <a:off x="11534075" y="6478900"/>
-            <a:ext cx="524100" cy="525000"/>
+            <a:off x="11476125" y="6365225"/>
+            <a:ext cx="524100" cy="327300"/>
           </a:xfrm>
           <a:prstGeom prst="rect">
             <a:avLst/>
@@ -17462,7 +19331,7 @@
             </a:pPr>
             <a:r>
               <a:rPr lang="hr-HR" sz="1300"/>
-              <a:t>/23</a:t>
+              <a:t>/30</a:t>
             </a:r>
             <a:endParaRPr sz="1300"/>
           </a:p>
@@ -17481,7 +19350,7 @@
   <p:cSld>
     <p:spTree>
       <p:nvGrpSpPr>
-        <p:cNvPr id="254" name="Shape 254"/>
+        <p:cNvPr id="255" name="Shape 255"/>
         <p:cNvGrpSpPr/>
         <p:nvPr/>
       </p:nvGrpSpPr>
@@ -17495,7 +19364,7 @@
       </p:grpSpPr>
       <p:sp>
         <p:nvSpPr>
-          <p:cNvPr id="255" name="Google Shape;255;p28"/>
+          <p:cNvPr id="256" name="Google Shape;256;p28"/>
           <p:cNvSpPr txBox="1"/>
           <p:nvPr>
             <p:ph idx="3" type="body"/>
@@ -17545,46 +19414,6 @@
               <a:rPr lang="hr-HR"/>
               <a:t> alati - AFL</a:t>
             </a:r>
-            <a:endParaRPr/>
-          </a:p>
-        </p:txBody>
-      </p:sp>
-      <p:sp>
-        <p:nvSpPr>
-          <p:cNvPr id="256" name="Google Shape;256;p28"/>
-          <p:cNvSpPr txBox="1"/>
-          <p:nvPr>
-            <p:ph idx="12" type="sldNum"/>
-          </p:nvPr>
-        </p:nvSpPr>
-        <p:spPr>
-          <a:xfrm>
-            <a:off x="10964395" y="6333009"/>
-            <a:ext cx="731700" cy="525000"/>
-          </a:xfrm>
-          <a:prstGeom prst="rect">
-            <a:avLst/>
-          </a:prstGeom>
-        </p:spPr>
-        <p:txBody>
-          <a:bodyPr anchorCtr="0" anchor="b" bIns="91425" lIns="91425" spcFirstLastPara="1" rIns="91425" wrap="square" tIns="91425">
-            <a:noAutofit/>
-          </a:bodyPr>
-          <a:lstStyle/>
-          <a:p>
-            <a:pPr indent="0" lvl="0" marL="0" rtl="0" algn="r">
-              <a:spcBef>
-                <a:spcPts val="0"/>
-              </a:spcBef>
-              <a:spcAft>
-                <a:spcPts val="0"/>
-              </a:spcAft>
-              <a:buNone/>
-            </a:pPr>
-            <a:fld id="{00000000-1234-1234-1234-123412341234}" type="slidenum">
-              <a:rPr lang="hr-HR"/>
-              <a:t>‹#›</a:t>
-            </a:fld>
             <a:endParaRPr/>
           </a:p>
         </p:txBody>
@@ -17656,7 +19485,15 @@
             </a:pPr>
             <a:r>
               <a:rPr lang="hr-HR" sz="1700"/>
-              <a:t>Primjer fuzziranja programa koristeći AFL</a:t>
+              <a:t>Primjer </a:t>
+            </a:r>
+            <a:r>
+              <a:rPr i="1" lang="hr-HR" sz="1700"/>
+              <a:t>fuzziranja</a:t>
+            </a:r>
+            <a:r>
+              <a:rPr lang="hr-HR" sz="1700"/>
+              <a:t> programa koristeći AFL</a:t>
             </a:r>
             <a:endParaRPr sz="1700"/>
           </a:p>
@@ -17991,12 +19828,52 @@
         <p:nvSpPr>
           <p:cNvPr id="265" name="Google Shape;265;p28"/>
           <p:cNvSpPr txBox="1"/>
+          <p:nvPr>
+            <p:ph idx="12" type="sldNum"/>
+          </p:nvPr>
+        </p:nvSpPr>
+        <p:spPr>
+          <a:xfrm>
+            <a:off x="11216125" y="6428150"/>
+            <a:ext cx="411000" cy="327300"/>
+          </a:xfrm>
+          <a:prstGeom prst="rect">
+            <a:avLst/>
+          </a:prstGeom>
+        </p:spPr>
+        <p:txBody>
+          <a:bodyPr anchorCtr="0" anchor="b" bIns="91425" lIns="91425" spcFirstLastPara="1" rIns="91425" wrap="square" tIns="91425">
+            <a:noAutofit/>
+          </a:bodyPr>
+          <a:lstStyle/>
+          <a:p>
+            <a:pPr indent="0" lvl="0" marL="0" rtl="0" algn="r">
+              <a:spcBef>
+                <a:spcPts val="0"/>
+              </a:spcBef>
+              <a:spcAft>
+                <a:spcPts val="0"/>
+              </a:spcAft>
+              <a:buNone/>
+            </a:pPr>
+            <a:fld id="{00000000-1234-1234-1234-123412341234}" type="slidenum">
+              <a:rPr lang="hr-HR"/>
+              <a:t>‹#›</a:t>
+            </a:fld>
+            <a:endParaRPr/>
+          </a:p>
+        </p:txBody>
+      </p:sp>
+      <p:sp>
+        <p:nvSpPr>
+          <p:cNvPr id="266" name="Google Shape;266;p28"/>
+          <p:cNvSpPr txBox="1"/>
           <p:nvPr/>
         </p:nvSpPr>
         <p:spPr>
           <a:xfrm>
-            <a:off x="11534075" y="6478900"/>
-            <a:ext cx="524100" cy="525000"/>
+            <a:off x="11476125" y="6365225"/>
+            <a:ext cx="524100" cy="327300"/>
           </a:xfrm>
           <a:prstGeom prst="rect">
             <a:avLst/>
@@ -18023,7 +19900,7 @@
             </a:pPr>
             <a:r>
               <a:rPr lang="hr-HR" sz="1300"/>
-              <a:t>/23</a:t>
+              <a:t>/30</a:t>
             </a:r>
             <a:endParaRPr sz="1300"/>
           </a:p>
@@ -18371,8 +20248,8 @@
         </p:nvSpPr>
         <p:spPr>
           <a:xfrm>
-            <a:off x="10964395" y="6333009"/>
-            <a:ext cx="731700" cy="525000"/>
+            <a:off x="11216125" y="6428150"/>
+            <a:ext cx="411000" cy="327300"/>
           </a:xfrm>
           <a:prstGeom prst="rect">
             <a:avLst/>
@@ -18409,8 +20286,8 @@
         </p:nvSpPr>
         <p:spPr>
           <a:xfrm>
-            <a:off x="11534075" y="6478900"/>
-            <a:ext cx="524100" cy="525000"/>
+            <a:off x="11476125" y="6365225"/>
+            <a:ext cx="524100" cy="327300"/>
           </a:xfrm>
           <a:prstGeom prst="rect">
             <a:avLst/>
@@ -18437,7 +20314,7 @@
             </a:pPr>
             <a:r>
               <a:rPr lang="hr-HR" sz="1300"/>
-              <a:t>/23</a:t>
+              <a:t>/30</a:t>
             </a:r>
             <a:endParaRPr sz="1300"/>
           </a:p>
@@ -18456,7 +20333,7 @@
   <p:cSld>
     <p:spTree>
       <p:nvGrpSpPr>
-        <p:cNvPr id="269" name="Shape 269"/>
+        <p:cNvPr id="270" name="Shape 270"/>
         <p:cNvGrpSpPr/>
         <p:nvPr/>
       </p:nvGrpSpPr>
@@ -18470,7 +20347,7 @@
       </p:grpSpPr>
       <p:sp>
         <p:nvSpPr>
-          <p:cNvPr id="270" name="Google Shape;270;p29"/>
+          <p:cNvPr id="271" name="Google Shape;271;p29"/>
           <p:cNvSpPr txBox="1"/>
           <p:nvPr>
             <p:ph idx="2" type="body"/>
@@ -18550,7 +20427,7 @@
             </a:pPr>
             <a:r>
               <a:rPr lang="hr-HR"/>
-              <a:t>Profesionalni framework</a:t>
+              <a:t>Profesionalni okvir</a:t>
             </a:r>
             <a:endParaRPr/>
           </a:p>
@@ -18590,7 +20467,7 @@
             </a:pPr>
             <a:r>
               <a:rPr lang="hr-HR"/>
-              <a:t>Koristi se u enterprise okruženjima</a:t>
+              <a:t>Koristi se u velikim poduzećima</a:t>
             </a:r>
             <a:endParaRPr/>
           </a:p>
@@ -18678,7 +20555,7 @@
       </p:sp>
       <p:sp>
         <p:nvSpPr>
-          <p:cNvPr id="271" name="Google Shape;271;p29"/>
+          <p:cNvPr id="272" name="Google Shape;272;p29"/>
           <p:cNvSpPr txBox="1"/>
           <p:nvPr>
             <p:ph idx="3" type="body"/>
@@ -18728,46 +20605,6 @@
               <a:rPr lang="hr-HR"/>
               <a:t> alati - komercijalni i cloud</a:t>
             </a:r>
-            <a:endParaRPr/>
-          </a:p>
-        </p:txBody>
-      </p:sp>
-      <p:sp>
-        <p:nvSpPr>
-          <p:cNvPr id="272" name="Google Shape;272;p29"/>
-          <p:cNvSpPr txBox="1"/>
-          <p:nvPr>
-            <p:ph idx="12" type="sldNum"/>
-          </p:nvPr>
-        </p:nvSpPr>
-        <p:spPr>
-          <a:xfrm>
-            <a:off x="10964395" y="6333009"/>
-            <a:ext cx="731700" cy="525000"/>
-          </a:xfrm>
-          <a:prstGeom prst="rect">
-            <a:avLst/>
-          </a:prstGeom>
-        </p:spPr>
-        <p:txBody>
-          <a:bodyPr anchorCtr="0" anchor="b" bIns="91425" lIns="91425" spcFirstLastPara="1" rIns="91425" wrap="square" tIns="91425">
-            <a:noAutofit/>
-          </a:bodyPr>
-          <a:lstStyle/>
-          <a:p>
-            <a:pPr indent="0" lvl="0" marL="0" rtl="0" algn="r">
-              <a:spcBef>
-                <a:spcPts val="0"/>
-              </a:spcBef>
-              <a:spcAft>
-                <a:spcPts val="0"/>
-              </a:spcAft>
-              <a:buNone/>
-            </a:pPr>
-            <a:fld id="{00000000-1234-1234-1234-123412341234}" type="slidenum">
-              <a:rPr lang="hr-HR"/>
-              <a:t>‹#›</a:t>
-            </a:fld>
             <a:endParaRPr/>
           </a:p>
         </p:txBody>
@@ -18795,260 +20632,260 @@
         </p:spPr>
         <p:txBody>
           <a:bodyPr anchorCtr="0" anchor="t" bIns="45700" lIns="91425" spcFirstLastPara="1" rIns="91425" wrap="square" tIns="45700">
-            <a:normAutofit fontScale="62500" lnSpcReduction="10000"/>
+            <a:noAutofit/>
           </a:bodyPr>
           <a:lstStyle/>
           <a:p>
-            <a:pPr indent="-257175" lvl="0" marL="342900" rtl="0" algn="l">
-              <a:lnSpc>
-                <a:spcPct val="150000"/>
-              </a:lnSpc>
-              <a:spcBef>
-                <a:spcPts val="0"/>
-              </a:spcBef>
-              <a:spcAft>
-                <a:spcPts val="0"/>
-              </a:spcAft>
-              <a:buSzPct val="100000"/>
-              <a:buChar char="•"/>
-            </a:pPr>
-            <a:r>
-              <a:rPr b="1" lang="hr-HR"/>
+            <a:pPr indent="-269875" lvl="0" marL="342900" rtl="0" algn="l">
+              <a:lnSpc>
+                <a:spcPct val="140000"/>
+              </a:lnSpc>
+              <a:spcBef>
+                <a:spcPts val="0"/>
+              </a:spcBef>
+              <a:spcAft>
+                <a:spcPts val="0"/>
+              </a:spcAft>
+              <a:buSzPts val="2450"/>
+              <a:buChar char="•"/>
+            </a:pPr>
+            <a:r>
+              <a:rPr b="1" lang="hr-HR" sz="2450"/>
               <a:t>Cloud </a:t>
             </a:r>
             <a:r>
-              <a:rPr b="1" i="1" lang="hr-HR"/>
+              <a:rPr b="1" i="1" lang="hr-HR" sz="2450"/>
               <a:t>fuzzing</a:t>
             </a:r>
             <a:r>
-              <a:rPr b="1" lang="hr-HR"/>
+              <a:rPr b="1" lang="hr-HR" sz="2450"/>
               <a:t> platforme</a:t>
             </a:r>
-            <a:endParaRPr b="1"/>
-          </a:p>
-          <a:p>
-            <a:pPr indent="-161925" lvl="1" marL="569912" rtl="0" algn="l">
-              <a:lnSpc>
-                <a:spcPct val="150000"/>
-              </a:lnSpc>
-              <a:spcBef>
-                <a:spcPts val="0"/>
-              </a:spcBef>
-              <a:spcAft>
-                <a:spcPts val="0"/>
-              </a:spcAft>
-              <a:buSzPct val="100000"/>
-              <a:buChar char="•"/>
-            </a:pPr>
-            <a:r>
-              <a:rPr b="1" lang="hr-HR"/>
+            <a:endParaRPr b="1" sz="2450"/>
+          </a:p>
+          <a:p>
+            <a:pPr indent="-168275" lvl="1" marL="569912" rtl="0" algn="l">
+              <a:lnSpc>
+                <a:spcPct val="140000"/>
+              </a:lnSpc>
+              <a:spcBef>
+                <a:spcPts val="0"/>
+              </a:spcBef>
+              <a:spcAft>
+                <a:spcPts val="0"/>
+              </a:spcAft>
+              <a:buSzPts val="1850"/>
+              <a:buChar char="•"/>
+            </a:pPr>
+            <a:r>
+              <a:rPr b="1" lang="hr-HR" sz="1850"/>
               <a:t>Google OSS-Fuzz</a:t>
             </a:r>
-            <a:endParaRPr b="1"/>
+            <a:endParaRPr b="1" sz="1850"/>
           </a:p>
           <a:p>
             <a:pPr indent="-171450" lvl="2" marL="801687" rtl="0" algn="l">
               <a:lnSpc>
-                <a:spcPct val="150000"/>
-              </a:lnSpc>
-              <a:spcBef>
-                <a:spcPts val="0"/>
-              </a:spcBef>
-              <a:spcAft>
-                <a:spcPts val="0"/>
-              </a:spcAft>
-              <a:buSzPct val="100000"/>
-              <a:buChar char="•"/>
-            </a:pPr>
-            <a:r>
-              <a:rPr lang="hr-HR"/>
+                <a:spcPct val="140000"/>
+              </a:lnSpc>
+              <a:spcBef>
+                <a:spcPts val="0"/>
+              </a:spcBef>
+              <a:spcAft>
+                <a:spcPts val="0"/>
+              </a:spcAft>
+              <a:buSzPts val="1500"/>
+              <a:buChar char="•"/>
+            </a:pPr>
+            <a:r>
+              <a:rPr lang="hr-HR" sz="1500"/>
               <a:t>Kontinuirani </a:t>
             </a:r>
             <a:r>
-              <a:rPr i="1" lang="hr-HR"/>
+              <a:rPr i="1" lang="hr-HR" sz="1500"/>
               <a:t>fuzzing</a:t>
             </a:r>
             <a:r>
-              <a:rPr lang="hr-HR"/>
+              <a:rPr lang="hr-HR" sz="1500"/>
               <a:t> projekt za open-source projekte</a:t>
             </a:r>
-            <a:endParaRPr/>
+            <a:endParaRPr sz="1500"/>
           </a:p>
           <a:p>
             <a:pPr indent="-171450" lvl="2" marL="801687" rtl="0" algn="l">
               <a:lnSpc>
-                <a:spcPct val="150000"/>
-              </a:lnSpc>
-              <a:spcBef>
-                <a:spcPts val="0"/>
-              </a:spcBef>
-              <a:spcAft>
-                <a:spcPts val="0"/>
-              </a:spcAft>
-              <a:buSzPct val="100000"/>
-              <a:buChar char="•"/>
-            </a:pPr>
-            <a:r>
-              <a:rPr lang="hr-HR"/>
-              <a:t>otkrio preko 16,000 bugova u brojnim projektima</a:t>
-            </a:r>
-            <a:endParaRPr/>
+                <a:spcPct val="140000"/>
+              </a:lnSpc>
+              <a:spcBef>
+                <a:spcPts val="0"/>
+              </a:spcBef>
+              <a:spcAft>
+                <a:spcPts val="0"/>
+              </a:spcAft>
+              <a:buSzPts val="1500"/>
+              <a:buChar char="•"/>
+            </a:pPr>
+            <a:r>
+              <a:rPr lang="hr-HR" sz="1500"/>
+              <a:t>otkrio preko 16,000 grešaka u brojnim projektima</a:t>
+            </a:r>
+            <a:endParaRPr sz="1500"/>
           </a:p>
           <a:p>
             <a:pPr indent="-171450" lvl="2" marL="801687" rtl="0" algn="l">
               <a:lnSpc>
-                <a:spcPct val="150000"/>
-              </a:lnSpc>
-              <a:spcBef>
-                <a:spcPts val="0"/>
-              </a:spcBef>
-              <a:spcAft>
-                <a:spcPts val="0"/>
-              </a:spcAft>
-              <a:buSzPct val="100000"/>
-              <a:buChar char="•"/>
-            </a:pPr>
-            <a:r>
-              <a:rPr lang="hr-HR"/>
+                <a:spcPct val="140000"/>
+              </a:lnSpc>
+              <a:spcBef>
+                <a:spcPts val="0"/>
+              </a:spcBef>
+              <a:spcAft>
+                <a:spcPts val="0"/>
+              </a:spcAft>
+              <a:buSzPts val="1500"/>
+              <a:buChar char="•"/>
+            </a:pPr>
+            <a:r>
+              <a:rPr lang="hr-HR" sz="1500"/>
               <a:t>Besplatno dostupan za open-source projekte</a:t>
             </a:r>
-            <a:endParaRPr/>
-          </a:p>
-          <a:p>
-            <a:pPr indent="-161925" lvl="1" marL="569912" rtl="0" algn="l">
-              <a:lnSpc>
-                <a:spcPct val="150000"/>
-              </a:lnSpc>
-              <a:spcBef>
-                <a:spcPts val="0"/>
-              </a:spcBef>
-              <a:spcAft>
-                <a:spcPts val="0"/>
-              </a:spcAft>
-              <a:buSzPct val="100000"/>
-              <a:buChar char="•"/>
-            </a:pPr>
-            <a:r>
-              <a:rPr b="1" lang="hr-HR"/>
+            <a:endParaRPr sz="1500"/>
+          </a:p>
+          <a:p>
+            <a:pPr indent="-168275" lvl="1" marL="569912" rtl="0" algn="l">
+              <a:lnSpc>
+                <a:spcPct val="140000"/>
+              </a:lnSpc>
+              <a:spcBef>
+                <a:spcPts val="0"/>
+              </a:spcBef>
+              <a:spcAft>
+                <a:spcPts val="0"/>
+              </a:spcAft>
+              <a:buSzPts val="1850"/>
+              <a:buChar char="•"/>
+            </a:pPr>
+            <a:r>
+              <a:rPr b="1" lang="hr-HR" sz="1850"/>
               <a:t>Google ClusterFuzz</a:t>
             </a:r>
-            <a:endParaRPr b="1"/>
+            <a:endParaRPr b="1" sz="1850"/>
           </a:p>
           <a:p>
             <a:pPr indent="-171450" lvl="2" marL="801687" rtl="0" algn="l">
               <a:lnSpc>
-                <a:spcPct val="150000"/>
-              </a:lnSpc>
-              <a:spcBef>
-                <a:spcPts val="0"/>
-              </a:spcBef>
-              <a:spcAft>
-                <a:spcPts val="0"/>
-              </a:spcAft>
-              <a:buSzPct val="100000"/>
-              <a:buChar char="•"/>
-            </a:pPr>
-            <a:r>
-              <a:rPr lang="hr-HR"/>
+                <a:spcPct val="140000"/>
+              </a:lnSpc>
+              <a:spcBef>
+                <a:spcPts val="0"/>
+              </a:spcBef>
+              <a:spcAft>
+                <a:spcPts val="0"/>
+              </a:spcAft>
+              <a:buSzPts val="1500"/>
+              <a:buChar char="•"/>
+            </a:pPr>
+            <a:r>
+              <a:rPr lang="hr-HR" sz="1500"/>
               <a:t>Distribuirana infrastruktura za skalabilni </a:t>
             </a:r>
             <a:r>
-              <a:rPr i="1" lang="hr-HR"/>
+              <a:rPr i="1" lang="hr-HR" sz="1500"/>
               <a:t>fuzzing</a:t>
             </a:r>
-            <a:endParaRPr i="1"/>
+            <a:endParaRPr i="1" sz="1500"/>
           </a:p>
           <a:p>
             <a:pPr indent="-171450" lvl="2" marL="801687" rtl="0" algn="l">
               <a:lnSpc>
-                <a:spcPct val="150000"/>
-              </a:lnSpc>
-              <a:spcBef>
-                <a:spcPts val="0"/>
-              </a:spcBef>
-              <a:spcAft>
-                <a:spcPts val="0"/>
-              </a:spcAft>
-              <a:buSzPct val="100000"/>
-              <a:buChar char="•"/>
-            </a:pPr>
-            <a:r>
-              <a:rPr lang="hr-HR"/>
-              <a:t>Automatizira cijeli proces pronalaska, reprodukcije i praćenja bugova</a:t>
-            </a:r>
-            <a:endParaRPr/>
-          </a:p>
-          <a:p>
-            <a:pPr indent="-161925" lvl="1" marL="569912" rtl="0" algn="l">
-              <a:lnSpc>
-                <a:spcPct val="150000"/>
-              </a:lnSpc>
-              <a:spcBef>
-                <a:spcPts val="0"/>
-              </a:spcBef>
-              <a:spcAft>
-                <a:spcPts val="0"/>
-              </a:spcAft>
-              <a:buSzPct val="100000"/>
-              <a:buChar char="•"/>
-            </a:pPr>
-            <a:r>
-              <a:rPr b="1" lang="hr-HR"/>
+                <a:spcPct val="140000"/>
+              </a:lnSpc>
+              <a:spcBef>
+                <a:spcPts val="0"/>
+              </a:spcBef>
+              <a:spcAft>
+                <a:spcPts val="0"/>
+              </a:spcAft>
+              <a:buSzPts val="1500"/>
+              <a:buChar char="•"/>
+            </a:pPr>
+            <a:r>
+              <a:rPr lang="hr-HR" sz="1500"/>
+              <a:t>Automatizira cijeli proces pronalaska, reprodukcije i praćenja greški</a:t>
+            </a:r>
+            <a:endParaRPr sz="1500"/>
+          </a:p>
+          <a:p>
+            <a:pPr indent="-168275" lvl="1" marL="569912" rtl="0" algn="l">
+              <a:lnSpc>
+                <a:spcPct val="140000"/>
+              </a:lnSpc>
+              <a:spcBef>
+                <a:spcPts val="0"/>
+              </a:spcBef>
+              <a:spcAft>
+                <a:spcPts val="0"/>
+              </a:spcAft>
+              <a:buSzPts val="1850"/>
+              <a:buChar char="•"/>
+            </a:pPr>
+            <a:r>
+              <a:rPr b="1" lang="hr-HR" sz="1850"/>
               <a:t>Microsoft Security Risk Detection:</a:t>
             </a:r>
-            <a:endParaRPr b="1"/>
+            <a:endParaRPr b="1" sz="1850"/>
           </a:p>
           <a:p>
             <a:pPr indent="-171450" lvl="2" marL="801687" rtl="0" algn="l">
               <a:lnSpc>
-                <a:spcPct val="150000"/>
-              </a:lnSpc>
-              <a:spcBef>
-                <a:spcPts val="0"/>
-              </a:spcBef>
-              <a:spcAft>
-                <a:spcPts val="0"/>
-              </a:spcAft>
-              <a:buSzPct val="100000"/>
-              <a:buChar char="•"/>
-            </a:pPr>
-            <a:r>
-              <a:rPr lang="hr-HR"/>
-              <a:t>Cloud-bazirani white-box </a:t>
-            </a:r>
-            <a:r>
-              <a:rPr i="1" lang="hr-HR"/>
+                <a:spcPct val="140000"/>
+              </a:lnSpc>
+              <a:spcBef>
+                <a:spcPts val="0"/>
+              </a:spcBef>
+              <a:spcAft>
+                <a:spcPts val="0"/>
+              </a:spcAft>
+              <a:buSzPts val="1500"/>
+              <a:buChar char="•"/>
+            </a:pPr>
+            <a:r>
+              <a:rPr lang="hr-HR" sz="1500"/>
+              <a:t>Cloud-bazirani </a:t>
+            </a:r>
+            <a:r>
+              <a:rPr i="1" lang="hr-HR" sz="1500"/>
+              <a:t>white-box fuzzing</a:t>
+            </a:r>
+            <a:r>
+              <a:rPr lang="hr-HR" sz="1500"/>
+              <a:t> servis</a:t>
+            </a:r>
+            <a:endParaRPr sz="1500"/>
+          </a:p>
+          <a:p>
+            <a:pPr indent="-171450" lvl="2" marL="801687" rtl="0" algn="l">
+              <a:lnSpc>
+                <a:spcPct val="140000"/>
+              </a:lnSpc>
+              <a:spcBef>
+                <a:spcPts val="0"/>
+              </a:spcBef>
+              <a:spcAft>
+                <a:spcPts val="0"/>
+              </a:spcAft>
+              <a:buSzPts val="1500"/>
+              <a:buChar char="•"/>
+            </a:pPr>
+            <a:r>
+              <a:rPr lang="hr-HR" sz="1500"/>
+              <a:t>Kombinira simboličko izvršavanje i </a:t>
+            </a:r>
+            <a:r>
+              <a:rPr i="1" lang="hr-HR" sz="1500"/>
               <a:t>fuzzing</a:t>
             </a:r>
-            <a:r>
-              <a:rPr lang="hr-HR"/>
-              <a:t> servis</a:t>
-            </a:r>
-            <a:endParaRPr/>
-          </a:p>
-          <a:p>
-            <a:pPr indent="-171450" lvl="2" marL="801687" rtl="0" algn="l">
-              <a:lnSpc>
-                <a:spcPct val="150000"/>
-              </a:lnSpc>
-              <a:spcBef>
-                <a:spcPts val="0"/>
-              </a:spcBef>
-              <a:spcAft>
-                <a:spcPts val="0"/>
-              </a:spcAft>
-              <a:buSzPct val="100000"/>
-              <a:buChar char="•"/>
-            </a:pPr>
-            <a:r>
-              <a:rPr lang="hr-HR"/>
-              <a:t>Kombinira simboličko izvršavanje i </a:t>
-            </a:r>
-            <a:r>
-              <a:rPr i="1" lang="hr-HR"/>
-              <a:t>fuzzing</a:t>
-            </a:r>
-            <a:endParaRPr i="1"/>
+            <a:endParaRPr i="1" sz="1500"/>
           </a:p>
         </p:txBody>
       </p:sp>
@@ -19056,12 +20893,52 @@
         <p:nvSpPr>
           <p:cNvPr id="274" name="Google Shape;274;p29"/>
           <p:cNvSpPr txBox="1"/>
+          <p:nvPr>
+            <p:ph idx="12" type="sldNum"/>
+          </p:nvPr>
+        </p:nvSpPr>
+        <p:spPr>
+          <a:xfrm>
+            <a:off x="11216125" y="6428150"/>
+            <a:ext cx="411000" cy="327300"/>
+          </a:xfrm>
+          <a:prstGeom prst="rect">
+            <a:avLst/>
+          </a:prstGeom>
+        </p:spPr>
+        <p:txBody>
+          <a:bodyPr anchorCtr="0" anchor="b" bIns="91425" lIns="91425" spcFirstLastPara="1" rIns="91425" wrap="square" tIns="91425">
+            <a:noAutofit/>
+          </a:bodyPr>
+          <a:lstStyle/>
+          <a:p>
+            <a:pPr indent="0" lvl="0" marL="0" rtl="0" algn="r">
+              <a:spcBef>
+                <a:spcPts val="0"/>
+              </a:spcBef>
+              <a:spcAft>
+                <a:spcPts val="0"/>
+              </a:spcAft>
+              <a:buNone/>
+            </a:pPr>
+            <a:fld id="{00000000-1234-1234-1234-123412341234}" type="slidenum">
+              <a:rPr lang="hr-HR"/>
+              <a:t>‹#›</a:t>
+            </a:fld>
+            <a:endParaRPr/>
+          </a:p>
+        </p:txBody>
+      </p:sp>
+      <p:sp>
+        <p:nvSpPr>
+          <p:cNvPr id="275" name="Google Shape;275;p29"/>
+          <p:cNvSpPr txBox="1"/>
           <p:nvPr/>
         </p:nvSpPr>
         <p:spPr>
           <a:xfrm>
-            <a:off x="11534075" y="6478900"/>
-            <a:ext cx="524100" cy="525000"/>
+            <a:off x="11476125" y="6365225"/>
+            <a:ext cx="524100" cy="327300"/>
           </a:xfrm>
           <a:prstGeom prst="rect">
             <a:avLst/>
@@ -19088,7 +20965,7 @@
             </a:pPr>
             <a:r>
               <a:rPr lang="hr-HR" sz="1300"/>
-              <a:t>/23</a:t>
+              <a:t>/30</a:t>
             </a:r>
             <a:endParaRPr sz="1300"/>
           </a:p>
@@ -19107,7 +20984,7 @@
   <p:cSld>
     <p:spTree>
       <p:nvGrpSpPr>
-        <p:cNvPr id="278" name="Shape 278"/>
+        <p:cNvPr id="279" name="Shape 279"/>
         <p:cNvGrpSpPr/>
         <p:nvPr/>
       </p:nvGrpSpPr>
@@ -19121,7 +20998,7 @@
       </p:grpSpPr>
       <p:sp>
         <p:nvSpPr>
-          <p:cNvPr id="279" name="Google Shape;279;p30"/>
+          <p:cNvPr id="280" name="Google Shape;280;p30"/>
           <p:cNvSpPr txBox="1"/>
           <p:nvPr>
             <p:ph idx="2" type="body"/>
@@ -19181,7 +21058,7 @@
             </a:pPr>
             <a:r>
               <a:rPr lang="hr-HR"/>
-              <a:t>Elite tim sigurnosnih istraživača</a:t>
+              <a:t>Elitni tim sigurnosnih istraživača</a:t>
             </a:r>
             <a:endParaRPr/>
           </a:p>
@@ -19209,7 +21086,15 @@
             </a:r>
             <a:r>
               <a:rPr lang="hr-HR"/>
-              <a:t> za pronalazak zero-day ranjivosti</a:t>
+              <a:t> za pronalazak </a:t>
+            </a:r>
+            <a:r>
+              <a:rPr i="1" lang="hr-HR"/>
+              <a:t>zero-day</a:t>
+            </a:r>
+            <a:r>
+              <a:rPr lang="hr-HR"/>
+              <a:t> ranjivosti</a:t>
             </a:r>
             <a:endParaRPr/>
           </a:p>
@@ -19229,9 +21114,13 @@
             </a:pPr>
             <a:r>
               <a:rPr lang="hr-HR"/>
-              <a:t>Otkrili tisuće sigurnosnih propusta u kritičnom softveru</a:t>
-            </a:r>
-            <a:endParaRPr/>
+              <a:t>Otkrili tisuće sigurnosnih propusta u kritičnom </a:t>
+            </a:r>
+            <a:r>
+              <a:rPr i="1" lang="hr-HR"/>
+              <a:t>softveru</a:t>
+            </a:r>
+            <a:endParaRPr i="1"/>
           </a:p>
           <a:p>
             <a:pPr indent="-228600" lvl="1" marL="569912" rtl="0" algn="l">
@@ -19297,9 +21186,13 @@
             </a:r>
             <a:r>
               <a:rPr lang="hr-HR"/>
-              <a:t> kao obavezni dio razvoja softvera</a:t>
-            </a:r>
-            <a:endParaRPr/>
+              <a:t> kao obavezni dio razvoja </a:t>
+            </a:r>
+            <a:r>
+              <a:rPr i="1" lang="hr-HR"/>
+              <a:t>softvera</a:t>
+            </a:r>
+            <a:endParaRPr i="1"/>
           </a:p>
           <a:p>
             <a:pPr indent="-228600" lvl="1" marL="569912" rtl="0" algn="l">
@@ -19345,7 +21238,7 @@
       </p:sp>
       <p:sp>
         <p:nvSpPr>
-          <p:cNvPr id="280" name="Google Shape;280;p30"/>
+          <p:cNvPr id="281" name="Google Shape;281;p30"/>
           <p:cNvSpPr txBox="1"/>
           <p:nvPr>
             <p:ph idx="3" type="body"/>
@@ -19405,7 +21298,7 @@
       </p:sp>
       <p:sp>
         <p:nvSpPr>
-          <p:cNvPr id="281" name="Google Shape;281;p30"/>
+          <p:cNvPr id="282" name="Google Shape;282;p30"/>
           <p:cNvSpPr txBox="1"/>
           <p:nvPr>
             <p:ph idx="12" type="sldNum"/>
@@ -19413,8 +21306,8 @@
         </p:nvSpPr>
         <p:spPr>
           <a:xfrm>
-            <a:off x="10964395" y="6333009"/>
-            <a:ext cx="731700" cy="525000"/>
+            <a:off x="11216125" y="6428150"/>
+            <a:ext cx="411000" cy="327300"/>
           </a:xfrm>
           <a:prstGeom prst="rect">
             <a:avLst/>
@@ -19445,14 +21338,14 @@
       </p:sp>
       <p:sp>
         <p:nvSpPr>
-          <p:cNvPr id="282" name="Google Shape;282;p30"/>
+          <p:cNvPr id="283" name="Google Shape;283;p30"/>
           <p:cNvSpPr txBox="1"/>
           <p:nvPr/>
         </p:nvSpPr>
         <p:spPr>
           <a:xfrm>
-            <a:off x="11534075" y="6478900"/>
-            <a:ext cx="524100" cy="525000"/>
+            <a:off x="11476125" y="6365225"/>
+            <a:ext cx="524100" cy="327300"/>
           </a:xfrm>
           <a:prstGeom prst="rect">
             <a:avLst/>
@@ -19479,7 +21372,7 @@
             </a:pPr>
             <a:r>
               <a:rPr lang="hr-HR" sz="1300"/>
-              <a:t>/23</a:t>
+              <a:t>/30</a:t>
             </a:r>
             <a:endParaRPr sz="1300"/>
           </a:p>
@@ -19498,7 +21391,7 @@
   <p:cSld>
     <p:spTree>
       <p:nvGrpSpPr>
-        <p:cNvPr id="286" name="Shape 286"/>
+        <p:cNvPr id="287" name="Shape 287"/>
         <p:cNvGrpSpPr/>
         <p:nvPr/>
       </p:nvGrpSpPr>
@@ -19512,7 +21405,7 @@
       </p:grpSpPr>
       <p:sp>
         <p:nvSpPr>
-          <p:cNvPr id="287" name="Google Shape;287;p31"/>
+          <p:cNvPr id="288" name="Google Shape;288;p31"/>
           <p:cNvSpPr txBox="1"/>
           <p:nvPr>
             <p:ph idx="2" type="body"/>
@@ -19700,7 +21593,7 @@
             </a:pPr>
             <a:r>
               <a:rPr lang="hr-HR"/>
-              <a:t>Linux kernel - Syzkaller</a:t>
+              <a:t>Linux jezgra - Syzkaller</a:t>
             </a:r>
             <a:endParaRPr/>
           </a:p>
@@ -19728,7 +21621,7 @@
       </p:sp>
       <p:sp>
         <p:nvSpPr>
-          <p:cNvPr id="288" name="Google Shape;288;p31"/>
+          <p:cNvPr id="289" name="Google Shape;289;p31"/>
           <p:cNvSpPr txBox="1"/>
           <p:nvPr>
             <p:ph idx="3" type="body"/>
@@ -19788,7 +21681,7 @@
       </p:sp>
       <p:sp>
         <p:nvSpPr>
-          <p:cNvPr id="289" name="Google Shape;289;p31"/>
+          <p:cNvPr id="290" name="Google Shape;290;p31"/>
           <p:cNvSpPr txBox="1"/>
           <p:nvPr>
             <p:ph idx="12" type="sldNum"/>
@@ -19796,8 +21689,8 @@
         </p:nvSpPr>
         <p:spPr>
           <a:xfrm>
-            <a:off x="10964395" y="6333009"/>
-            <a:ext cx="731700" cy="525000"/>
+            <a:off x="11216125" y="6428150"/>
+            <a:ext cx="411000" cy="327300"/>
           </a:xfrm>
           <a:prstGeom prst="rect">
             <a:avLst/>
@@ -19828,14 +21721,14 @@
       </p:sp>
       <p:sp>
         <p:nvSpPr>
-          <p:cNvPr id="290" name="Google Shape;290;p31"/>
+          <p:cNvPr id="291" name="Google Shape;291;p31"/>
           <p:cNvSpPr txBox="1"/>
           <p:nvPr/>
         </p:nvSpPr>
         <p:spPr>
           <a:xfrm>
-            <a:off x="11534075" y="6478900"/>
-            <a:ext cx="524100" cy="525000"/>
+            <a:off x="11476125" y="6365225"/>
+            <a:ext cx="524100" cy="327300"/>
           </a:xfrm>
           <a:prstGeom prst="rect">
             <a:avLst/>
@@ -19862,7 +21755,7 @@
             </a:pPr>
             <a:r>
               <a:rPr lang="hr-HR" sz="1300"/>
-              <a:t>/23</a:t>
+              <a:t>/30</a:t>
             </a:r>
             <a:endParaRPr sz="1300"/>
           </a:p>
@@ -19881,7 +21774,7 @@
   <p:cSld>
     <p:spTree>
       <p:nvGrpSpPr>
-        <p:cNvPr id="294" name="Shape 294"/>
+        <p:cNvPr id="295" name="Shape 295"/>
         <p:cNvGrpSpPr/>
         <p:nvPr/>
       </p:nvGrpSpPr>
@@ -19895,7 +21788,7 @@
       </p:grpSpPr>
       <p:sp>
         <p:nvSpPr>
-          <p:cNvPr id="295" name="Google Shape;295;p32"/>
+          <p:cNvPr id="296" name="Google Shape;296;p32"/>
           <p:cNvSpPr txBox="1"/>
           <p:nvPr>
             <p:ph idx="2" type="body"/>
@@ -20103,7 +21996,7 @@
             </a:pPr>
             <a:r>
               <a:rPr lang="hr-HR"/>
-              <a:t>Magic bytes i složene strukture formata</a:t>
+              <a:t>Magični bajtovi i složene strukture formata</a:t>
             </a:r>
             <a:endParaRPr/>
           </a:p>
@@ -20131,7 +22024,7 @@
       </p:sp>
       <p:sp>
         <p:nvSpPr>
-          <p:cNvPr id="296" name="Google Shape;296;p32"/>
+          <p:cNvPr id="297" name="Google Shape;297;p32"/>
           <p:cNvSpPr txBox="1"/>
           <p:nvPr>
             <p:ph idx="3" type="body"/>
@@ -20191,7 +22084,7 @@
       </p:sp>
       <p:sp>
         <p:nvSpPr>
-          <p:cNvPr id="297" name="Google Shape;297;p32"/>
+          <p:cNvPr id="298" name="Google Shape;298;p32"/>
           <p:cNvSpPr txBox="1"/>
           <p:nvPr>
             <p:ph idx="12" type="sldNum"/>
@@ -20199,8 +22092,8 @@
         </p:nvSpPr>
         <p:spPr>
           <a:xfrm>
-            <a:off x="10964395" y="6333009"/>
-            <a:ext cx="731700" cy="525000"/>
+            <a:off x="11216125" y="6428150"/>
+            <a:ext cx="411000" cy="327300"/>
           </a:xfrm>
           <a:prstGeom prst="rect">
             <a:avLst/>
@@ -20231,14 +22124,14 @@
       </p:sp>
       <p:sp>
         <p:nvSpPr>
-          <p:cNvPr id="298" name="Google Shape;298;p32"/>
+          <p:cNvPr id="299" name="Google Shape;299;p32"/>
           <p:cNvSpPr txBox="1"/>
           <p:nvPr/>
         </p:nvSpPr>
         <p:spPr>
           <a:xfrm>
-            <a:off x="11534075" y="6478900"/>
-            <a:ext cx="524100" cy="525000"/>
+            <a:off x="11476125" y="6365225"/>
+            <a:ext cx="524100" cy="327300"/>
           </a:xfrm>
           <a:prstGeom prst="rect">
             <a:avLst/>
@@ -20265,7 +22158,7 @@
             </a:pPr>
             <a:r>
               <a:rPr lang="hr-HR" sz="1300"/>
-              <a:t>/23</a:t>
+              <a:t>/30</a:t>
             </a:r>
             <a:endParaRPr sz="1300"/>
           </a:p>
@@ -20284,7 +22177,7 @@
   <p:cSld>
     <p:spTree>
       <p:nvGrpSpPr>
-        <p:cNvPr id="302" name="Shape 302"/>
+        <p:cNvPr id="303" name="Shape 303"/>
         <p:cNvGrpSpPr/>
         <p:nvPr/>
       </p:nvGrpSpPr>
@@ -20298,7 +22191,7 @@
       </p:grpSpPr>
       <p:sp>
         <p:nvSpPr>
-          <p:cNvPr id="303" name="Google Shape;303;p33"/>
+          <p:cNvPr id="304" name="Google Shape;304;p33"/>
           <p:cNvSpPr txBox="1"/>
           <p:nvPr>
             <p:ph idx="2" type="body"/>
@@ -20498,7 +22391,11 @@
             </a:pPr>
             <a:r>
               <a:rPr lang="hr-HR"/>
-              <a:t>Interpretirni jezici</a:t>
+              <a:t>Interpretirani</a:t>
+            </a:r>
+            <a:r>
+              <a:rPr lang="hr-HR"/>
+              <a:t> jezici</a:t>
             </a:r>
             <a:endParaRPr/>
           </a:p>
@@ -20526,7 +22423,7 @@
       </p:sp>
       <p:sp>
         <p:nvSpPr>
-          <p:cNvPr id="304" name="Google Shape;304;p33"/>
+          <p:cNvPr id="305" name="Google Shape;305;p33"/>
           <p:cNvSpPr txBox="1"/>
           <p:nvPr>
             <p:ph idx="3" type="body"/>
@@ -20586,7 +22483,7 @@
       </p:sp>
       <p:sp>
         <p:nvSpPr>
-          <p:cNvPr id="305" name="Google Shape;305;p33"/>
+          <p:cNvPr id="306" name="Google Shape;306;p33"/>
           <p:cNvSpPr txBox="1"/>
           <p:nvPr>
             <p:ph idx="12" type="sldNum"/>
@@ -20594,8 +22491,8 @@
         </p:nvSpPr>
         <p:spPr>
           <a:xfrm>
-            <a:off x="10964395" y="6333009"/>
-            <a:ext cx="731700" cy="525000"/>
+            <a:off x="11216125" y="6428150"/>
+            <a:ext cx="411000" cy="327300"/>
           </a:xfrm>
           <a:prstGeom prst="rect">
             <a:avLst/>
@@ -20626,14 +22523,14 @@
       </p:sp>
       <p:sp>
         <p:nvSpPr>
-          <p:cNvPr id="306" name="Google Shape;306;p33"/>
+          <p:cNvPr id="307" name="Google Shape;307;p33"/>
           <p:cNvSpPr txBox="1"/>
           <p:nvPr/>
         </p:nvSpPr>
         <p:spPr>
           <a:xfrm>
-            <a:off x="11534075" y="6478900"/>
-            <a:ext cx="524100" cy="525000"/>
+            <a:off x="11476125" y="6365225"/>
+            <a:ext cx="524100" cy="327300"/>
           </a:xfrm>
           <a:prstGeom prst="rect">
             <a:avLst/>
@@ -20660,7 +22557,7 @@
             </a:pPr>
             <a:r>
               <a:rPr lang="hr-HR" sz="1300"/>
-              <a:t>/23</a:t>
+              <a:t>/30</a:t>
             </a:r>
             <a:endParaRPr sz="1300"/>
           </a:p>
@@ -20679,7 +22576,7 @@
   <p:cSld>
     <p:spTree>
       <p:nvGrpSpPr>
-        <p:cNvPr id="310" name="Shape 310"/>
+        <p:cNvPr id="311" name="Shape 311"/>
         <p:cNvGrpSpPr/>
         <p:nvPr/>
       </p:nvGrpSpPr>
@@ -20693,7 +22590,7 @@
       </p:grpSpPr>
       <p:sp>
         <p:nvSpPr>
-          <p:cNvPr id="311" name="Google Shape;311;p34"/>
+          <p:cNvPr id="312" name="Google Shape;312;p34"/>
           <p:cNvSpPr txBox="1"/>
           <p:nvPr>
             <p:ph idx="2" type="body"/>
@@ -20957,7 +22854,7 @@
       </p:sp>
       <p:sp>
         <p:nvSpPr>
-          <p:cNvPr id="312" name="Google Shape;312;p34"/>
+          <p:cNvPr id="313" name="Google Shape;313;p34"/>
           <p:cNvSpPr txBox="1"/>
           <p:nvPr>
             <p:ph idx="3" type="body"/>
@@ -21017,7 +22914,7 @@
       </p:sp>
       <p:sp>
         <p:nvSpPr>
-          <p:cNvPr id="313" name="Google Shape;313;p34"/>
+          <p:cNvPr id="314" name="Google Shape;314;p34"/>
           <p:cNvSpPr txBox="1"/>
           <p:nvPr>
             <p:ph idx="12" type="sldNum"/>
@@ -21025,8 +22922,8 @@
         </p:nvSpPr>
         <p:spPr>
           <a:xfrm>
-            <a:off x="10964395" y="6333009"/>
-            <a:ext cx="731700" cy="525000"/>
+            <a:off x="11266450" y="6465900"/>
+            <a:ext cx="411000" cy="327300"/>
           </a:xfrm>
           <a:prstGeom prst="rect">
             <a:avLst/>
@@ -21057,14 +22954,14 @@
       </p:sp>
       <p:sp>
         <p:nvSpPr>
-          <p:cNvPr id="314" name="Google Shape;314;p34"/>
+          <p:cNvPr id="315" name="Google Shape;315;p34"/>
           <p:cNvSpPr txBox="1"/>
           <p:nvPr/>
         </p:nvSpPr>
         <p:spPr>
           <a:xfrm>
-            <a:off x="11534075" y="6478900"/>
-            <a:ext cx="524100" cy="525000"/>
+            <a:off x="11526450" y="6402975"/>
+            <a:ext cx="524100" cy="327300"/>
           </a:xfrm>
           <a:prstGeom prst="rect">
             <a:avLst/>
@@ -21091,7 +22988,7 @@
             </a:pPr>
             <a:r>
               <a:rPr lang="hr-HR" sz="1300"/>
-              <a:t>/23</a:t>
+              <a:t>/30</a:t>
             </a:r>
             <a:endParaRPr sz="1300"/>
           </a:p>
@@ -21110,7 +23007,7 @@
   <p:cSld>
     <p:spTree>
       <p:nvGrpSpPr>
-        <p:cNvPr id="318" name="Shape 318"/>
+        <p:cNvPr id="319" name="Shape 319"/>
         <p:cNvGrpSpPr/>
         <p:nvPr/>
       </p:nvGrpSpPr>
@@ -21124,7 +23021,7 @@
       </p:grpSpPr>
       <p:sp>
         <p:nvSpPr>
-          <p:cNvPr id="319" name="Google Shape;319;p35"/>
+          <p:cNvPr id="320" name="Google Shape;320;p35"/>
           <p:cNvSpPr txBox="1"/>
           <p:nvPr>
             <p:ph idx="2" type="body"/>
@@ -21352,7 +23249,7 @@
       </p:sp>
       <p:sp>
         <p:nvSpPr>
-          <p:cNvPr id="320" name="Google Shape;320;p35"/>
+          <p:cNvPr id="321" name="Google Shape;321;p35"/>
           <p:cNvSpPr txBox="1"/>
           <p:nvPr>
             <p:ph idx="3" type="body"/>
@@ -21412,7 +23309,7 @@
       </p:sp>
       <p:sp>
         <p:nvSpPr>
-          <p:cNvPr id="321" name="Google Shape;321;p35"/>
+          <p:cNvPr id="322" name="Google Shape;322;p35"/>
           <p:cNvSpPr txBox="1"/>
           <p:nvPr>
             <p:ph idx="12" type="sldNum"/>
@@ -21452,7 +23349,7 @@
       </p:sp>
       <p:sp>
         <p:nvSpPr>
-          <p:cNvPr id="322" name="Google Shape;322;p35"/>
+          <p:cNvPr id="323" name="Google Shape;323;p35"/>
           <p:cNvSpPr txBox="1"/>
           <p:nvPr/>
         </p:nvSpPr>
@@ -21486,7 +23383,7 @@
             </a:pPr>
             <a:r>
               <a:rPr lang="hr-HR" sz="1300"/>
-              <a:t>/23</a:t>
+              <a:t>/30</a:t>
             </a:r>
             <a:endParaRPr sz="1300"/>
           </a:p>
@@ -21505,7 +23402,7 @@
   <p:cSld>
     <p:spTree>
       <p:nvGrpSpPr>
-        <p:cNvPr id="326" name="Shape 326"/>
+        <p:cNvPr id="327" name="Shape 327"/>
         <p:cNvGrpSpPr/>
         <p:nvPr/>
       </p:nvGrpSpPr>
@@ -21519,7 +23416,7 @@
       </p:grpSpPr>
       <p:sp>
         <p:nvSpPr>
-          <p:cNvPr id="327" name="Google Shape;327;p36"/>
+          <p:cNvPr id="328" name="Google Shape;328;p36"/>
           <p:cNvSpPr txBox="1"/>
           <p:nvPr>
             <p:ph idx="2" type="body"/>
@@ -21599,7 +23496,7 @@
             </a:r>
             <a:r>
               <a:rPr lang="hr-HR"/>
-              <a:t> tehnika testiranja programa zbog automatizacije te pokrivenosti svih slučajeva</a:t>
+              <a:t> tehnika testiranja programa zbog automatizacije te pokrivenosti slučajeva</a:t>
             </a:r>
             <a:endParaRPr/>
           </a:p>
@@ -21643,7 +23540,7 @@
       </p:sp>
       <p:sp>
         <p:nvSpPr>
-          <p:cNvPr id="328" name="Google Shape;328;p36"/>
+          <p:cNvPr id="329" name="Google Shape;329;p36"/>
           <p:cNvSpPr txBox="1"/>
           <p:nvPr>
             <p:ph idx="3" type="body"/>
@@ -21695,7 +23592,7 @@
       </p:sp>
       <p:sp>
         <p:nvSpPr>
-          <p:cNvPr id="329" name="Google Shape;329;p36"/>
+          <p:cNvPr id="330" name="Google Shape;330;p36"/>
           <p:cNvSpPr txBox="1"/>
           <p:nvPr>
             <p:ph idx="12" type="sldNum"/>
@@ -21735,13 +23632,13 @@
       </p:sp>
       <p:sp>
         <p:nvSpPr>
-          <p:cNvPr id="330" name="Google Shape;330;p36"/>
+          <p:cNvPr id="331" name="Google Shape;331;p36"/>
           <p:cNvSpPr txBox="1"/>
           <p:nvPr/>
         </p:nvSpPr>
         <p:spPr>
           <a:xfrm>
-            <a:off x="11534075" y="6478900"/>
+            <a:off x="11534075" y="6453750"/>
             <a:ext cx="524100" cy="525000"/>
           </a:xfrm>
           <a:prstGeom prst="rect">
@@ -21769,7 +23666,7 @@
             </a:pPr>
             <a:r>
               <a:rPr lang="hr-HR" sz="1300"/>
-              <a:t>/23</a:t>
+              <a:t>/30</a:t>
             </a:r>
             <a:endParaRPr sz="1300"/>
           </a:p>
@@ -21788,7 +23685,7 @@
   <p:cSld>
     <p:spTree>
       <p:nvGrpSpPr>
-        <p:cNvPr id="334" name="Shape 334"/>
+        <p:cNvPr id="335" name="Shape 335"/>
         <p:cNvGrpSpPr/>
         <p:nvPr/>
       </p:nvGrpSpPr>
@@ -21802,7 +23699,7 @@
       </p:grpSpPr>
       <p:sp>
         <p:nvSpPr>
-          <p:cNvPr id="335" name="Google Shape;335;p37"/>
+          <p:cNvPr id="336" name="Google Shape;336;p37"/>
           <p:cNvSpPr txBox="1"/>
           <p:nvPr>
             <p:ph idx="2" type="body"/>
@@ -21930,7 +23827,7 @@
       </p:sp>
       <p:sp>
         <p:nvSpPr>
-          <p:cNvPr id="336" name="Google Shape;336;p37"/>
+          <p:cNvPr id="337" name="Google Shape;337;p37"/>
           <p:cNvSpPr txBox="1"/>
           <p:nvPr>
             <p:ph idx="3" type="body"/>
@@ -21982,7 +23879,7 @@
       </p:sp>
       <p:sp>
         <p:nvSpPr>
-          <p:cNvPr id="337" name="Google Shape;337;p37"/>
+          <p:cNvPr id="338" name="Google Shape;338;p37"/>
           <p:cNvSpPr txBox="1"/>
           <p:nvPr>
             <p:ph idx="12" type="sldNum"/>
@@ -22022,13 +23919,13 @@
       </p:sp>
       <p:sp>
         <p:nvSpPr>
-          <p:cNvPr id="338" name="Google Shape;338;p37"/>
+          <p:cNvPr id="339" name="Google Shape;339;p37"/>
           <p:cNvSpPr txBox="1"/>
           <p:nvPr/>
         </p:nvSpPr>
         <p:spPr>
           <a:xfrm>
-            <a:off x="11534075" y="6478900"/>
+            <a:off x="11529250" y="6474050"/>
             <a:ext cx="524100" cy="525000"/>
           </a:xfrm>
           <a:prstGeom prst="rect">
@@ -22056,7 +23953,7 @@
             </a:pPr>
             <a:r>
               <a:rPr lang="hr-HR" sz="1300"/>
-              <a:t>/23</a:t>
+              <a:t>/30</a:t>
             </a:r>
             <a:endParaRPr sz="1300"/>
           </a:p>
@@ -22075,7 +23972,7 @@
   <p:cSld>
     <p:spTree>
       <p:nvGrpSpPr>
-        <p:cNvPr id="342" name="Shape 342"/>
+        <p:cNvPr id="343" name="Shape 343"/>
         <p:cNvGrpSpPr/>
         <p:nvPr/>
       </p:nvGrpSpPr>
@@ -22089,7 +23986,7 @@
       </p:grpSpPr>
       <p:sp>
         <p:nvSpPr>
-          <p:cNvPr id="343" name="Google Shape;343;p38"/>
+          <p:cNvPr id="344" name="Google Shape;344;p38"/>
           <p:cNvSpPr txBox="1"/>
           <p:nvPr>
             <p:ph idx="2" type="body"/>
@@ -22097,8 +23994,8 @@
         </p:nvSpPr>
         <p:spPr>
           <a:xfrm>
-            <a:off x="565509" y="1844450"/>
-            <a:ext cx="10398900" cy="3955200"/>
+            <a:off x="565500" y="1844450"/>
+            <a:ext cx="10398900" cy="4911000"/>
           </a:xfrm>
           <a:prstGeom prst="rect">
             <a:avLst/>
@@ -22110,18 +24007,18 @@
         </p:spPr>
         <p:txBody>
           <a:bodyPr anchorCtr="0" anchor="t" bIns="45700" lIns="91425" spcFirstLastPara="1" rIns="91425" wrap="square" tIns="45700">
-            <a:normAutofit/>
+            <a:normAutofit fontScale="55000" lnSpcReduction="20000"/>
           </a:bodyPr>
           <a:lstStyle/>
           <a:p>
-            <a:pPr indent="-450850" lvl="0" marL="342900" rtl="0" algn="l">
-              <a:spcBef>
-                <a:spcPts val="0"/>
-              </a:spcBef>
-              <a:spcAft>
-                <a:spcPts val="0"/>
-              </a:spcAft>
-              <a:buSzPts val="5300"/>
+            <a:pPr indent="-299402" lvl="0" marL="342900" rtl="0" algn="l">
+              <a:spcBef>
+                <a:spcPts val="0"/>
+              </a:spcBef>
+              <a:spcAft>
+                <a:spcPts val="0"/>
+              </a:spcAft>
+              <a:buSzPct val="189285"/>
               <a:buChar char="•"/>
             </a:pPr>
             <a:r>
@@ -22139,7 +24036,7 @@
             </a:endParaRPr>
           </a:p>
           <a:p>
-            <a:pPr indent="-228600" lvl="1" marL="569912" rtl="0" algn="l">
+            <a:pPr indent="-148590" lvl="1" marL="569912" rtl="0" algn="l">
               <a:spcBef>
                 <a:spcPts val="0"/>
               </a:spcBef>
@@ -22149,7 +24046,7 @@
               <a:buClr>
                 <a:srgbClr val="000000"/>
               </a:buClr>
-              <a:buSzPts val="2800"/>
+              <a:buSzPct val="100000"/>
               <a:buChar char="•"/>
             </a:pPr>
             <a:r>
@@ -22176,14 +24073,329 @@
             </a:endParaRPr>
           </a:p>
           <a:p>
-            <a:pPr indent="-450850" lvl="0" marL="342900" rtl="0" algn="l">
-              <a:spcBef>
-                <a:spcPts val="0"/>
-              </a:spcBef>
-              <a:spcAft>
-                <a:spcPts val="0"/>
-              </a:spcAft>
-              <a:buSzPts val="5300"/>
+            <a:pPr indent="-299402" lvl="0" marL="342900" rtl="0" algn="l">
+              <a:spcBef>
+                <a:spcPts val="0"/>
+              </a:spcBef>
+              <a:spcAft>
+                <a:spcPts val="0"/>
+              </a:spcAft>
+              <a:buSzPct val="189285"/>
+              <a:buChar char="•"/>
+            </a:pPr>
+            <a:r>
+              <a:rPr lang="hr-HR" sz="2800">
+                <a:solidFill>
+                  <a:srgbClr val="000000"/>
+                </a:solidFill>
+              </a:rPr>
+              <a:t>Honggfuzz: </a:t>
+            </a:r>
+            <a:r>
+              <a:rPr lang="hr-HR" sz="2800" u="sng">
+                <a:solidFill>
+                  <a:schemeClr val="hlink"/>
+                </a:solidFill>
+                <a:hlinkClick r:id="rId4"/>
+              </a:rPr>
+              <a:t>https://github.com/google/honggfuzz</a:t>
+            </a:r>
+            <a:endParaRPr sz="2800">
+              <a:solidFill>
+                <a:srgbClr val="000000"/>
+              </a:solidFill>
+            </a:endParaRPr>
+          </a:p>
+          <a:p>
+            <a:pPr indent="-299402" lvl="0" marL="342900" rtl="0" algn="l">
+              <a:spcBef>
+                <a:spcPts val="0"/>
+              </a:spcBef>
+              <a:spcAft>
+                <a:spcPts val="0"/>
+              </a:spcAft>
+              <a:buSzPct val="189285"/>
+              <a:buChar char="•"/>
+            </a:pPr>
+            <a:r>
+              <a:rPr lang="hr-HR" sz="2800">
+                <a:solidFill>
+                  <a:srgbClr val="000000"/>
+                </a:solidFill>
+              </a:rPr>
+              <a:t>Syzkaller: </a:t>
+            </a:r>
+            <a:r>
+              <a:rPr lang="hr-HR" sz="2800" u="sng">
+                <a:solidFill>
+                  <a:schemeClr val="hlink"/>
+                </a:solidFill>
+                <a:hlinkClick r:id="rId5"/>
+              </a:rPr>
+              <a:t>https://github.com/google/syzkaller</a:t>
+            </a:r>
+            <a:endParaRPr sz="2800">
+              <a:solidFill>
+                <a:srgbClr val="000000"/>
+              </a:solidFill>
+            </a:endParaRPr>
+          </a:p>
+          <a:p>
+            <a:pPr indent="-299402" lvl="0" marL="342900" rtl="0" algn="l">
+              <a:spcBef>
+                <a:spcPts val="0"/>
+              </a:spcBef>
+              <a:spcAft>
+                <a:spcPts val="0"/>
+              </a:spcAft>
+              <a:buSzPct val="189285"/>
+              <a:buChar char="•"/>
+            </a:pPr>
+            <a:r>
+              <a:rPr lang="hr-HR" sz="2800">
+                <a:solidFill>
+                  <a:srgbClr val="000000"/>
+                </a:solidFill>
+              </a:rPr>
+              <a:t>Radamsa: </a:t>
+            </a:r>
+            <a:r>
+              <a:rPr lang="hr-HR" sz="2800" u="sng">
+                <a:solidFill>
+                  <a:schemeClr val="hlink"/>
+                </a:solidFill>
+                <a:hlinkClick r:id="rId6"/>
+              </a:rPr>
+              <a:t>https://gitlab.com/akihe/radamsa</a:t>
+            </a:r>
+            <a:endParaRPr sz="2800">
+              <a:solidFill>
+                <a:srgbClr val="000000"/>
+              </a:solidFill>
+            </a:endParaRPr>
+          </a:p>
+          <a:p>
+            <a:pPr indent="-299402" lvl="0" marL="342900" rtl="0" algn="l">
+              <a:spcBef>
+                <a:spcPts val="0"/>
+              </a:spcBef>
+              <a:spcAft>
+                <a:spcPts val="0"/>
+              </a:spcAft>
+              <a:buSzPct val="189285"/>
+              <a:buChar char="•"/>
+            </a:pPr>
+            <a:r>
+              <a:rPr lang="hr-HR" sz="2800">
+                <a:solidFill>
+                  <a:srgbClr val="000000"/>
+                </a:solidFill>
+              </a:rPr>
+              <a:t>OWASP ZAP:</a:t>
+            </a:r>
+            <a:r>
+              <a:rPr lang="hr-HR" sz="2800" u="sng">
+                <a:solidFill>
+                  <a:schemeClr val="hlink"/>
+                </a:solidFill>
+                <a:hlinkClick r:id="rId7"/>
+              </a:rPr>
+              <a:t> https://www.zaproxy.org/</a:t>
+            </a:r>
+            <a:endParaRPr sz="2800">
+              <a:solidFill>
+                <a:srgbClr val="000000"/>
+              </a:solidFill>
+            </a:endParaRPr>
+          </a:p>
+          <a:p>
+            <a:pPr indent="-299402" lvl="0" marL="342900" rtl="0" algn="l">
+              <a:spcBef>
+                <a:spcPts val="0"/>
+              </a:spcBef>
+              <a:spcAft>
+                <a:spcPts val="0"/>
+              </a:spcAft>
+              <a:buSzPct val="189285"/>
+              <a:buChar char="•"/>
+            </a:pPr>
+            <a:r>
+              <a:rPr lang="hr-HR" sz="2800">
+                <a:solidFill>
+                  <a:srgbClr val="000000"/>
+                </a:solidFill>
+              </a:rPr>
+              <a:t>KLEE: </a:t>
+            </a:r>
+            <a:r>
+              <a:rPr lang="hr-HR" sz="2800" u="sng">
+                <a:solidFill>
+                  <a:schemeClr val="hlink"/>
+                </a:solidFill>
+                <a:hlinkClick r:id="rId8"/>
+              </a:rPr>
+              <a:t>https://klee.github.io/</a:t>
+            </a:r>
+            <a:endParaRPr sz="2800">
+              <a:solidFill>
+                <a:srgbClr val="000000"/>
+              </a:solidFill>
+            </a:endParaRPr>
+          </a:p>
+          <a:p>
+            <a:pPr indent="-299402" lvl="0" marL="342900" rtl="0" algn="l">
+              <a:spcBef>
+                <a:spcPts val="0"/>
+              </a:spcBef>
+              <a:spcAft>
+                <a:spcPts val="0"/>
+              </a:spcAft>
+              <a:buSzPct val="189285"/>
+              <a:buChar char="•"/>
+            </a:pPr>
+            <a:r>
+              <a:rPr lang="hr-HR" sz="2800">
+                <a:solidFill>
+                  <a:srgbClr val="000000"/>
+                </a:solidFill>
+              </a:rPr>
+              <a:t>Peach Fuzzer:</a:t>
+            </a:r>
+            <a:r>
+              <a:rPr lang="hr-HR" sz="2800" u="sng">
+                <a:solidFill>
+                  <a:schemeClr val="hlink"/>
+                </a:solidFill>
+                <a:hlinkClick r:id="rId9"/>
+              </a:rPr>
+              <a:t> </a:t>
+            </a:r>
+            <a:r>
+              <a:rPr lang="hr-HR" sz="2800" u="sng">
+                <a:solidFill>
+                  <a:schemeClr val="hlink"/>
+                </a:solidFill>
+                <a:hlinkClick r:id="rId10"/>
+              </a:rPr>
+              <a:t>https://peachtech.gitlab.io/</a:t>
+            </a:r>
+            <a:endParaRPr sz="2800">
+              <a:solidFill>
+                <a:srgbClr val="000000"/>
+              </a:solidFill>
+            </a:endParaRPr>
+          </a:p>
+          <a:p>
+            <a:pPr indent="-299402" lvl="0" marL="342900" rtl="0" algn="l">
+              <a:spcBef>
+                <a:spcPts val="0"/>
+              </a:spcBef>
+              <a:spcAft>
+                <a:spcPts val="0"/>
+              </a:spcAft>
+              <a:buSzPct val="189285"/>
+              <a:buChar char="•"/>
+            </a:pPr>
+            <a:r>
+              <a:rPr lang="hr-HR" sz="2800">
+                <a:solidFill>
+                  <a:srgbClr val="000000"/>
+                </a:solidFill>
+              </a:rPr>
+              <a:t>Defensics (Synopsys): </a:t>
+            </a:r>
+            <a:r>
+              <a:rPr lang="hr-HR" sz="2800" u="sng">
+                <a:solidFill>
+                  <a:schemeClr val="hlink"/>
+                </a:solidFill>
+                <a:hlinkClick r:id="rId11"/>
+              </a:rPr>
+              <a:t>https://www.blackduck.com/fuzz-testing.html</a:t>
+            </a:r>
+            <a:endParaRPr sz="2800">
+              <a:solidFill>
+                <a:srgbClr val="000000"/>
+              </a:solidFill>
+            </a:endParaRPr>
+          </a:p>
+          <a:p>
+            <a:pPr indent="-299402" lvl="0" marL="342900" rtl="0" algn="l">
+              <a:spcBef>
+                <a:spcPts val="0"/>
+              </a:spcBef>
+              <a:spcAft>
+                <a:spcPts val="0"/>
+              </a:spcAft>
+              <a:buSzPct val="189285"/>
+              <a:buChar char="•"/>
+            </a:pPr>
+            <a:r>
+              <a:rPr lang="hr-HR" sz="2800">
+                <a:solidFill>
+                  <a:srgbClr val="000000"/>
+                </a:solidFill>
+              </a:rPr>
+              <a:t>Google OSS-Fuzz: </a:t>
+            </a:r>
+            <a:r>
+              <a:rPr lang="hr-HR" sz="2800" u="sng">
+                <a:solidFill>
+                  <a:schemeClr val="hlink"/>
+                </a:solidFill>
+                <a:hlinkClick r:id="rId12"/>
+              </a:rPr>
+              <a:t>https://github.com/google/oss-fuzz</a:t>
+            </a:r>
+            <a:endParaRPr sz="2800">
+              <a:solidFill>
+                <a:srgbClr val="000000"/>
+              </a:solidFill>
+            </a:endParaRPr>
+          </a:p>
+          <a:p>
+            <a:pPr indent="-299402" lvl="0" marL="342900" rtl="0" algn="l">
+              <a:spcBef>
+                <a:spcPts val="0"/>
+              </a:spcBef>
+              <a:spcAft>
+                <a:spcPts val="0"/>
+              </a:spcAft>
+              <a:buSzPct val="189285"/>
+              <a:buChar char="•"/>
+            </a:pPr>
+            <a:r>
+              <a:rPr lang="hr-HR" sz="2800">
+                <a:solidFill>
+                  <a:srgbClr val="000000"/>
+                </a:solidFill>
+              </a:rPr>
+              <a:t>Google ClusterFuzz: </a:t>
+            </a:r>
+            <a:r>
+              <a:rPr lang="hr-HR" sz="2800" u="sng">
+                <a:solidFill>
+                  <a:schemeClr val="hlink"/>
+                </a:solidFill>
+                <a:hlinkClick r:id="rId13"/>
+              </a:rPr>
+              <a:t>https://github.com/google/clusterfuzz</a:t>
+            </a:r>
+            <a:endParaRPr sz="2800">
+              <a:solidFill>
+                <a:srgbClr val="000000"/>
+              </a:solidFill>
+            </a:endParaRPr>
+          </a:p>
+          <a:p>
+            <a:pPr indent="-299402" lvl="0" marL="342900" rtl="0" algn="l">
+              <a:spcBef>
+                <a:spcPts val="0"/>
+              </a:spcBef>
+              <a:spcAft>
+                <a:spcPts val="0"/>
+              </a:spcAft>
+              <a:buSzPct val="189285"/>
               <a:buChar char="•"/>
             </a:pPr>
             <a:r>
@@ -22202,7 +24414,7 @@
                 <a:uFill>
                   <a:noFill/>
                 </a:uFill>
-                <a:hlinkClick r:id="rId4">
+                <a:hlinkClick r:id="rId14">
                   <a:extLst>
                     <a:ext uri="{A12FA001-AC4F-418D-AE19-62706E023703}">
                       <ahyp:hlinkClr val="tx"/>
@@ -22217,7 +24429,7 @@
                 <a:solidFill>
                   <a:schemeClr val="hlink"/>
                 </a:solidFill>
-                <a:hlinkClick r:id="rId5"/>
+                <a:hlinkClick r:id="rId15"/>
               </a:rPr>
               <a:t>https://github.com/AFLplusplus/AFLplusplus</a:t>
             </a:r>
@@ -22228,14 +24440,14 @@
             </a:endParaRPr>
           </a:p>
           <a:p>
-            <a:pPr indent="-450850" lvl="0" marL="342900" rtl="0" algn="l">
-              <a:spcBef>
-                <a:spcPts val="0"/>
-              </a:spcBef>
-              <a:spcAft>
-                <a:spcPts val="0"/>
-              </a:spcAft>
-              <a:buSzPts val="5300"/>
+            <a:pPr indent="-299402" lvl="0" marL="342900" rtl="0" algn="l">
+              <a:spcBef>
+                <a:spcPts val="0"/>
+              </a:spcBef>
+              <a:spcAft>
+                <a:spcPts val="0"/>
+              </a:spcAft>
+              <a:buSzPct val="189285"/>
               <a:buChar char="•"/>
             </a:pPr>
             <a:r>
@@ -22254,7 +24466,7 @@
                 <a:uFill>
                   <a:noFill/>
                 </a:uFill>
-                <a:hlinkClick r:id="rId6">
+                <a:hlinkClick r:id="rId16">
                   <a:extLst>
                     <a:ext uri="{A12FA001-AC4F-418D-AE19-62706E023703}">
                       <ahyp:hlinkClr val="tx"/>
@@ -22269,31 +24481,9 @@
                 <a:solidFill>
                   <a:schemeClr val="hlink"/>
                 </a:solidFill>
-                <a:hlinkClick r:id="rId7"/>
+                <a:hlinkClick r:id="rId17"/>
               </a:rPr>
               <a:t>https://llvm.org/docs/LibFuzzer.html</a:t>
-            </a:r>
-            <a:endParaRPr sz="2800" u="sng">
-              <a:solidFill>
-                <a:schemeClr val="hlink"/>
-              </a:solidFill>
-            </a:endParaRPr>
-          </a:p>
-          <a:p>
-            <a:pPr indent="0" lvl="0" marL="342900" rtl="0" algn="l">
-              <a:lnSpc>
-                <a:spcPct val="100000"/>
-              </a:lnSpc>
-              <a:spcBef>
-                <a:spcPts val="0"/>
-              </a:spcBef>
-              <a:spcAft>
-                <a:spcPts val="0"/>
-              </a:spcAft>
-              <a:buNone/>
-            </a:pPr>
-            <a:r>
-              <a:t/>
             </a:r>
             <a:endParaRPr/>
           </a:p>
@@ -22301,7 +24491,7 @@
       </p:sp>
       <p:sp>
         <p:nvSpPr>
-          <p:cNvPr id="344" name="Google Shape;344;p38"/>
+          <p:cNvPr id="345" name="Google Shape;345;p38"/>
           <p:cNvSpPr txBox="1"/>
           <p:nvPr>
             <p:ph idx="3" type="body"/>
@@ -22353,7 +24543,7 @@
       </p:sp>
       <p:sp>
         <p:nvSpPr>
-          <p:cNvPr id="345" name="Google Shape;345;p38"/>
+          <p:cNvPr id="346" name="Google Shape;346;p38"/>
           <p:cNvSpPr txBox="1"/>
           <p:nvPr>
             <p:ph idx="12" type="sldNum"/>
@@ -22361,8 +24551,8 @@
         </p:nvSpPr>
         <p:spPr>
           <a:xfrm>
-            <a:off x="10964470" y="6333009"/>
-            <a:ext cx="731700" cy="525000"/>
+            <a:off x="11216125" y="6428150"/>
+            <a:ext cx="411000" cy="327300"/>
           </a:xfrm>
           <a:prstGeom prst="rect">
             <a:avLst/>
@@ -22393,14 +24583,14 @@
       </p:sp>
       <p:sp>
         <p:nvSpPr>
-          <p:cNvPr id="346" name="Google Shape;346;p38"/>
+          <p:cNvPr id="347" name="Google Shape;347;p38"/>
           <p:cNvSpPr txBox="1"/>
           <p:nvPr/>
         </p:nvSpPr>
         <p:spPr>
           <a:xfrm>
-            <a:off x="11534075" y="6478900"/>
-            <a:ext cx="524100" cy="525000"/>
+            <a:off x="11476125" y="6365225"/>
+            <a:ext cx="524100" cy="327300"/>
           </a:xfrm>
           <a:prstGeom prst="rect">
             <a:avLst/>
@@ -22427,7 +24617,7 @@
             </a:pPr>
             <a:r>
               <a:rPr lang="hr-HR" sz="1300"/>
-              <a:t>/23</a:t>
+              <a:t>/30</a:t>
             </a:r>
             <a:endParaRPr sz="1300"/>
           </a:p>
@@ -22564,7 +24754,11 @@
             </a:r>
             <a:r>
               <a:rPr lang="hr-HR" sz="2400"/>
-              <a:t> u industriji te ih ukratko opišite</a:t>
+              <a:t> u industriji te ih </a:t>
+            </a:r>
+            <a:r>
+              <a:rPr lang="hr-HR" sz="2400"/>
+              <a:t>ukratko opišite</a:t>
             </a:r>
             <a:endParaRPr sz="2400"/>
           </a:p>
@@ -22584,7 +24778,7 @@
             </a:pPr>
             <a:r>
               <a:rPr lang="hr-HR" sz="2400"/>
-              <a:t>Opišite glavne izazove moderne </a:t>
+              <a:t>Opišite neke od (barem 3) glavnih izazova moderne </a:t>
             </a:r>
             <a:r>
               <a:rPr i="1" lang="hr-HR" sz="2400"/>
@@ -22592,7 +24786,11 @@
             </a:r>
             <a:r>
               <a:rPr lang="hr-HR" sz="2400"/>
-              <a:t> metodologije i kako se adresiraju.</a:t>
+              <a:t> metodologije i kako se adresiraju</a:t>
+            </a:r>
+            <a:r>
+              <a:rPr lang="hr-HR" sz="2400"/>
+              <a:t>.</a:t>
             </a:r>
             <a:endParaRPr sz="2400"/>
           </a:p>
@@ -22688,8 +24886,8 @@
         </p:nvSpPr>
         <p:spPr>
           <a:xfrm>
-            <a:off x="10964470" y="6333009"/>
-            <a:ext cx="731700" cy="525000"/>
+            <a:off x="11216125" y="6428150"/>
+            <a:ext cx="411000" cy="327300"/>
           </a:xfrm>
           <a:prstGeom prst="rect">
             <a:avLst/>
@@ -22726,8 +24924,8 @@
         </p:nvSpPr>
         <p:spPr>
           <a:xfrm>
-            <a:off x="11534075" y="6478900"/>
-            <a:ext cx="524100" cy="525000"/>
+            <a:off x="11476125" y="6365225"/>
+            <a:ext cx="524100" cy="327300"/>
           </a:xfrm>
           <a:prstGeom prst="rect">
             <a:avLst/>
@@ -22754,7 +24952,7 @@
             </a:pPr>
             <a:r>
               <a:rPr lang="hr-HR" sz="1300"/>
-              <a:t>/23</a:t>
+              <a:t>/30</a:t>
             </a:r>
             <a:endParaRPr sz="1300"/>
           </a:p>
@@ -22773,7 +24971,7 @@
   <p:cSld>
     <p:spTree>
       <p:nvGrpSpPr>
-        <p:cNvPr id="350" name="Shape 350"/>
+        <p:cNvPr id="351" name="Shape 351"/>
         <p:cNvGrpSpPr/>
         <p:nvPr/>
       </p:nvGrpSpPr>
@@ -22787,7 +24985,7 @@
       </p:grpSpPr>
       <p:sp>
         <p:nvSpPr>
-          <p:cNvPr id="351" name="Google Shape;351;p39"/>
+          <p:cNvPr id="352" name="Google Shape;352;p39"/>
           <p:cNvSpPr txBox="1"/>
           <p:nvPr>
             <p:ph idx="1" type="body"/>
@@ -22838,7 +25036,7 @@
       </p:sp>
       <p:sp>
         <p:nvSpPr>
-          <p:cNvPr id="352" name="Google Shape;352;p39"/>
+          <p:cNvPr id="353" name="Google Shape;353;p39"/>
           <p:cNvSpPr txBox="1"/>
           <p:nvPr>
             <p:ph idx="12" type="sldNum"/>
@@ -23145,8 +25343,8 @@
         </p:nvSpPr>
         <p:spPr>
           <a:xfrm>
-            <a:off x="10964395" y="6333009"/>
-            <a:ext cx="731700" cy="525000"/>
+            <a:off x="11216125" y="6428150"/>
+            <a:ext cx="411000" cy="327300"/>
           </a:xfrm>
           <a:prstGeom prst="rect">
             <a:avLst/>
@@ -23183,8 +25381,8 @@
         </p:nvSpPr>
         <p:spPr>
           <a:xfrm>
-            <a:off x="11534075" y="6478900"/>
-            <a:ext cx="524100" cy="525000"/>
+            <a:off x="11476125" y="6365225"/>
+            <a:ext cx="524100" cy="327300"/>
           </a:xfrm>
           <a:prstGeom prst="rect">
             <a:avLst/>
@@ -23211,7 +25409,7 @@
             </a:pPr>
             <a:r>
               <a:rPr lang="hr-HR" sz="1300"/>
-              <a:t>/23</a:t>
+              <a:t>/30</a:t>
             </a:r>
             <a:endParaRPr sz="1300"/>
           </a:p>
@@ -23490,8 +25688,8 @@
         </p:nvSpPr>
         <p:spPr>
           <a:xfrm>
-            <a:off x="10964395" y="6333009"/>
-            <a:ext cx="731700" cy="525000"/>
+            <a:off x="11216125" y="6428150"/>
+            <a:ext cx="411000" cy="327300"/>
           </a:xfrm>
           <a:prstGeom prst="rect">
             <a:avLst/>
@@ -23528,8 +25726,8 @@
         </p:nvSpPr>
         <p:spPr>
           <a:xfrm>
-            <a:off x="11534075" y="6478900"/>
-            <a:ext cx="524100" cy="525000"/>
+            <a:off x="11476125" y="6365225"/>
+            <a:ext cx="524100" cy="327300"/>
           </a:xfrm>
           <a:prstGeom prst="rect">
             <a:avLst/>
@@ -23556,7 +25754,7 @@
             </a:pPr>
             <a:r>
               <a:rPr lang="hr-HR" sz="1300"/>
-              <a:t>/23</a:t>
+              <a:t>/30</a:t>
             </a:r>
             <a:endParaRPr sz="1300"/>
           </a:p>
@@ -23823,49 +26021,9 @@
           </a:p>
         </p:txBody>
       </p:sp>
-      <p:sp>
-        <p:nvSpPr>
-          <p:cNvPr id="109" name="Google Shape;109;p15"/>
-          <p:cNvSpPr txBox="1"/>
-          <p:nvPr>
-            <p:ph idx="12" type="sldNum"/>
-          </p:nvPr>
-        </p:nvSpPr>
-        <p:spPr>
-          <a:xfrm>
-            <a:off x="10964470" y="6333009"/>
-            <a:ext cx="731700" cy="525000"/>
-          </a:xfrm>
-          <a:prstGeom prst="rect">
-            <a:avLst/>
-          </a:prstGeom>
-        </p:spPr>
-        <p:txBody>
-          <a:bodyPr anchorCtr="0" anchor="b" bIns="91425" lIns="91425" spcFirstLastPara="1" rIns="91425" wrap="square" tIns="91425">
-            <a:noAutofit/>
-          </a:bodyPr>
-          <a:lstStyle/>
-          <a:p>
-            <a:pPr indent="0" lvl="0" marL="0" rtl="0" algn="r">
-              <a:spcBef>
-                <a:spcPts val="0"/>
-              </a:spcBef>
-              <a:spcAft>
-                <a:spcPts val="0"/>
-              </a:spcAft>
-              <a:buNone/>
-            </a:pPr>
-            <a:fld id="{00000000-1234-1234-1234-123412341234}" type="slidenum">
-              <a:rPr lang="hr-HR"/>
-              <a:t>‹#›</a:t>
-            </a:fld>
-            <a:endParaRPr/>
-          </a:p>
-        </p:txBody>
-      </p:sp>
       <p:grpSp>
         <p:nvGrpSpPr>
-          <p:cNvPr id="110" name="Google Shape;110;p15"/>
+          <p:cNvPr id="109" name="Google Shape;109;p15"/>
           <p:cNvGrpSpPr/>
           <p:nvPr/>
         </p:nvGrpSpPr>
@@ -23879,7 +26037,7 @@
         </p:grpSpPr>
         <p:sp>
           <p:nvSpPr>
-            <p:cNvPr id="111" name="Google Shape;111;p15"/>
+            <p:cNvPr id="110" name="Google Shape;110;p15"/>
             <p:cNvSpPr/>
             <p:nvPr/>
           </p:nvSpPr>
@@ -23929,7 +26087,7 @@
         </p:sp>
         <p:sp>
           <p:nvSpPr>
-            <p:cNvPr id="112" name="Google Shape;112;p15"/>
+            <p:cNvPr id="111" name="Google Shape;111;p15"/>
             <p:cNvSpPr/>
             <p:nvPr/>
           </p:nvSpPr>
@@ -23979,7 +26137,7 @@
         </p:sp>
         <p:sp>
           <p:nvSpPr>
-            <p:cNvPr id="113" name="Google Shape;113;p15"/>
+            <p:cNvPr id="112" name="Google Shape;112;p15"/>
             <p:cNvSpPr/>
             <p:nvPr/>
           </p:nvSpPr>
@@ -24029,7 +26187,7 @@
         </p:sp>
         <p:sp>
           <p:nvSpPr>
-            <p:cNvPr id="114" name="Google Shape;114;p15"/>
+            <p:cNvPr id="113" name="Google Shape;113;p15"/>
             <p:cNvSpPr/>
             <p:nvPr/>
           </p:nvSpPr>
@@ -24079,6 +26237,35 @@
         </p:sp>
         <p:cxnSp>
           <p:nvCxnSpPr>
+            <p:cNvPr id="114" name="Google Shape;114;p15"/>
+            <p:cNvCxnSpPr>
+              <a:stCxn id="110" idx="3"/>
+              <a:endCxn id="111" idx="1"/>
+            </p:cNvCxnSpPr>
+            <p:nvPr/>
+          </p:nvCxnSpPr>
+          <p:spPr>
+            <a:xfrm>
+              <a:off x="2542425" y="5904150"/>
+              <a:ext cx="1183500" cy="0"/>
+            </a:xfrm>
+            <a:prstGeom prst="straightConnector1">
+              <a:avLst/>
+            </a:prstGeom>
+            <a:noFill/>
+            <a:ln cap="flat" cmpd="sng" w="9525">
+              <a:solidFill>
+                <a:schemeClr val="dk2"/>
+              </a:solidFill>
+              <a:prstDash val="solid"/>
+              <a:round/>
+              <a:headEnd len="med" w="med" type="none"/>
+              <a:tailEnd len="med" w="med" type="triangle"/>
+            </a:ln>
+          </p:spPr>
+        </p:cxnSp>
+        <p:cxnSp>
+          <p:nvCxnSpPr>
             <p:cNvPr id="115" name="Google Shape;115;p15"/>
             <p:cNvCxnSpPr>
               <a:stCxn id="111" idx="3"/>
@@ -24088,7 +26275,7 @@
           </p:nvCxnSpPr>
           <p:spPr>
             <a:xfrm>
-              <a:off x="2542425" y="5904150"/>
+              <a:off x="5378096" y="5904150"/>
               <a:ext cx="1183500" cy="0"/>
             </a:xfrm>
             <a:prstGeom prst="straightConnector1">
@@ -24117,7 +26304,7 @@
           </p:nvCxnSpPr>
           <p:spPr>
             <a:xfrm>
-              <a:off x="5378096" y="5904150"/>
+              <a:off x="8314879" y="5904150"/>
               <a:ext cx="1183500" cy="0"/>
             </a:xfrm>
             <a:prstGeom prst="straightConnector1">
@@ -24139,37 +26326,8 @@
           <p:nvCxnSpPr>
             <p:cNvPr id="117" name="Google Shape;117;p15"/>
             <p:cNvCxnSpPr>
-              <a:stCxn id="113" idx="3"/>
-              <a:endCxn id="114" idx="1"/>
-            </p:cNvCxnSpPr>
-            <p:nvPr/>
-          </p:nvCxnSpPr>
-          <p:spPr>
-            <a:xfrm>
-              <a:off x="8314879" y="5904150"/>
-              <a:ext cx="1183500" cy="0"/>
-            </a:xfrm>
-            <a:prstGeom prst="straightConnector1">
-              <a:avLst/>
-            </a:prstGeom>
-            <a:noFill/>
-            <a:ln cap="flat" cmpd="sng" w="9525">
-              <a:solidFill>
-                <a:schemeClr val="dk2"/>
-              </a:solidFill>
-              <a:prstDash val="solid"/>
-              <a:round/>
-              <a:headEnd len="med" w="med" type="none"/>
-              <a:tailEnd len="med" w="med" type="triangle"/>
-            </a:ln>
-          </p:spPr>
-        </p:cxnSp>
-        <p:cxnSp>
-          <p:nvCxnSpPr>
-            <p:cNvPr id="118" name="Google Shape;118;p15"/>
-            <p:cNvCxnSpPr>
-              <a:stCxn id="114" idx="2"/>
-              <a:endCxn id="111" idx="2"/>
+              <a:stCxn id="113" idx="2"/>
+              <a:endCxn id="110" idx="2"/>
             </p:cNvCxnSpPr>
             <p:nvPr/>
           </p:nvCxnSpPr>
@@ -24198,7 +26356,7 @@
       </p:grpSp>
       <p:sp>
         <p:nvSpPr>
-          <p:cNvPr id="119" name="Google Shape;119;p15"/>
+          <p:cNvPr id="118" name="Google Shape;118;p15"/>
           <p:cNvSpPr txBox="1"/>
           <p:nvPr/>
         </p:nvSpPr>
@@ -24256,7 +26414,7 @@
       </p:sp>
       <p:sp>
         <p:nvSpPr>
-          <p:cNvPr id="120" name="Google Shape;120;p15"/>
+          <p:cNvPr id="119" name="Google Shape;119;p15"/>
           <p:cNvSpPr/>
           <p:nvPr/>
         </p:nvSpPr>
@@ -24303,14 +26461,54 @@
       </p:sp>
       <p:sp>
         <p:nvSpPr>
+          <p:cNvPr id="120" name="Google Shape;120;p15"/>
+          <p:cNvSpPr txBox="1"/>
+          <p:nvPr>
+            <p:ph idx="12" type="sldNum"/>
+          </p:nvPr>
+        </p:nvSpPr>
+        <p:spPr>
+          <a:xfrm>
+            <a:off x="11216125" y="6428150"/>
+            <a:ext cx="411000" cy="327300"/>
+          </a:xfrm>
+          <a:prstGeom prst="rect">
+            <a:avLst/>
+          </a:prstGeom>
+        </p:spPr>
+        <p:txBody>
+          <a:bodyPr anchorCtr="0" anchor="b" bIns="91425" lIns="91425" spcFirstLastPara="1" rIns="91425" wrap="square" tIns="91425">
+            <a:noAutofit/>
+          </a:bodyPr>
+          <a:lstStyle/>
+          <a:p>
+            <a:pPr indent="0" lvl="0" marL="0" rtl="0" algn="r">
+              <a:spcBef>
+                <a:spcPts val="0"/>
+              </a:spcBef>
+              <a:spcAft>
+                <a:spcPts val="0"/>
+              </a:spcAft>
+              <a:buNone/>
+            </a:pPr>
+            <a:fld id="{00000000-1234-1234-1234-123412341234}" type="slidenum">
+              <a:rPr lang="hr-HR"/>
+              <a:t>‹#›</a:t>
+            </a:fld>
+            <a:endParaRPr/>
+          </a:p>
+        </p:txBody>
+      </p:sp>
+      <p:sp>
+        <p:nvSpPr>
           <p:cNvPr id="121" name="Google Shape;121;p15"/>
           <p:cNvSpPr txBox="1"/>
           <p:nvPr/>
         </p:nvSpPr>
         <p:spPr>
           <a:xfrm>
-            <a:off x="11534075" y="6478900"/>
-            <a:ext cx="524100" cy="525000"/>
+            <a:off x="11476125" y="6365225"/>
+            <a:ext cx="524100" cy="327300"/>
           </a:xfrm>
           <a:prstGeom prst="rect">
             <a:avLst/>
@@ -24337,7 +26535,7 @@
             </a:pPr>
             <a:r>
               <a:rPr lang="hr-HR" sz="1300"/>
-              <a:t>/23</a:t>
+              <a:t>/30</a:t>
             </a:r>
             <a:endParaRPr sz="1300"/>
           </a:p>
@@ -25003,51 +27201,9 @@
           </a:p>
         </p:txBody>
       </p:sp>
-      <p:sp>
-        <p:nvSpPr>
-          <p:cNvPr id="136" name="Google Shape;136;p17"/>
-          <p:cNvSpPr txBox="1"/>
-          <p:nvPr/>
-        </p:nvSpPr>
-        <p:spPr>
-          <a:xfrm>
-            <a:off x="11534075" y="6478900"/>
-            <a:ext cx="524100" cy="525000"/>
-          </a:xfrm>
-          <a:prstGeom prst="rect">
-            <a:avLst/>
-          </a:prstGeom>
-          <a:noFill/>
-          <a:ln>
-            <a:noFill/>
-          </a:ln>
-        </p:spPr>
-        <p:txBody>
-          <a:bodyPr anchorCtr="0" anchor="t" bIns="91425" lIns="91425" spcFirstLastPara="1" rIns="91425" wrap="square" tIns="91425">
-            <a:noAutofit/>
-          </a:bodyPr>
-          <a:lstStyle/>
-          <a:p>
-            <a:pPr indent="0" lvl="0" marL="0" rtl="0" algn="l">
-              <a:spcBef>
-                <a:spcPts val="0"/>
-              </a:spcBef>
-              <a:spcAft>
-                <a:spcPts val="0"/>
-              </a:spcAft>
-              <a:buNone/>
-            </a:pPr>
-            <a:r>
-              <a:rPr lang="hr-HR" sz="1300"/>
-              <a:t>/23</a:t>
-            </a:r>
-            <a:endParaRPr sz="1300"/>
-          </a:p>
-        </p:txBody>
-      </p:sp>
       <p:grpSp>
         <p:nvGrpSpPr>
-          <p:cNvPr id="137" name="Google Shape;137;p17"/>
+          <p:cNvPr id="136" name="Google Shape;136;p17"/>
           <p:cNvGrpSpPr/>
           <p:nvPr/>
         </p:nvGrpSpPr>
@@ -25061,7 +27217,7 @@
         </p:grpSpPr>
         <p:sp>
           <p:nvSpPr>
-            <p:cNvPr id="138" name="Google Shape;138;p17"/>
+            <p:cNvPr id="137" name="Google Shape;137;p17"/>
             <p:cNvSpPr/>
             <p:nvPr/>
           </p:nvSpPr>
@@ -25104,7 +27260,7 @@
         </p:sp>
         <p:grpSp>
           <p:nvGrpSpPr>
-            <p:cNvPr id="139" name="Google Shape;139;p17"/>
+            <p:cNvPr id="138" name="Google Shape;138;p17"/>
             <p:cNvGrpSpPr/>
             <p:nvPr/>
           </p:nvGrpSpPr>
@@ -25118,7 +27274,7 @@
           </p:grpSpPr>
           <p:grpSp>
             <p:nvGrpSpPr>
-              <p:cNvPr id="140" name="Google Shape;140;p17"/>
+              <p:cNvPr id="139" name="Google Shape;139;p17"/>
               <p:cNvGrpSpPr/>
               <p:nvPr/>
             </p:nvGrpSpPr>
@@ -25132,7 +27288,7 @@
             </p:grpSpPr>
             <p:cxnSp>
               <p:nvCxnSpPr>
-                <p:cNvPr id="141" name="Google Shape;141;p17"/>
+                <p:cNvPr id="140" name="Google Shape;140;p17"/>
                 <p:cNvCxnSpPr/>
                 <p:nvPr/>
               </p:nvCxnSpPr>
@@ -25158,7 +27314,7 @@
             </p:cxnSp>
             <p:sp>
               <p:nvSpPr>
-                <p:cNvPr id="142" name="Google Shape;142;p17"/>
+                <p:cNvPr id="141" name="Google Shape;141;p17"/>
                 <p:cNvSpPr/>
                 <p:nvPr/>
               </p:nvSpPr>
@@ -25202,7 +27358,7 @@
           </p:grpSp>
           <p:sp>
             <p:nvSpPr>
-              <p:cNvPr id="143" name="Google Shape;143;p17"/>
+              <p:cNvPr id="142" name="Google Shape;142;p17"/>
               <p:cNvSpPr txBox="1"/>
               <p:nvPr/>
             </p:nvSpPr>
@@ -25257,7 +27413,7 @@
           </p:sp>
           <p:sp>
             <p:nvSpPr>
-              <p:cNvPr id="144" name="Google Shape;144;p17"/>
+              <p:cNvPr id="143" name="Google Shape;143;p17"/>
               <p:cNvSpPr txBox="1"/>
               <p:nvPr/>
             </p:nvSpPr>
@@ -25509,13 +27665,13 @@
       </p:grpSp>
       <p:grpSp>
         <p:nvGrpSpPr>
-          <p:cNvPr id="145" name="Google Shape;145;p17"/>
+          <p:cNvPr id="144" name="Google Shape;144;p17"/>
           <p:cNvGrpSpPr/>
           <p:nvPr/>
         </p:nvGrpSpPr>
         <p:grpSpPr>
           <a:xfrm>
-            <a:off x="7426475" y="3612875"/>
+            <a:off x="7363550" y="3612875"/>
             <a:ext cx="4765219" cy="3168522"/>
             <a:chOff x="5582946" y="2702598"/>
             <a:chExt cx="3574004" cy="2376451"/>
@@ -25523,7 +27679,7 @@
         </p:grpSpPr>
         <p:sp>
           <p:nvSpPr>
-            <p:cNvPr id="146" name="Google Shape;146;p17"/>
+            <p:cNvPr id="145" name="Google Shape;145;p17"/>
             <p:cNvSpPr/>
             <p:nvPr/>
           </p:nvSpPr>
@@ -25566,7 +27722,7 @@
         </p:sp>
         <p:grpSp>
           <p:nvGrpSpPr>
-            <p:cNvPr id="147" name="Google Shape;147;p17"/>
+            <p:cNvPr id="146" name="Google Shape;146;p17"/>
             <p:cNvGrpSpPr/>
             <p:nvPr/>
           </p:nvGrpSpPr>
@@ -25580,7 +27736,7 @@
           </p:grpSpPr>
           <p:grpSp>
             <p:nvGrpSpPr>
-              <p:cNvPr id="148" name="Google Shape;148;p17"/>
+              <p:cNvPr id="147" name="Google Shape;147;p17"/>
               <p:cNvGrpSpPr/>
               <p:nvPr/>
             </p:nvGrpSpPr>
@@ -25594,7 +27750,7 @@
             </p:grpSpPr>
             <p:cxnSp>
               <p:nvCxnSpPr>
-                <p:cNvPr id="149" name="Google Shape;149;p17"/>
+                <p:cNvPr id="148" name="Google Shape;148;p17"/>
                 <p:cNvCxnSpPr/>
                 <p:nvPr/>
               </p:nvCxnSpPr>
@@ -25620,7 +27776,7 @@
             </p:cxnSp>
             <p:sp>
               <p:nvSpPr>
-                <p:cNvPr id="150" name="Google Shape;150;p17"/>
+                <p:cNvPr id="149" name="Google Shape;149;p17"/>
                 <p:cNvSpPr/>
                 <p:nvPr/>
               </p:nvSpPr>
@@ -25664,7 +27820,7 @@
           </p:grpSp>
           <p:sp>
             <p:nvSpPr>
-              <p:cNvPr id="151" name="Google Shape;151;p17"/>
+              <p:cNvPr id="150" name="Google Shape;150;p17"/>
               <p:cNvSpPr txBox="1"/>
               <p:nvPr/>
             </p:nvSpPr>
@@ -25719,7 +27875,7 @@
           </p:sp>
           <p:sp>
             <p:nvSpPr>
-              <p:cNvPr id="152" name="Google Shape;152;p17"/>
+              <p:cNvPr id="151" name="Google Shape;151;p17"/>
               <p:cNvSpPr txBox="1"/>
               <p:nvPr/>
             </p:nvSpPr>
@@ -25936,7 +28092,7 @@
       </p:grpSp>
       <p:grpSp>
         <p:nvGrpSpPr>
-          <p:cNvPr id="153" name="Google Shape;153;p17"/>
+          <p:cNvPr id="152" name="Google Shape;152;p17"/>
           <p:cNvGrpSpPr/>
           <p:nvPr/>
         </p:nvGrpSpPr>
@@ -25950,7 +28106,7 @@
         </p:grpSpPr>
         <p:sp>
           <p:nvSpPr>
-            <p:cNvPr id="154" name="Google Shape;154;p17"/>
+            <p:cNvPr id="153" name="Google Shape;153;p17"/>
             <p:cNvSpPr/>
             <p:nvPr/>
           </p:nvSpPr>
@@ -25993,7 +28149,7 @@
         </p:sp>
         <p:grpSp>
           <p:nvGrpSpPr>
-            <p:cNvPr id="155" name="Google Shape;155;p17"/>
+            <p:cNvPr id="154" name="Google Shape;154;p17"/>
             <p:cNvGrpSpPr/>
             <p:nvPr/>
           </p:nvGrpSpPr>
@@ -26007,7 +28163,7 @@
           </p:grpSpPr>
           <p:sp>
             <p:nvSpPr>
-              <p:cNvPr id="156" name="Google Shape;156;p17"/>
+              <p:cNvPr id="155" name="Google Shape;155;p17"/>
               <p:cNvSpPr txBox="1"/>
               <p:nvPr/>
             </p:nvSpPr>
@@ -26062,7 +28218,7 @@
           </p:sp>
           <p:grpSp>
             <p:nvGrpSpPr>
-              <p:cNvPr id="157" name="Google Shape;157;p17"/>
+              <p:cNvPr id="156" name="Google Shape;156;p17"/>
               <p:cNvGrpSpPr/>
               <p:nvPr/>
             </p:nvGrpSpPr>
@@ -26076,7 +28232,7 @@
             </p:grpSpPr>
             <p:cxnSp>
               <p:nvCxnSpPr>
-                <p:cNvPr id="158" name="Google Shape;158;p17"/>
+                <p:cNvPr id="157" name="Google Shape;157;p17"/>
                 <p:cNvCxnSpPr/>
                 <p:nvPr/>
               </p:nvCxnSpPr>
@@ -26102,7 +28258,7 @@
             </p:cxnSp>
             <p:sp>
               <p:nvSpPr>
-                <p:cNvPr id="159" name="Google Shape;159;p17"/>
+                <p:cNvPr id="158" name="Google Shape;158;p17"/>
                 <p:cNvSpPr/>
                 <p:nvPr/>
               </p:nvSpPr>
@@ -26146,7 +28302,7 @@
           </p:grpSp>
           <p:sp>
             <p:nvSpPr>
-              <p:cNvPr id="160" name="Google Shape;160;p17"/>
+              <p:cNvPr id="159" name="Google Shape;159;p17"/>
               <p:cNvSpPr txBox="1"/>
               <p:nvPr/>
             </p:nvSpPr>
@@ -26284,7 +28440,7 @@
       </p:grpSp>
       <p:grpSp>
         <p:nvGrpSpPr>
-          <p:cNvPr id="161" name="Google Shape;161;p17"/>
+          <p:cNvPr id="160" name="Google Shape;160;p17"/>
           <p:cNvGrpSpPr/>
           <p:nvPr/>
         </p:nvGrpSpPr>
@@ -26298,7 +28454,7 @@
         </p:grpSpPr>
         <p:sp>
           <p:nvSpPr>
-            <p:cNvPr id="162" name="Google Shape;162;p17"/>
+            <p:cNvPr id="161" name="Google Shape;161;p17"/>
             <p:cNvSpPr/>
             <p:nvPr/>
           </p:nvSpPr>
@@ -26341,7 +28497,7 @@
         </p:sp>
         <p:grpSp>
           <p:nvGrpSpPr>
-            <p:cNvPr id="163" name="Google Shape;163;p17"/>
+            <p:cNvPr id="162" name="Google Shape;162;p17"/>
             <p:cNvGrpSpPr/>
             <p:nvPr/>
           </p:nvGrpSpPr>
@@ -26355,7 +28511,7 @@
           </p:grpSpPr>
           <p:sp>
             <p:nvSpPr>
-              <p:cNvPr id="164" name="Google Shape;164;p17"/>
+              <p:cNvPr id="163" name="Google Shape;163;p17"/>
               <p:cNvSpPr txBox="1"/>
               <p:nvPr/>
             </p:nvSpPr>
@@ -26410,7 +28566,7 @@
           </p:sp>
           <p:grpSp>
             <p:nvGrpSpPr>
-              <p:cNvPr id="165" name="Google Shape;165;p17"/>
+              <p:cNvPr id="164" name="Google Shape;164;p17"/>
               <p:cNvGrpSpPr/>
               <p:nvPr/>
             </p:nvGrpSpPr>
@@ -26424,7 +28580,7 @@
             </p:grpSpPr>
             <p:cxnSp>
               <p:nvCxnSpPr>
-                <p:cNvPr id="166" name="Google Shape;166;p17"/>
+                <p:cNvPr id="165" name="Google Shape;165;p17"/>
                 <p:cNvCxnSpPr/>
                 <p:nvPr/>
               </p:nvCxnSpPr>
@@ -26450,7 +28606,7 @@
             </p:cxnSp>
             <p:sp>
               <p:nvSpPr>
-                <p:cNvPr id="167" name="Google Shape;167;p17"/>
+                <p:cNvPr id="166" name="Google Shape;166;p17"/>
                 <p:cNvSpPr/>
                 <p:nvPr/>
               </p:nvSpPr>
@@ -26494,7 +28650,7 @@
           </p:grpSp>
           <p:sp>
             <p:nvSpPr>
-              <p:cNvPr id="168" name="Google Shape;168;p17"/>
+              <p:cNvPr id="167" name="Google Shape;167;p17"/>
               <p:cNvSpPr txBox="1"/>
               <p:nvPr/>
             </p:nvSpPr>
@@ -26685,6 +28841,88 @@
           </p:sp>
         </p:grpSp>
       </p:grpSp>
+      <p:sp>
+        <p:nvSpPr>
+          <p:cNvPr id="168" name="Google Shape;168;p17"/>
+          <p:cNvSpPr txBox="1"/>
+          <p:nvPr>
+            <p:ph idx="12" type="sldNum"/>
+          </p:nvPr>
+        </p:nvSpPr>
+        <p:spPr>
+          <a:xfrm>
+            <a:off x="11294325" y="6530700"/>
+            <a:ext cx="411000" cy="327300"/>
+          </a:xfrm>
+          <a:prstGeom prst="rect">
+            <a:avLst/>
+          </a:prstGeom>
+        </p:spPr>
+        <p:txBody>
+          <a:bodyPr anchorCtr="0" anchor="b" bIns="91425" lIns="91425" spcFirstLastPara="1" rIns="91425" wrap="square" tIns="91425">
+            <a:noAutofit/>
+          </a:bodyPr>
+          <a:lstStyle/>
+          <a:p>
+            <a:pPr indent="0" lvl="0" marL="0" rtl="0" algn="r">
+              <a:spcBef>
+                <a:spcPts val="0"/>
+              </a:spcBef>
+              <a:spcAft>
+                <a:spcPts val="0"/>
+              </a:spcAft>
+              <a:buNone/>
+            </a:pPr>
+            <a:fld id="{00000000-1234-1234-1234-123412341234}" type="slidenum">
+              <a:rPr lang="hr-HR"/>
+              <a:t>‹#›</a:t>
+            </a:fld>
+            <a:endParaRPr/>
+          </a:p>
+        </p:txBody>
+      </p:sp>
+      <p:sp>
+        <p:nvSpPr>
+          <p:cNvPr id="169" name="Google Shape;169;p17"/>
+          <p:cNvSpPr txBox="1"/>
+          <p:nvPr/>
+        </p:nvSpPr>
+        <p:spPr>
+          <a:xfrm>
+            <a:off x="11554325" y="6467775"/>
+            <a:ext cx="524100" cy="327300"/>
+          </a:xfrm>
+          <a:prstGeom prst="rect">
+            <a:avLst/>
+          </a:prstGeom>
+          <a:noFill/>
+          <a:ln>
+            <a:noFill/>
+          </a:ln>
+        </p:spPr>
+        <p:txBody>
+          <a:bodyPr anchorCtr="0" anchor="t" bIns="91425" lIns="91425" spcFirstLastPara="1" rIns="91425" wrap="square" tIns="91425">
+            <a:noAutofit/>
+          </a:bodyPr>
+          <a:lstStyle/>
+          <a:p>
+            <a:pPr indent="0" lvl="0" marL="0" rtl="0" algn="l">
+              <a:spcBef>
+                <a:spcPts val="0"/>
+              </a:spcBef>
+              <a:spcAft>
+                <a:spcPts val="0"/>
+              </a:spcAft>
+              <a:buNone/>
+            </a:pPr>
+            <a:r>
+              <a:rPr lang="hr-HR" sz="1300"/>
+              <a:t>/30</a:t>
+            </a:r>
+            <a:endParaRPr sz="1300"/>
+          </a:p>
+        </p:txBody>
+      </p:sp>
     </p:spTree>
   </p:cSld>
   <p:clrMapOvr>
@@ -26698,7 +28936,7 @@
   <p:cSld>
     <p:spTree>
       <p:nvGrpSpPr>
-        <p:cNvPr id="172" name="Shape 172"/>
+        <p:cNvPr id="173" name="Shape 173"/>
         <p:cNvGrpSpPr/>
         <p:nvPr/>
       </p:nvGrpSpPr>
@@ -26712,7 +28950,7 @@
       </p:grpSpPr>
       <p:sp>
         <p:nvSpPr>
-          <p:cNvPr id="173" name="Google Shape;173;p18"/>
+          <p:cNvPr id="174" name="Google Shape;174;p18"/>
           <p:cNvSpPr txBox="1"/>
           <p:nvPr>
             <p:ph idx="2" type="body"/>
@@ -27072,7 +29310,7 @@
       </p:sp>
       <p:sp>
         <p:nvSpPr>
-          <p:cNvPr id="174" name="Google Shape;174;p18"/>
+          <p:cNvPr id="175" name="Google Shape;175;p18"/>
           <p:cNvSpPr txBox="1"/>
           <p:nvPr>
             <p:ph idx="3" type="body"/>
@@ -27132,7 +29370,7 @@
       </p:sp>
       <p:sp>
         <p:nvSpPr>
-          <p:cNvPr id="175" name="Google Shape;175;p18"/>
+          <p:cNvPr id="176" name="Google Shape;176;p18"/>
           <p:cNvSpPr txBox="1"/>
           <p:nvPr>
             <p:ph idx="12" type="sldNum"/>
@@ -27140,8 +29378,8 @@
         </p:nvSpPr>
         <p:spPr>
           <a:xfrm>
-            <a:off x="10964395" y="6333009"/>
-            <a:ext cx="731700" cy="525000"/>
+            <a:off x="11216125" y="6428150"/>
+            <a:ext cx="411000" cy="327300"/>
           </a:xfrm>
           <a:prstGeom prst="rect">
             <a:avLst/>
@@ -27172,14 +29410,14 @@
       </p:sp>
       <p:sp>
         <p:nvSpPr>
-          <p:cNvPr id="176" name="Google Shape;176;p18"/>
+          <p:cNvPr id="177" name="Google Shape;177;p18"/>
           <p:cNvSpPr txBox="1"/>
           <p:nvPr/>
         </p:nvSpPr>
         <p:spPr>
           <a:xfrm>
-            <a:off x="11534075" y="6478900"/>
-            <a:ext cx="524100" cy="525000"/>
+            <a:off x="11476125" y="6365225"/>
+            <a:ext cx="524100" cy="327300"/>
           </a:xfrm>
           <a:prstGeom prst="rect">
             <a:avLst/>
@@ -27206,7 +29444,7 @@
             </a:pPr>
             <a:r>
               <a:rPr lang="hr-HR" sz="1300"/>
-              <a:t>/23</a:t>
+              <a:t>/30</a:t>
             </a:r>
             <a:endParaRPr sz="1300"/>
           </a:p>
